--- a/Simulation/MPC/Sunumlar/MPC_sunum_week35.pptx
+++ b/Simulation/MPC/Sunumlar/MPC_sunum_week35.pptx
@@ -4,12 +4,28 @@
   <p:sldMasterIdLst>
     <p:sldMasterId id="2147483648" r:id="rId1"/>
   </p:sldMasterIdLst>
+  <p:notesMasterIdLst>
+    <p:notesMasterId r:id="rId20"/>
+  </p:notesMasterIdLst>
   <p:sldIdLst>
     <p:sldId id="259" r:id="rId2"/>
-    <p:sldId id="260" r:id="rId3"/>
-    <p:sldId id="261" r:id="rId4"/>
-    <p:sldId id="262" r:id="rId5"/>
-    <p:sldId id="264" r:id="rId6"/>
+    <p:sldId id="265" r:id="rId3"/>
+    <p:sldId id="260" r:id="rId4"/>
+    <p:sldId id="261" r:id="rId5"/>
+    <p:sldId id="267" r:id="rId6"/>
+    <p:sldId id="262" r:id="rId7"/>
+    <p:sldId id="269" r:id="rId8"/>
+    <p:sldId id="270" r:id="rId9"/>
+    <p:sldId id="272" r:id="rId10"/>
+    <p:sldId id="273" r:id="rId11"/>
+    <p:sldId id="275" r:id="rId12"/>
+    <p:sldId id="279" r:id="rId13"/>
+    <p:sldId id="276" r:id="rId14"/>
+    <p:sldId id="278" r:id="rId15"/>
+    <p:sldId id="280" r:id="rId16"/>
+    <p:sldId id="277" r:id="rId17"/>
+    <p:sldId id="282" r:id="rId18"/>
+    <p:sldId id="283" r:id="rId19"/>
   </p:sldIdLst>
   <p:sldSz cx="12192000" cy="6858000"/>
   <p:notesSz cx="6858000" cy="9144000"/>
@@ -108,7 +124,361 @@
       </a:defRPr>
     </a:lvl9pPr>
   </p:defaultTextStyle>
+  <p:extLst>
+    <p:ext uri="{EFAFB233-063F-42B5-8137-9DF3F51BA10A}">
+      <p15:sldGuideLst xmlns:p15="http://schemas.microsoft.com/office/powerpoint/2012/main"/>
+    </p:ext>
+  </p:extLst>
 </p:presentation>
+</file>
+
+<file path=ppt/notesMasters/notesMaster1.xml><?xml version="1.0" encoding="utf-8"?>
+<p:notesMaster xmlns:a="http://schemas.openxmlformats.org/drawingml/2006/main" xmlns:r="http://schemas.openxmlformats.org/officeDocument/2006/relationships" xmlns:p="http://schemas.openxmlformats.org/presentationml/2006/main">
+  <p:cSld>
+    <p:bg>
+      <p:bgRef idx="1001">
+        <a:schemeClr val="bg1"/>
+      </p:bgRef>
+    </p:bg>
+    <p:spTree>
+      <p:nvGrpSpPr>
+        <p:cNvPr id="1" name=""/>
+        <p:cNvGrpSpPr/>
+        <p:nvPr/>
+      </p:nvGrpSpPr>
+      <p:grpSpPr>
+        <a:xfrm>
+          <a:off x="0" y="0"/>
+          <a:ext cx="0" cy="0"/>
+          <a:chOff x="0" y="0"/>
+          <a:chExt cx="0" cy="0"/>
+        </a:xfrm>
+      </p:grpSpPr>
+      <p:sp>
+        <p:nvSpPr>
+          <p:cNvPr id="2" name="Header Placeholder 1"/>
+          <p:cNvSpPr>
+            <a:spLocks noGrp="1"/>
+          </p:cNvSpPr>
+          <p:nvPr>
+            <p:ph type="hdr" sz="quarter"/>
+          </p:nvPr>
+        </p:nvSpPr>
+        <p:spPr>
+          <a:xfrm>
+            <a:off x="0" y="0"/>
+            <a:ext cx="2971800" cy="458788"/>
+          </a:xfrm>
+          <a:prstGeom prst="rect">
+            <a:avLst/>
+          </a:prstGeom>
+        </p:spPr>
+        <p:txBody>
+          <a:bodyPr vert="horz" lIns="91440" tIns="45720" rIns="91440" bIns="45720" rtlCol="0"/>
+          <a:lstStyle>
+            <a:lvl1pPr algn="l">
+              <a:defRPr sz="1200"/>
+            </a:lvl1pPr>
+          </a:lstStyle>
+          <a:p>
+            <a:endParaRPr lang="en-US"/>
+          </a:p>
+        </p:txBody>
+      </p:sp>
+      <p:sp>
+        <p:nvSpPr>
+          <p:cNvPr id="3" name="Date Placeholder 2"/>
+          <p:cNvSpPr>
+            <a:spLocks noGrp="1"/>
+          </p:cNvSpPr>
+          <p:nvPr>
+            <p:ph type="dt" idx="1"/>
+          </p:nvPr>
+        </p:nvSpPr>
+        <p:spPr>
+          <a:xfrm>
+            <a:off x="3884613" y="0"/>
+            <a:ext cx="2971800" cy="458788"/>
+          </a:xfrm>
+          <a:prstGeom prst="rect">
+            <a:avLst/>
+          </a:prstGeom>
+        </p:spPr>
+        <p:txBody>
+          <a:bodyPr vert="horz" lIns="91440" tIns="45720" rIns="91440" bIns="45720" rtlCol="0"/>
+          <a:lstStyle>
+            <a:lvl1pPr algn="r">
+              <a:defRPr sz="1200"/>
+            </a:lvl1pPr>
+          </a:lstStyle>
+          <a:p>
+            <a:fld id="{308E5783-8B2E-470E-B6A3-DDBC6AC5051D}" type="datetimeFigureOut">
+              <a:rPr lang="en-US" smtClean="0"/>
+              <a:t>8/27/2020</a:t>
+            </a:fld>
+            <a:endParaRPr lang="en-US"/>
+          </a:p>
+        </p:txBody>
+      </p:sp>
+      <p:sp>
+        <p:nvSpPr>
+          <p:cNvPr id="4" name="Slide Image Placeholder 3"/>
+          <p:cNvSpPr>
+            <a:spLocks noGrp="1" noRot="1" noChangeAspect="1"/>
+          </p:cNvSpPr>
+          <p:nvPr>
+            <p:ph type="sldImg" idx="2"/>
+          </p:nvPr>
+        </p:nvSpPr>
+        <p:spPr>
+          <a:xfrm>
+            <a:off x="685800" y="1143000"/>
+            <a:ext cx="5486400" cy="3086100"/>
+          </a:xfrm>
+          <a:prstGeom prst="rect">
+            <a:avLst/>
+          </a:prstGeom>
+          <a:noFill/>
+          <a:ln w="12700">
+            <a:solidFill>
+              <a:prstClr val="black"/>
+            </a:solidFill>
+          </a:ln>
+        </p:spPr>
+        <p:txBody>
+          <a:bodyPr vert="horz" lIns="91440" tIns="45720" rIns="91440" bIns="45720" rtlCol="0" anchor="ctr"/>
+          <a:lstStyle/>
+          <a:p>
+            <a:endParaRPr lang="en-US"/>
+          </a:p>
+        </p:txBody>
+      </p:sp>
+      <p:sp>
+        <p:nvSpPr>
+          <p:cNvPr id="5" name="Notes Placeholder 4"/>
+          <p:cNvSpPr>
+            <a:spLocks noGrp="1"/>
+          </p:cNvSpPr>
+          <p:nvPr>
+            <p:ph type="body" sz="quarter" idx="3"/>
+          </p:nvPr>
+        </p:nvSpPr>
+        <p:spPr>
+          <a:xfrm>
+            <a:off x="685800" y="4400550"/>
+            <a:ext cx="5486400" cy="3600450"/>
+          </a:xfrm>
+          <a:prstGeom prst="rect">
+            <a:avLst/>
+          </a:prstGeom>
+        </p:spPr>
+        <p:txBody>
+          <a:bodyPr vert="horz" lIns="91440" tIns="45720" rIns="91440" bIns="45720" rtlCol="0"/>
+          <a:lstStyle/>
+          <a:p>
+            <a:pPr lvl="0"/>
+            <a:r>
+              <a:rPr lang="en-US"/>
+              <a:t>Edit Master text styles</a:t>
+            </a:r>
+          </a:p>
+          <a:p>
+            <a:pPr lvl="1"/>
+            <a:r>
+              <a:rPr lang="en-US"/>
+              <a:t>Second level</a:t>
+            </a:r>
+          </a:p>
+          <a:p>
+            <a:pPr lvl="2"/>
+            <a:r>
+              <a:rPr lang="en-US"/>
+              <a:t>Third level</a:t>
+            </a:r>
+          </a:p>
+          <a:p>
+            <a:pPr lvl="3"/>
+            <a:r>
+              <a:rPr lang="en-US"/>
+              <a:t>Fourth level</a:t>
+            </a:r>
+          </a:p>
+          <a:p>
+            <a:pPr lvl="4"/>
+            <a:r>
+              <a:rPr lang="en-US"/>
+              <a:t>Fifth level</a:t>
+            </a:r>
+          </a:p>
+        </p:txBody>
+      </p:sp>
+      <p:sp>
+        <p:nvSpPr>
+          <p:cNvPr id="6" name="Footer Placeholder 5"/>
+          <p:cNvSpPr>
+            <a:spLocks noGrp="1"/>
+          </p:cNvSpPr>
+          <p:nvPr>
+            <p:ph type="ftr" sz="quarter" idx="4"/>
+          </p:nvPr>
+        </p:nvSpPr>
+        <p:spPr>
+          <a:xfrm>
+            <a:off x="0" y="8685213"/>
+            <a:ext cx="2971800" cy="458787"/>
+          </a:xfrm>
+          <a:prstGeom prst="rect">
+            <a:avLst/>
+          </a:prstGeom>
+        </p:spPr>
+        <p:txBody>
+          <a:bodyPr vert="horz" lIns="91440" tIns="45720" rIns="91440" bIns="45720" rtlCol="0" anchor="b"/>
+          <a:lstStyle>
+            <a:lvl1pPr algn="l">
+              <a:defRPr sz="1200"/>
+            </a:lvl1pPr>
+          </a:lstStyle>
+          <a:p>
+            <a:endParaRPr lang="en-US"/>
+          </a:p>
+        </p:txBody>
+      </p:sp>
+      <p:sp>
+        <p:nvSpPr>
+          <p:cNvPr id="7" name="Slide Number Placeholder 6"/>
+          <p:cNvSpPr>
+            <a:spLocks noGrp="1"/>
+          </p:cNvSpPr>
+          <p:nvPr>
+            <p:ph type="sldNum" sz="quarter" idx="5"/>
+          </p:nvPr>
+        </p:nvSpPr>
+        <p:spPr>
+          <a:xfrm>
+            <a:off x="3884613" y="8685213"/>
+            <a:ext cx="2971800" cy="458787"/>
+          </a:xfrm>
+          <a:prstGeom prst="rect">
+            <a:avLst/>
+          </a:prstGeom>
+        </p:spPr>
+        <p:txBody>
+          <a:bodyPr vert="horz" lIns="91440" tIns="45720" rIns="91440" bIns="45720" rtlCol="0" anchor="b"/>
+          <a:lstStyle>
+            <a:lvl1pPr algn="r">
+              <a:defRPr sz="1200"/>
+            </a:lvl1pPr>
+          </a:lstStyle>
+          <a:p>
+            <a:fld id="{0565A110-FAA3-47A0-B05B-849D32D8B4DB}" type="slidenum">
+              <a:rPr lang="en-US" smtClean="0"/>
+              <a:t>‹#›</a:t>
+            </a:fld>
+            <a:endParaRPr lang="en-US"/>
+          </a:p>
+        </p:txBody>
+      </p:sp>
+    </p:spTree>
+    <p:extLst>
+      <p:ext uri="{BB962C8B-B14F-4D97-AF65-F5344CB8AC3E}">
+        <p14:creationId xmlns:p14="http://schemas.microsoft.com/office/powerpoint/2010/main" val="20888411"/>
+      </p:ext>
+    </p:extLst>
+  </p:cSld>
+  <p:clrMap bg1="lt1" tx1="dk1" bg2="lt2" tx2="dk2" accent1="accent1" accent2="accent2" accent3="accent3" accent4="accent4" accent5="accent5" accent6="accent6" hlink="hlink" folHlink="folHlink"/>
+  <p:notesStyle>
+    <a:lvl1pPr marL="0" algn="l" defTabSz="914400" rtl="0" eaLnBrk="1" latinLnBrk="0" hangingPunct="1">
+      <a:defRPr sz="1200" kern="1200">
+        <a:solidFill>
+          <a:schemeClr val="tx1"/>
+        </a:solidFill>
+        <a:latin typeface="+mn-lt"/>
+        <a:ea typeface="+mn-ea"/>
+        <a:cs typeface="+mn-cs"/>
+      </a:defRPr>
+    </a:lvl1pPr>
+    <a:lvl2pPr marL="457200" algn="l" defTabSz="914400" rtl="0" eaLnBrk="1" latinLnBrk="0" hangingPunct="1">
+      <a:defRPr sz="1200" kern="1200">
+        <a:solidFill>
+          <a:schemeClr val="tx1"/>
+        </a:solidFill>
+        <a:latin typeface="+mn-lt"/>
+        <a:ea typeface="+mn-ea"/>
+        <a:cs typeface="+mn-cs"/>
+      </a:defRPr>
+    </a:lvl2pPr>
+    <a:lvl3pPr marL="914400" algn="l" defTabSz="914400" rtl="0" eaLnBrk="1" latinLnBrk="0" hangingPunct="1">
+      <a:defRPr sz="1200" kern="1200">
+        <a:solidFill>
+          <a:schemeClr val="tx1"/>
+        </a:solidFill>
+        <a:latin typeface="+mn-lt"/>
+        <a:ea typeface="+mn-ea"/>
+        <a:cs typeface="+mn-cs"/>
+      </a:defRPr>
+    </a:lvl3pPr>
+    <a:lvl4pPr marL="1371600" algn="l" defTabSz="914400" rtl="0" eaLnBrk="1" latinLnBrk="0" hangingPunct="1">
+      <a:defRPr sz="1200" kern="1200">
+        <a:solidFill>
+          <a:schemeClr val="tx1"/>
+        </a:solidFill>
+        <a:latin typeface="+mn-lt"/>
+        <a:ea typeface="+mn-ea"/>
+        <a:cs typeface="+mn-cs"/>
+      </a:defRPr>
+    </a:lvl4pPr>
+    <a:lvl5pPr marL="1828800" algn="l" defTabSz="914400" rtl="0" eaLnBrk="1" latinLnBrk="0" hangingPunct="1">
+      <a:defRPr sz="1200" kern="1200">
+        <a:solidFill>
+          <a:schemeClr val="tx1"/>
+        </a:solidFill>
+        <a:latin typeface="+mn-lt"/>
+        <a:ea typeface="+mn-ea"/>
+        <a:cs typeface="+mn-cs"/>
+      </a:defRPr>
+    </a:lvl5pPr>
+    <a:lvl6pPr marL="2286000" algn="l" defTabSz="914400" rtl="0" eaLnBrk="1" latinLnBrk="0" hangingPunct="1">
+      <a:defRPr sz="1200" kern="1200">
+        <a:solidFill>
+          <a:schemeClr val="tx1"/>
+        </a:solidFill>
+        <a:latin typeface="+mn-lt"/>
+        <a:ea typeface="+mn-ea"/>
+        <a:cs typeface="+mn-cs"/>
+      </a:defRPr>
+    </a:lvl6pPr>
+    <a:lvl7pPr marL="2743200" algn="l" defTabSz="914400" rtl="0" eaLnBrk="1" latinLnBrk="0" hangingPunct="1">
+      <a:defRPr sz="1200" kern="1200">
+        <a:solidFill>
+          <a:schemeClr val="tx1"/>
+        </a:solidFill>
+        <a:latin typeface="+mn-lt"/>
+        <a:ea typeface="+mn-ea"/>
+        <a:cs typeface="+mn-cs"/>
+      </a:defRPr>
+    </a:lvl7pPr>
+    <a:lvl8pPr marL="3200400" algn="l" defTabSz="914400" rtl="0" eaLnBrk="1" latinLnBrk="0" hangingPunct="1">
+      <a:defRPr sz="1200" kern="1200">
+        <a:solidFill>
+          <a:schemeClr val="tx1"/>
+        </a:solidFill>
+        <a:latin typeface="+mn-lt"/>
+        <a:ea typeface="+mn-ea"/>
+        <a:cs typeface="+mn-cs"/>
+      </a:defRPr>
+    </a:lvl8pPr>
+    <a:lvl9pPr marL="3657600" algn="l" defTabSz="914400" rtl="0" eaLnBrk="1" latinLnBrk="0" hangingPunct="1">
+      <a:defRPr sz="1200" kern="1200">
+        <a:solidFill>
+          <a:schemeClr val="tx1"/>
+        </a:solidFill>
+        <a:latin typeface="+mn-lt"/>
+        <a:ea typeface="+mn-ea"/>
+        <a:cs typeface="+mn-cs"/>
+      </a:defRPr>
+    </a:lvl9pPr>
+  </p:notesStyle>
+</p:notesMaster>
 </file>
 
 <file path=ppt/slideLayouts/slideLayout1.xml><?xml version="1.0" encoding="utf-8"?>
@@ -256,9 +626,9 @@
           <a:bodyPr/>
           <a:lstStyle/>
           <a:p>
-            <a:fld id="{DAAB7225-699D-4D1A-BD9B-41F7B3D25C44}" type="datetimeFigureOut">
+            <a:fld id="{7313DD3E-EBD7-4C44-BE8C-00472795C4AA}" type="datetime1">
               <a:rPr lang="tr-TR" smtClean="0"/>
-              <a:t>20.08.2020</a:t>
+              <a:t>27.08.2020</a:t>
             </a:fld>
             <a:endParaRPr lang="tr-TR"/>
           </a:p>
@@ -454,9 +824,9 @@
           <a:bodyPr/>
           <a:lstStyle/>
           <a:p>
-            <a:fld id="{DAAB7225-699D-4D1A-BD9B-41F7B3D25C44}" type="datetimeFigureOut">
+            <a:fld id="{89987EEB-8604-4C9B-8713-C26F23FCB10C}" type="datetime1">
               <a:rPr lang="tr-TR" smtClean="0"/>
-              <a:t>20.08.2020</a:t>
+              <a:t>27.08.2020</a:t>
             </a:fld>
             <a:endParaRPr lang="tr-TR"/>
           </a:p>
@@ -662,9 +1032,9 @@
           <a:bodyPr/>
           <a:lstStyle/>
           <a:p>
-            <a:fld id="{DAAB7225-699D-4D1A-BD9B-41F7B3D25C44}" type="datetimeFigureOut">
+            <a:fld id="{CD097AE7-D598-4311-A6C5-5EBD9DD18949}" type="datetime1">
               <a:rPr lang="tr-TR" smtClean="0"/>
-              <a:t>20.08.2020</a:t>
+              <a:t>27.08.2020</a:t>
             </a:fld>
             <a:endParaRPr lang="tr-TR"/>
           </a:p>
@@ -860,9 +1230,9 @@
           <a:bodyPr/>
           <a:lstStyle/>
           <a:p>
-            <a:fld id="{DAAB7225-699D-4D1A-BD9B-41F7B3D25C44}" type="datetimeFigureOut">
+            <a:fld id="{F740E213-9AAA-457A-B67F-B4F93D912700}" type="datetime1">
               <a:rPr lang="tr-TR" smtClean="0"/>
-              <a:t>20.08.2020</a:t>
+              <a:t>27.08.2020</a:t>
             </a:fld>
             <a:endParaRPr lang="tr-TR"/>
           </a:p>
@@ -1135,9 +1505,9 @@
           <a:bodyPr/>
           <a:lstStyle/>
           <a:p>
-            <a:fld id="{DAAB7225-699D-4D1A-BD9B-41F7B3D25C44}" type="datetimeFigureOut">
+            <a:fld id="{49849C44-B0DC-4877-AAB6-0DBC4F2C0487}" type="datetime1">
               <a:rPr lang="tr-TR" smtClean="0"/>
-              <a:t>20.08.2020</a:t>
+              <a:t>27.08.2020</a:t>
             </a:fld>
             <a:endParaRPr lang="tr-TR"/>
           </a:p>
@@ -1400,9 +1770,9 @@
           <a:bodyPr/>
           <a:lstStyle/>
           <a:p>
-            <a:fld id="{DAAB7225-699D-4D1A-BD9B-41F7B3D25C44}" type="datetimeFigureOut">
+            <a:fld id="{07CB6E42-21C5-4172-922F-65F198F7063E}" type="datetime1">
               <a:rPr lang="tr-TR" smtClean="0"/>
-              <a:t>20.08.2020</a:t>
+              <a:t>27.08.2020</a:t>
             </a:fld>
             <a:endParaRPr lang="tr-TR"/>
           </a:p>
@@ -1812,9 +2182,9 @@
           <a:bodyPr/>
           <a:lstStyle/>
           <a:p>
-            <a:fld id="{DAAB7225-699D-4D1A-BD9B-41F7B3D25C44}" type="datetimeFigureOut">
+            <a:fld id="{EAE8F0BB-87E1-43CA-A2BB-7AD9CDE84CDE}" type="datetime1">
               <a:rPr lang="tr-TR" smtClean="0"/>
-              <a:t>20.08.2020</a:t>
+              <a:t>27.08.2020</a:t>
             </a:fld>
             <a:endParaRPr lang="tr-TR"/>
           </a:p>
@@ -1953,9 +2323,9 @@
           <a:bodyPr/>
           <a:lstStyle/>
           <a:p>
-            <a:fld id="{DAAB7225-699D-4D1A-BD9B-41F7B3D25C44}" type="datetimeFigureOut">
+            <a:fld id="{F9C97467-25FF-4ED3-AB62-FC056BD07028}" type="datetime1">
               <a:rPr lang="tr-TR" smtClean="0"/>
-              <a:t>20.08.2020</a:t>
+              <a:t>27.08.2020</a:t>
             </a:fld>
             <a:endParaRPr lang="tr-TR"/>
           </a:p>
@@ -2066,9 +2436,9 @@
           <a:bodyPr/>
           <a:lstStyle/>
           <a:p>
-            <a:fld id="{DAAB7225-699D-4D1A-BD9B-41F7B3D25C44}" type="datetimeFigureOut">
+            <a:fld id="{3C74D334-2F1A-46DE-90DC-3434E6615647}" type="datetime1">
               <a:rPr lang="tr-TR" smtClean="0"/>
-              <a:t>20.08.2020</a:t>
+              <a:t>27.08.2020</a:t>
             </a:fld>
             <a:endParaRPr lang="tr-TR"/>
           </a:p>
@@ -2377,9 +2747,9 @@
           <a:bodyPr/>
           <a:lstStyle/>
           <a:p>
-            <a:fld id="{DAAB7225-699D-4D1A-BD9B-41F7B3D25C44}" type="datetimeFigureOut">
+            <a:fld id="{CD675690-C216-4DC9-ADAF-483D2FE5F1B1}" type="datetime1">
               <a:rPr lang="tr-TR" smtClean="0"/>
-              <a:t>20.08.2020</a:t>
+              <a:t>27.08.2020</a:t>
             </a:fld>
             <a:endParaRPr lang="tr-TR"/>
           </a:p>
@@ -2665,9 +3035,9 @@
           <a:bodyPr/>
           <a:lstStyle/>
           <a:p>
-            <a:fld id="{DAAB7225-699D-4D1A-BD9B-41F7B3D25C44}" type="datetimeFigureOut">
+            <a:fld id="{598B6A2F-194B-4BF6-B0C9-AE097530AC45}" type="datetime1">
               <a:rPr lang="tr-TR" smtClean="0"/>
-              <a:t>20.08.2020</a:t>
+              <a:t>27.08.2020</a:t>
             </a:fld>
             <a:endParaRPr lang="tr-TR"/>
           </a:p>
@@ -2906,9 +3276,9 @@
             </a:lvl1pPr>
           </a:lstStyle>
           <a:p>
-            <a:fld id="{DAAB7225-699D-4D1A-BD9B-41F7B3D25C44}" type="datetimeFigureOut">
+            <a:fld id="{0FA50422-0024-4295-A6DE-D85A55597471}" type="datetime1">
               <a:rPr lang="tr-TR" smtClean="0"/>
-              <a:t>20.08.2020</a:t>
+              <a:t>27.08.2020</a:t>
             </a:fld>
             <a:endParaRPr lang="tr-TR"/>
           </a:p>
@@ -3025,6 +3395,7 @@
     <p:sldLayoutId id="2147483658" r:id="rId10"/>
     <p:sldLayoutId id="2147483659" r:id="rId11"/>
   </p:sldLayoutIdLst>
+  <p:hf hdr="0" ftr="0" dt="0"/>
   <p:txStyles>
     <p:titleStyle>
       <a:lvl1pPr algn="l" defTabSz="914400" rtl="0" eaLnBrk="1" latinLnBrk="0" hangingPunct="1">
@@ -3498,10 +3869,2490 @@
           </a:p>
         </p:txBody>
       </p:sp>
+      <p:sp>
+        <p:nvSpPr>
+          <p:cNvPr id="4" name="Slide Number Placeholder 3">
+            <a:extLst>
+              <a:ext uri="{FF2B5EF4-FFF2-40B4-BE49-F238E27FC236}">
+                <a16:creationId xmlns:a16="http://schemas.microsoft.com/office/drawing/2014/main" id="{C69043A1-BF3A-46B0-A9D8-C1C0CECA2CD1}"/>
+              </a:ext>
+            </a:extLst>
+          </p:cNvPr>
+          <p:cNvSpPr>
+            <a:spLocks noGrp="1"/>
+          </p:cNvSpPr>
+          <p:nvPr>
+            <p:ph type="sldNum" sz="quarter" idx="12"/>
+          </p:nvPr>
+        </p:nvSpPr>
+        <p:spPr/>
+        <p:txBody>
+          <a:bodyPr/>
+          <a:lstStyle/>
+          <a:p>
+            <a:fld id="{C34F410B-15DC-41CC-BDD7-B7A13803B7AF}" type="slidenum">
+              <a:rPr lang="tr-TR" smtClean="0"/>
+              <a:t>1</a:t>
+            </a:fld>
+            <a:endParaRPr lang="tr-TR"/>
+          </a:p>
+        </p:txBody>
+      </p:sp>
     </p:spTree>
     <p:extLst>
       <p:ext uri="{BB962C8B-B14F-4D97-AF65-F5344CB8AC3E}">
         <p14:creationId xmlns:p14="http://schemas.microsoft.com/office/powerpoint/2010/main" val="2863759822"/>
+      </p:ext>
+    </p:extLst>
+  </p:cSld>
+  <p:clrMapOvr>
+    <a:masterClrMapping/>
+  </p:clrMapOvr>
+</p:sld>
+</file>
+
+<file path=ppt/slides/slide10.xml><?xml version="1.0" encoding="utf-8"?>
+<p:sld xmlns:a="http://schemas.openxmlformats.org/drawingml/2006/main" xmlns:r="http://schemas.openxmlformats.org/officeDocument/2006/relationships" xmlns:p="http://schemas.openxmlformats.org/presentationml/2006/main">
+  <p:cSld>
+    <p:spTree>
+      <p:nvGrpSpPr>
+        <p:cNvPr id="1" name=""/>
+        <p:cNvGrpSpPr/>
+        <p:nvPr/>
+      </p:nvGrpSpPr>
+      <p:grpSpPr>
+        <a:xfrm>
+          <a:off x="0" y="0"/>
+          <a:ext cx="0" cy="0"/>
+          <a:chOff x="0" y="0"/>
+          <a:chExt cx="0" cy="0"/>
+        </a:xfrm>
+      </p:grpSpPr>
+      <p:sp>
+        <p:nvSpPr>
+          <p:cNvPr id="2" name="Title 1">
+            <a:extLst>
+              <a:ext uri="{FF2B5EF4-FFF2-40B4-BE49-F238E27FC236}">
+                <a16:creationId xmlns:a16="http://schemas.microsoft.com/office/drawing/2014/main" id="{76E6F8DB-44C9-49E7-BE08-21D02849A9F8}"/>
+              </a:ext>
+            </a:extLst>
+          </p:cNvPr>
+          <p:cNvSpPr>
+            <a:spLocks noGrp="1"/>
+          </p:cNvSpPr>
+          <p:nvPr>
+            <p:ph type="title"/>
+          </p:nvPr>
+        </p:nvSpPr>
+        <p:spPr/>
+        <p:txBody>
+          <a:bodyPr/>
+          <a:lstStyle/>
+          <a:p>
+            <a:r>
+              <a:rPr lang="tr-TR" dirty="0" err="1"/>
+              <a:t>Two</a:t>
+            </a:r>
+            <a:r>
+              <a:rPr lang="tr-TR" dirty="0"/>
+              <a:t> </a:t>
+            </a:r>
+            <a:r>
+              <a:rPr lang="tr-TR" dirty="0" err="1"/>
+              <a:t>modules</a:t>
+            </a:r>
+            <a:r>
+              <a:rPr lang="tr-TR" dirty="0"/>
+              <a:t> (</a:t>
+            </a:r>
+            <a:r>
+              <a:rPr lang="tr-TR" dirty="0" err="1"/>
+              <a:t>yes</a:t>
+            </a:r>
+            <a:r>
+              <a:rPr lang="tr-TR" dirty="0"/>
+              <a:t> </a:t>
+            </a:r>
+            <a:r>
+              <a:rPr lang="tr-TR" dirty="0" err="1"/>
+              <a:t>fault</a:t>
+            </a:r>
+            <a:r>
+              <a:rPr lang="tr-TR" dirty="0"/>
+              <a:t>)</a:t>
+            </a:r>
+            <a:endParaRPr lang="en-US" dirty="0"/>
+          </a:p>
+        </p:txBody>
+      </p:sp>
+      <p:pic>
+        <p:nvPicPr>
+          <p:cNvPr id="4" name="Picture 3">
+            <a:extLst>
+              <a:ext uri="{FF2B5EF4-FFF2-40B4-BE49-F238E27FC236}">
+                <a16:creationId xmlns:a16="http://schemas.microsoft.com/office/drawing/2014/main" id="{09DEDCCB-9129-483B-A694-BA39B996D3D8}"/>
+              </a:ext>
+            </a:extLst>
+          </p:cNvPr>
+          <p:cNvPicPr>
+            <a:picLocks noChangeAspect="1"/>
+          </p:cNvPicPr>
+          <p:nvPr/>
+        </p:nvPicPr>
+        <p:blipFill>
+          <a:blip r:embed="rId2"/>
+          <a:stretch>
+            <a:fillRect/>
+          </a:stretch>
+        </p:blipFill>
+        <p:spPr>
+          <a:xfrm>
+            <a:off x="0" y="1318084"/>
+            <a:ext cx="5491520" cy="3171029"/>
+          </a:xfrm>
+          <a:prstGeom prst="rect">
+            <a:avLst/>
+          </a:prstGeom>
+        </p:spPr>
+      </p:pic>
+      <p:pic>
+        <p:nvPicPr>
+          <p:cNvPr id="6" name="Picture 5">
+            <a:extLst>
+              <a:ext uri="{FF2B5EF4-FFF2-40B4-BE49-F238E27FC236}">
+                <a16:creationId xmlns:a16="http://schemas.microsoft.com/office/drawing/2014/main" id="{0DB10059-8AC8-474F-83C2-ACB2957EB271}"/>
+              </a:ext>
+            </a:extLst>
+          </p:cNvPr>
+          <p:cNvPicPr>
+            <a:picLocks noChangeAspect="1"/>
+          </p:cNvPicPr>
+          <p:nvPr/>
+        </p:nvPicPr>
+        <p:blipFill>
+          <a:blip r:embed="rId3"/>
+          <a:stretch>
+            <a:fillRect/>
+          </a:stretch>
+        </p:blipFill>
+        <p:spPr>
+          <a:xfrm>
+            <a:off x="5720098" y="1318084"/>
+            <a:ext cx="6471902" cy="3486881"/>
+          </a:xfrm>
+          <a:prstGeom prst="rect">
+            <a:avLst/>
+          </a:prstGeom>
+        </p:spPr>
+      </p:pic>
+      <p:pic>
+        <p:nvPicPr>
+          <p:cNvPr id="10" name="Picture 9">
+            <a:extLst>
+              <a:ext uri="{FF2B5EF4-FFF2-40B4-BE49-F238E27FC236}">
+                <a16:creationId xmlns:a16="http://schemas.microsoft.com/office/drawing/2014/main" id="{4C23A734-56C5-4C1F-8C83-CC52B654639C}"/>
+              </a:ext>
+            </a:extLst>
+          </p:cNvPr>
+          <p:cNvPicPr>
+            <a:picLocks noChangeAspect="1"/>
+          </p:cNvPicPr>
+          <p:nvPr/>
+        </p:nvPicPr>
+        <p:blipFill>
+          <a:blip r:embed="rId4"/>
+          <a:stretch>
+            <a:fillRect/>
+          </a:stretch>
+        </p:blipFill>
+        <p:spPr>
+          <a:xfrm>
+            <a:off x="147637" y="4455874"/>
+            <a:ext cx="5409685" cy="2287826"/>
+          </a:xfrm>
+          <a:prstGeom prst="rect">
+            <a:avLst/>
+          </a:prstGeom>
+        </p:spPr>
+      </p:pic>
+      <p:pic>
+        <p:nvPicPr>
+          <p:cNvPr id="7" name="Picture 6">
+            <a:extLst>
+              <a:ext uri="{FF2B5EF4-FFF2-40B4-BE49-F238E27FC236}">
+                <a16:creationId xmlns:a16="http://schemas.microsoft.com/office/drawing/2014/main" id="{DA9E4767-0D6C-4DCB-B224-A544297F49EF}"/>
+              </a:ext>
+            </a:extLst>
+          </p:cNvPr>
+          <p:cNvPicPr>
+            <a:picLocks noChangeAspect="1"/>
+          </p:cNvPicPr>
+          <p:nvPr/>
+        </p:nvPicPr>
+        <p:blipFill>
+          <a:blip r:embed="rId5"/>
+          <a:stretch>
+            <a:fillRect/>
+          </a:stretch>
+        </p:blipFill>
+        <p:spPr>
+          <a:xfrm>
+            <a:off x="5936881" y="5021566"/>
+            <a:ext cx="6038335" cy="1156442"/>
+          </a:xfrm>
+          <a:prstGeom prst="rect">
+            <a:avLst/>
+          </a:prstGeom>
+        </p:spPr>
+      </p:pic>
+      <p:sp>
+        <p:nvSpPr>
+          <p:cNvPr id="11" name="Slide Number Placeholder 10">
+            <a:extLst>
+              <a:ext uri="{FF2B5EF4-FFF2-40B4-BE49-F238E27FC236}">
+                <a16:creationId xmlns:a16="http://schemas.microsoft.com/office/drawing/2014/main" id="{2C1EE00A-971B-4D96-9C99-73EEE2E0D82E}"/>
+              </a:ext>
+            </a:extLst>
+          </p:cNvPr>
+          <p:cNvSpPr>
+            <a:spLocks noGrp="1"/>
+          </p:cNvSpPr>
+          <p:nvPr>
+            <p:ph type="sldNum" sz="quarter" idx="12"/>
+          </p:nvPr>
+        </p:nvSpPr>
+        <p:spPr/>
+        <p:txBody>
+          <a:bodyPr/>
+          <a:lstStyle/>
+          <a:p>
+            <a:fld id="{C34F410B-15DC-41CC-BDD7-B7A13803B7AF}" type="slidenum">
+              <a:rPr lang="tr-TR" smtClean="0"/>
+              <a:t>10</a:t>
+            </a:fld>
+            <a:endParaRPr lang="tr-TR"/>
+          </a:p>
+        </p:txBody>
+      </p:sp>
+    </p:spTree>
+    <p:extLst>
+      <p:ext uri="{BB962C8B-B14F-4D97-AF65-F5344CB8AC3E}">
+        <p14:creationId xmlns:p14="http://schemas.microsoft.com/office/powerpoint/2010/main" val="4267357122"/>
+      </p:ext>
+    </p:extLst>
+  </p:cSld>
+  <p:clrMapOvr>
+    <a:masterClrMapping/>
+  </p:clrMapOvr>
+</p:sld>
+</file>
+
+<file path=ppt/slides/slide11.xml><?xml version="1.0" encoding="utf-8"?>
+<p:sld xmlns:a="http://schemas.openxmlformats.org/drawingml/2006/main" xmlns:r="http://schemas.openxmlformats.org/officeDocument/2006/relationships" xmlns:p="http://schemas.openxmlformats.org/presentationml/2006/main">
+  <p:cSld>
+    <p:spTree>
+      <p:nvGrpSpPr>
+        <p:cNvPr id="1" name=""/>
+        <p:cNvGrpSpPr/>
+        <p:nvPr/>
+      </p:nvGrpSpPr>
+      <p:grpSpPr>
+        <a:xfrm>
+          <a:off x="0" y="0"/>
+          <a:ext cx="0" cy="0"/>
+          <a:chOff x="0" y="0"/>
+          <a:chExt cx="0" cy="0"/>
+        </a:xfrm>
+      </p:grpSpPr>
+      <p:sp>
+        <p:nvSpPr>
+          <p:cNvPr id="2" name="Title 1">
+            <a:extLst>
+              <a:ext uri="{FF2B5EF4-FFF2-40B4-BE49-F238E27FC236}">
+                <a16:creationId xmlns:a16="http://schemas.microsoft.com/office/drawing/2014/main" id="{76E6F8DB-44C9-49E7-BE08-21D02849A9F8}"/>
+              </a:ext>
+            </a:extLst>
+          </p:cNvPr>
+          <p:cNvSpPr>
+            <a:spLocks noGrp="1"/>
+          </p:cNvSpPr>
+          <p:nvPr>
+            <p:ph type="title"/>
+          </p:nvPr>
+        </p:nvSpPr>
+        <p:spPr>
+          <a:xfrm>
+            <a:off x="838200" y="365125"/>
+            <a:ext cx="11353800" cy="1325563"/>
+          </a:xfrm>
+        </p:spPr>
+        <p:txBody>
+          <a:bodyPr/>
+          <a:lstStyle/>
+          <a:p>
+            <a:r>
+              <a:rPr lang="tr-TR" dirty="0" err="1"/>
+              <a:t>Two</a:t>
+            </a:r>
+            <a:r>
+              <a:rPr lang="tr-TR" dirty="0"/>
+              <a:t> </a:t>
+            </a:r>
+            <a:r>
+              <a:rPr lang="tr-TR" dirty="0" err="1"/>
+              <a:t>modules</a:t>
+            </a:r>
+            <a:r>
+              <a:rPr lang="tr-TR" dirty="0"/>
+              <a:t> (</a:t>
+            </a:r>
+            <a:r>
+              <a:rPr lang="tr-TR" dirty="0" err="1"/>
+              <a:t>yes</a:t>
+            </a:r>
+            <a:r>
+              <a:rPr lang="tr-TR" dirty="0"/>
+              <a:t> </a:t>
+            </a:r>
+            <a:r>
+              <a:rPr lang="tr-TR" dirty="0" err="1"/>
+              <a:t>fault</a:t>
+            </a:r>
+            <a:r>
+              <a:rPr lang="tr-TR" dirty="0"/>
+              <a:t> </a:t>
+            </a:r>
+            <a:r>
+              <a:rPr lang="tr-TR" dirty="0" err="1"/>
+              <a:t>with</a:t>
+            </a:r>
+            <a:r>
+              <a:rPr lang="tr-TR" dirty="0"/>
+              <a:t> </a:t>
+            </a:r>
+            <a:r>
+              <a:rPr lang="tr-TR" dirty="0" err="1"/>
+              <a:t>basic</a:t>
+            </a:r>
+            <a:r>
+              <a:rPr lang="tr-TR" dirty="0"/>
+              <a:t> </a:t>
+            </a:r>
+            <a:r>
+              <a:rPr lang="tr-TR" dirty="0" err="1"/>
+              <a:t>fault</a:t>
+            </a:r>
+            <a:r>
+              <a:rPr lang="tr-TR" dirty="0"/>
+              <a:t> </a:t>
+            </a:r>
+            <a:r>
+              <a:rPr lang="tr-TR" dirty="0" err="1"/>
+              <a:t>tolerance</a:t>
+            </a:r>
+            <a:r>
+              <a:rPr lang="tr-TR" dirty="0"/>
+              <a:t>)</a:t>
+            </a:r>
+            <a:endParaRPr lang="en-US" dirty="0"/>
+          </a:p>
+        </p:txBody>
+      </p:sp>
+      <p:pic>
+        <p:nvPicPr>
+          <p:cNvPr id="3" name="Picture 2">
+            <a:extLst>
+              <a:ext uri="{FF2B5EF4-FFF2-40B4-BE49-F238E27FC236}">
+                <a16:creationId xmlns:a16="http://schemas.microsoft.com/office/drawing/2014/main" id="{A5A1FBD9-A7C4-4228-9418-5FB6F780C741}"/>
+              </a:ext>
+            </a:extLst>
+          </p:cNvPr>
+          <p:cNvPicPr>
+            <a:picLocks noChangeAspect="1"/>
+          </p:cNvPicPr>
+          <p:nvPr/>
+        </p:nvPicPr>
+        <p:blipFill>
+          <a:blip r:embed="rId2"/>
+          <a:stretch>
+            <a:fillRect/>
+          </a:stretch>
+        </p:blipFill>
+        <p:spPr>
+          <a:xfrm>
+            <a:off x="0" y="1266826"/>
+            <a:ext cx="5621716" cy="3205162"/>
+          </a:xfrm>
+          <a:prstGeom prst="rect">
+            <a:avLst/>
+          </a:prstGeom>
+        </p:spPr>
+      </p:pic>
+      <p:pic>
+        <p:nvPicPr>
+          <p:cNvPr id="5" name="Picture 4">
+            <a:extLst>
+              <a:ext uri="{FF2B5EF4-FFF2-40B4-BE49-F238E27FC236}">
+                <a16:creationId xmlns:a16="http://schemas.microsoft.com/office/drawing/2014/main" id="{7DC6C535-9358-4957-B8EE-730D572B2726}"/>
+              </a:ext>
+            </a:extLst>
+          </p:cNvPr>
+          <p:cNvPicPr>
+            <a:picLocks noChangeAspect="1"/>
+          </p:cNvPicPr>
+          <p:nvPr/>
+        </p:nvPicPr>
+        <p:blipFill>
+          <a:blip r:embed="rId3"/>
+          <a:stretch>
+            <a:fillRect/>
+          </a:stretch>
+        </p:blipFill>
+        <p:spPr>
+          <a:xfrm>
+            <a:off x="97631" y="4471988"/>
+            <a:ext cx="5426453" cy="2386012"/>
+          </a:xfrm>
+          <a:prstGeom prst="rect">
+            <a:avLst/>
+          </a:prstGeom>
+        </p:spPr>
+      </p:pic>
+      <p:pic>
+        <p:nvPicPr>
+          <p:cNvPr id="8" name="Picture 7">
+            <a:extLst>
+              <a:ext uri="{FF2B5EF4-FFF2-40B4-BE49-F238E27FC236}">
+                <a16:creationId xmlns:a16="http://schemas.microsoft.com/office/drawing/2014/main" id="{A10FD154-2FF6-49C6-A711-A92A55EF7BD9}"/>
+              </a:ext>
+            </a:extLst>
+          </p:cNvPr>
+          <p:cNvPicPr>
+            <a:picLocks noChangeAspect="1"/>
+          </p:cNvPicPr>
+          <p:nvPr/>
+        </p:nvPicPr>
+        <p:blipFill>
+          <a:blip r:embed="rId4"/>
+          <a:stretch>
+            <a:fillRect/>
+          </a:stretch>
+        </p:blipFill>
+        <p:spPr>
+          <a:xfrm>
+            <a:off x="5621715" y="1495425"/>
+            <a:ext cx="6353501" cy="3280415"/>
+          </a:xfrm>
+          <a:prstGeom prst="rect">
+            <a:avLst/>
+          </a:prstGeom>
+        </p:spPr>
+      </p:pic>
+      <p:pic>
+        <p:nvPicPr>
+          <p:cNvPr id="9" name="Picture 8">
+            <a:extLst>
+              <a:ext uri="{FF2B5EF4-FFF2-40B4-BE49-F238E27FC236}">
+                <a16:creationId xmlns:a16="http://schemas.microsoft.com/office/drawing/2014/main" id="{D44066BD-AD7B-46DD-B858-81444E024955}"/>
+              </a:ext>
+            </a:extLst>
+          </p:cNvPr>
+          <p:cNvPicPr>
+            <a:picLocks noChangeAspect="1"/>
+          </p:cNvPicPr>
+          <p:nvPr/>
+        </p:nvPicPr>
+        <p:blipFill>
+          <a:blip r:embed="rId5"/>
+          <a:stretch>
+            <a:fillRect/>
+          </a:stretch>
+        </p:blipFill>
+        <p:spPr>
+          <a:xfrm>
+            <a:off x="5847812" y="4884434"/>
+            <a:ext cx="6127404" cy="1151378"/>
+          </a:xfrm>
+          <a:prstGeom prst="rect">
+            <a:avLst/>
+          </a:prstGeom>
+        </p:spPr>
+      </p:pic>
+      <p:sp>
+        <p:nvSpPr>
+          <p:cNvPr id="12" name="Slide Number Placeholder 11">
+            <a:extLst>
+              <a:ext uri="{FF2B5EF4-FFF2-40B4-BE49-F238E27FC236}">
+                <a16:creationId xmlns:a16="http://schemas.microsoft.com/office/drawing/2014/main" id="{E1A5970C-982E-429D-AFA4-78A9CD9B5061}"/>
+              </a:ext>
+            </a:extLst>
+          </p:cNvPr>
+          <p:cNvSpPr>
+            <a:spLocks noGrp="1"/>
+          </p:cNvSpPr>
+          <p:nvPr>
+            <p:ph type="sldNum" sz="quarter" idx="12"/>
+          </p:nvPr>
+        </p:nvSpPr>
+        <p:spPr/>
+        <p:txBody>
+          <a:bodyPr/>
+          <a:lstStyle/>
+          <a:p>
+            <a:fld id="{C34F410B-15DC-41CC-BDD7-B7A13803B7AF}" type="slidenum">
+              <a:rPr lang="tr-TR" smtClean="0"/>
+              <a:t>11</a:t>
+            </a:fld>
+            <a:endParaRPr lang="tr-TR"/>
+          </a:p>
+        </p:txBody>
+      </p:sp>
+    </p:spTree>
+    <p:extLst>
+      <p:ext uri="{BB962C8B-B14F-4D97-AF65-F5344CB8AC3E}">
+        <p14:creationId xmlns:p14="http://schemas.microsoft.com/office/powerpoint/2010/main" val="130998158"/>
+      </p:ext>
+    </p:extLst>
+  </p:cSld>
+  <p:clrMapOvr>
+    <a:masterClrMapping/>
+  </p:clrMapOvr>
+</p:sld>
+</file>
+
+<file path=ppt/slides/slide12.xml><?xml version="1.0" encoding="utf-8"?>
+<p:sld xmlns:a="http://schemas.openxmlformats.org/drawingml/2006/main" xmlns:r="http://schemas.openxmlformats.org/officeDocument/2006/relationships" xmlns:p="http://schemas.openxmlformats.org/presentationml/2006/main">
+  <p:cSld>
+    <p:spTree>
+      <p:nvGrpSpPr>
+        <p:cNvPr id="1" name=""/>
+        <p:cNvGrpSpPr/>
+        <p:nvPr/>
+      </p:nvGrpSpPr>
+      <p:grpSpPr>
+        <a:xfrm>
+          <a:off x="0" y="0"/>
+          <a:ext cx="0" cy="0"/>
+          <a:chOff x="0" y="0"/>
+          <a:chExt cx="0" cy="0"/>
+        </a:xfrm>
+      </p:grpSpPr>
+      <p:sp>
+        <p:nvSpPr>
+          <p:cNvPr id="2" name="Title 1">
+            <a:extLst>
+              <a:ext uri="{FF2B5EF4-FFF2-40B4-BE49-F238E27FC236}">
+                <a16:creationId xmlns:a16="http://schemas.microsoft.com/office/drawing/2014/main" id="{76E6F8DB-44C9-49E7-BE08-21D02849A9F8}"/>
+              </a:ext>
+            </a:extLst>
+          </p:cNvPr>
+          <p:cNvSpPr>
+            <a:spLocks noGrp="1"/>
+          </p:cNvSpPr>
+          <p:nvPr>
+            <p:ph type="title"/>
+          </p:nvPr>
+        </p:nvSpPr>
+        <p:spPr>
+          <a:xfrm>
+            <a:off x="838200" y="365125"/>
+            <a:ext cx="11353800" cy="1325563"/>
+          </a:xfrm>
+        </p:spPr>
+        <p:txBody>
+          <a:bodyPr/>
+          <a:lstStyle/>
+          <a:p>
+            <a:r>
+              <a:rPr lang="tr-TR" dirty="0" err="1"/>
+              <a:t>Two</a:t>
+            </a:r>
+            <a:r>
+              <a:rPr lang="tr-TR" dirty="0"/>
+              <a:t> </a:t>
+            </a:r>
+            <a:r>
+              <a:rPr lang="tr-TR" dirty="0" err="1"/>
+              <a:t>modules</a:t>
+            </a:r>
+            <a:r>
+              <a:rPr lang="tr-TR" dirty="0"/>
+              <a:t> (</a:t>
+            </a:r>
+            <a:r>
+              <a:rPr lang="tr-TR" dirty="0" err="1"/>
+              <a:t>yes</a:t>
+            </a:r>
+            <a:r>
+              <a:rPr lang="tr-TR" dirty="0"/>
+              <a:t> </a:t>
+            </a:r>
+            <a:r>
+              <a:rPr lang="tr-TR" dirty="0" err="1"/>
+              <a:t>fault</a:t>
+            </a:r>
+            <a:r>
+              <a:rPr lang="tr-TR" dirty="0"/>
+              <a:t> </a:t>
+            </a:r>
+            <a:r>
+              <a:rPr lang="tr-TR" dirty="0" err="1"/>
+              <a:t>with</a:t>
+            </a:r>
+            <a:r>
+              <a:rPr lang="tr-TR" dirty="0"/>
+              <a:t> </a:t>
+            </a:r>
+            <a:r>
+              <a:rPr lang="tr-TR" dirty="0" err="1"/>
+              <a:t>basic</a:t>
+            </a:r>
+            <a:r>
+              <a:rPr lang="tr-TR" dirty="0"/>
+              <a:t> </a:t>
+            </a:r>
+            <a:r>
+              <a:rPr lang="tr-TR" dirty="0" err="1"/>
+              <a:t>fault</a:t>
+            </a:r>
+            <a:r>
+              <a:rPr lang="tr-TR" dirty="0"/>
+              <a:t> </a:t>
+            </a:r>
+            <a:r>
+              <a:rPr lang="tr-TR" dirty="0" err="1"/>
+              <a:t>tolerance</a:t>
+            </a:r>
+            <a:r>
+              <a:rPr lang="tr-TR" dirty="0"/>
+              <a:t>)</a:t>
+            </a:r>
+            <a:endParaRPr lang="en-US" dirty="0"/>
+          </a:p>
+        </p:txBody>
+      </p:sp>
+      <p:sp>
+        <p:nvSpPr>
+          <p:cNvPr id="12" name="Slide Number Placeholder 11">
+            <a:extLst>
+              <a:ext uri="{FF2B5EF4-FFF2-40B4-BE49-F238E27FC236}">
+                <a16:creationId xmlns:a16="http://schemas.microsoft.com/office/drawing/2014/main" id="{E1A5970C-982E-429D-AFA4-78A9CD9B5061}"/>
+              </a:ext>
+            </a:extLst>
+          </p:cNvPr>
+          <p:cNvSpPr>
+            <a:spLocks noGrp="1"/>
+          </p:cNvSpPr>
+          <p:nvPr>
+            <p:ph type="sldNum" sz="quarter" idx="12"/>
+          </p:nvPr>
+        </p:nvSpPr>
+        <p:spPr/>
+        <p:txBody>
+          <a:bodyPr/>
+          <a:lstStyle/>
+          <a:p>
+            <a:fld id="{C34F410B-15DC-41CC-BDD7-B7A13803B7AF}" type="slidenum">
+              <a:rPr lang="tr-TR" smtClean="0"/>
+              <a:t>12</a:t>
+            </a:fld>
+            <a:endParaRPr lang="tr-TR"/>
+          </a:p>
+        </p:txBody>
+      </p:sp>
+      <p:pic>
+        <p:nvPicPr>
+          <p:cNvPr id="4" name="Picture 3">
+            <a:extLst>
+              <a:ext uri="{FF2B5EF4-FFF2-40B4-BE49-F238E27FC236}">
+                <a16:creationId xmlns:a16="http://schemas.microsoft.com/office/drawing/2014/main" id="{BA134CB5-8CBF-4794-A55F-91DDA4198564}"/>
+              </a:ext>
+            </a:extLst>
+          </p:cNvPr>
+          <p:cNvPicPr>
+            <a:picLocks noChangeAspect="1"/>
+          </p:cNvPicPr>
+          <p:nvPr/>
+        </p:nvPicPr>
+        <p:blipFill>
+          <a:blip r:embed="rId2"/>
+          <a:stretch>
+            <a:fillRect/>
+          </a:stretch>
+        </p:blipFill>
+        <p:spPr>
+          <a:xfrm>
+            <a:off x="190500" y="1516380"/>
+            <a:ext cx="5381625" cy="3228975"/>
+          </a:xfrm>
+          <a:prstGeom prst="rect">
+            <a:avLst/>
+          </a:prstGeom>
+        </p:spPr>
+      </p:pic>
+      <p:pic>
+        <p:nvPicPr>
+          <p:cNvPr id="6" name="Picture 5">
+            <a:extLst>
+              <a:ext uri="{FF2B5EF4-FFF2-40B4-BE49-F238E27FC236}">
+                <a16:creationId xmlns:a16="http://schemas.microsoft.com/office/drawing/2014/main" id="{74DCC487-C3B4-44AF-BC09-AD8F2ED7775A}"/>
+              </a:ext>
+            </a:extLst>
+          </p:cNvPr>
+          <p:cNvPicPr>
+            <a:picLocks noChangeAspect="1"/>
+          </p:cNvPicPr>
+          <p:nvPr/>
+        </p:nvPicPr>
+        <p:blipFill>
+          <a:blip r:embed="rId3"/>
+          <a:stretch>
+            <a:fillRect/>
+          </a:stretch>
+        </p:blipFill>
+        <p:spPr>
+          <a:xfrm>
+            <a:off x="6096000" y="1587817"/>
+            <a:ext cx="5343424" cy="3086100"/>
+          </a:xfrm>
+          <a:prstGeom prst="rect">
+            <a:avLst/>
+          </a:prstGeom>
+        </p:spPr>
+      </p:pic>
+      <p:pic>
+        <p:nvPicPr>
+          <p:cNvPr id="7" name="Picture 6">
+            <a:extLst>
+              <a:ext uri="{FF2B5EF4-FFF2-40B4-BE49-F238E27FC236}">
+                <a16:creationId xmlns:a16="http://schemas.microsoft.com/office/drawing/2014/main" id="{52954B2C-06AD-4E2E-988B-86CA6F9BDA2B}"/>
+              </a:ext>
+            </a:extLst>
+          </p:cNvPr>
+          <p:cNvPicPr>
+            <a:picLocks noChangeAspect="1"/>
+          </p:cNvPicPr>
+          <p:nvPr/>
+        </p:nvPicPr>
+        <p:blipFill>
+          <a:blip r:embed="rId4"/>
+          <a:stretch>
+            <a:fillRect/>
+          </a:stretch>
+        </p:blipFill>
+        <p:spPr>
+          <a:xfrm>
+            <a:off x="95250" y="4876800"/>
+            <a:ext cx="4981500" cy="2571750"/>
+          </a:xfrm>
+          <a:prstGeom prst="rect">
+            <a:avLst/>
+          </a:prstGeom>
+        </p:spPr>
+      </p:pic>
+    </p:spTree>
+    <p:extLst>
+      <p:ext uri="{BB962C8B-B14F-4D97-AF65-F5344CB8AC3E}">
+        <p14:creationId xmlns:p14="http://schemas.microsoft.com/office/powerpoint/2010/main" val="3721166006"/>
+      </p:ext>
+    </p:extLst>
+  </p:cSld>
+  <p:clrMapOvr>
+    <a:masterClrMapping/>
+  </p:clrMapOvr>
+</p:sld>
+</file>
+
+<file path=ppt/slides/slide13.xml><?xml version="1.0" encoding="utf-8"?>
+<p:sld xmlns:a="http://schemas.openxmlformats.org/drawingml/2006/main" xmlns:r="http://schemas.openxmlformats.org/officeDocument/2006/relationships" xmlns:p="http://schemas.openxmlformats.org/presentationml/2006/main">
+  <p:cSld>
+    <p:spTree>
+      <p:nvGrpSpPr>
+        <p:cNvPr id="1" name=""/>
+        <p:cNvGrpSpPr/>
+        <p:nvPr/>
+      </p:nvGrpSpPr>
+      <p:grpSpPr>
+        <a:xfrm>
+          <a:off x="0" y="0"/>
+          <a:ext cx="0" cy="0"/>
+          <a:chOff x="0" y="0"/>
+          <a:chExt cx="0" cy="0"/>
+        </a:xfrm>
+      </p:grpSpPr>
+      <p:sp>
+        <p:nvSpPr>
+          <p:cNvPr id="2" name="Title 1">
+            <a:extLst>
+              <a:ext uri="{FF2B5EF4-FFF2-40B4-BE49-F238E27FC236}">
+                <a16:creationId xmlns:a16="http://schemas.microsoft.com/office/drawing/2014/main" id="{69BBE6F0-0595-4004-BF31-AD4CD38E831D}"/>
+              </a:ext>
+            </a:extLst>
+          </p:cNvPr>
+          <p:cNvSpPr>
+            <a:spLocks noGrp="1"/>
+          </p:cNvSpPr>
+          <p:nvPr>
+            <p:ph type="title"/>
+          </p:nvPr>
+        </p:nvSpPr>
+        <p:spPr/>
+        <p:txBody>
+          <a:bodyPr/>
+          <a:lstStyle/>
+          <a:p>
+            <a:r>
+              <a:rPr lang="tr-TR" dirty="0" err="1"/>
+              <a:t>Other</a:t>
+            </a:r>
+            <a:r>
+              <a:rPr lang="tr-TR" dirty="0"/>
+              <a:t> </a:t>
+            </a:r>
+            <a:r>
+              <a:rPr lang="tr-TR" dirty="0" err="1"/>
+              <a:t>studies</a:t>
+            </a:r>
+            <a:r>
+              <a:rPr lang="tr-TR" dirty="0"/>
+              <a:t> [1] &amp; [2] (2019 &amp; 2008)</a:t>
+            </a:r>
+            <a:endParaRPr lang="en-US" dirty="0"/>
+          </a:p>
+        </p:txBody>
+      </p:sp>
+      <p:pic>
+        <p:nvPicPr>
+          <p:cNvPr id="4" name="Picture 3">
+            <a:extLst>
+              <a:ext uri="{FF2B5EF4-FFF2-40B4-BE49-F238E27FC236}">
+                <a16:creationId xmlns:a16="http://schemas.microsoft.com/office/drawing/2014/main" id="{0FC787BB-0244-4253-AC83-7AD2D103D66A}"/>
+              </a:ext>
+            </a:extLst>
+          </p:cNvPr>
+          <p:cNvPicPr>
+            <a:picLocks noChangeAspect="1"/>
+          </p:cNvPicPr>
+          <p:nvPr/>
+        </p:nvPicPr>
+        <p:blipFill>
+          <a:blip r:embed="rId2"/>
+          <a:stretch>
+            <a:fillRect/>
+          </a:stretch>
+        </p:blipFill>
+        <p:spPr>
+          <a:xfrm>
+            <a:off x="142875" y="1230843"/>
+            <a:ext cx="6034088" cy="3645957"/>
+          </a:xfrm>
+          <a:prstGeom prst="rect">
+            <a:avLst/>
+          </a:prstGeom>
+        </p:spPr>
+      </p:pic>
+      <p:pic>
+        <p:nvPicPr>
+          <p:cNvPr id="5" name="Picture 4">
+            <a:extLst>
+              <a:ext uri="{FF2B5EF4-FFF2-40B4-BE49-F238E27FC236}">
+                <a16:creationId xmlns:a16="http://schemas.microsoft.com/office/drawing/2014/main" id="{D7FDD9DF-F021-4EA3-B29C-063AFD09BE49}"/>
+              </a:ext>
+            </a:extLst>
+          </p:cNvPr>
+          <p:cNvPicPr>
+            <a:picLocks noChangeAspect="1"/>
+          </p:cNvPicPr>
+          <p:nvPr/>
+        </p:nvPicPr>
+        <p:blipFill>
+          <a:blip r:embed="rId3"/>
+          <a:stretch>
+            <a:fillRect/>
+          </a:stretch>
+        </p:blipFill>
+        <p:spPr>
+          <a:xfrm>
+            <a:off x="142875" y="4648200"/>
+            <a:ext cx="4581525" cy="457200"/>
+          </a:xfrm>
+          <a:prstGeom prst="rect">
+            <a:avLst/>
+          </a:prstGeom>
+        </p:spPr>
+      </p:pic>
+      <p:pic>
+        <p:nvPicPr>
+          <p:cNvPr id="6" name="Picture 5">
+            <a:extLst>
+              <a:ext uri="{FF2B5EF4-FFF2-40B4-BE49-F238E27FC236}">
+                <a16:creationId xmlns:a16="http://schemas.microsoft.com/office/drawing/2014/main" id="{9E838A54-8A59-4D46-9DCC-D7DC040CACC9}"/>
+              </a:ext>
+            </a:extLst>
+          </p:cNvPr>
+          <p:cNvPicPr>
+            <a:picLocks noChangeAspect="1"/>
+          </p:cNvPicPr>
+          <p:nvPr/>
+        </p:nvPicPr>
+        <p:blipFill>
+          <a:blip r:embed="rId4"/>
+          <a:stretch>
+            <a:fillRect/>
+          </a:stretch>
+        </p:blipFill>
+        <p:spPr>
+          <a:xfrm>
+            <a:off x="142875" y="5133975"/>
+            <a:ext cx="3495675" cy="1724025"/>
+          </a:xfrm>
+          <a:prstGeom prst="rect">
+            <a:avLst/>
+          </a:prstGeom>
+        </p:spPr>
+      </p:pic>
+      <p:sp>
+        <p:nvSpPr>
+          <p:cNvPr id="10" name="Slide Number Placeholder 9">
+            <a:extLst>
+              <a:ext uri="{FF2B5EF4-FFF2-40B4-BE49-F238E27FC236}">
+                <a16:creationId xmlns:a16="http://schemas.microsoft.com/office/drawing/2014/main" id="{2B499614-0A69-43E3-B5E4-A02FE3FF1983}"/>
+              </a:ext>
+            </a:extLst>
+          </p:cNvPr>
+          <p:cNvSpPr>
+            <a:spLocks noGrp="1"/>
+          </p:cNvSpPr>
+          <p:nvPr>
+            <p:ph type="sldNum" sz="quarter" idx="12"/>
+          </p:nvPr>
+        </p:nvSpPr>
+        <p:spPr/>
+        <p:txBody>
+          <a:bodyPr/>
+          <a:lstStyle/>
+          <a:p>
+            <a:fld id="{C34F410B-15DC-41CC-BDD7-B7A13803B7AF}" type="slidenum">
+              <a:rPr lang="tr-TR" smtClean="0"/>
+              <a:t>13</a:t>
+            </a:fld>
+            <a:endParaRPr lang="tr-TR"/>
+          </a:p>
+        </p:txBody>
+      </p:sp>
+      <p:pic>
+        <p:nvPicPr>
+          <p:cNvPr id="11" name="Picture 10">
+            <a:extLst>
+              <a:ext uri="{FF2B5EF4-FFF2-40B4-BE49-F238E27FC236}">
+                <a16:creationId xmlns:a16="http://schemas.microsoft.com/office/drawing/2014/main" id="{DF8DD9AD-A25B-4AFA-95C0-604F312B2CA3}"/>
+              </a:ext>
+            </a:extLst>
+          </p:cNvPr>
+          <p:cNvPicPr>
+            <a:picLocks noChangeAspect="1"/>
+          </p:cNvPicPr>
+          <p:nvPr/>
+        </p:nvPicPr>
+        <p:blipFill>
+          <a:blip r:embed="rId5"/>
+          <a:stretch>
+            <a:fillRect/>
+          </a:stretch>
+        </p:blipFill>
+        <p:spPr>
+          <a:xfrm>
+            <a:off x="7225706" y="4410075"/>
+            <a:ext cx="4966294" cy="2447925"/>
+          </a:xfrm>
+          <a:prstGeom prst="rect">
+            <a:avLst/>
+          </a:prstGeom>
+        </p:spPr>
+      </p:pic>
+      <p:pic>
+        <p:nvPicPr>
+          <p:cNvPr id="12" name="Picture 11">
+            <a:extLst>
+              <a:ext uri="{FF2B5EF4-FFF2-40B4-BE49-F238E27FC236}">
+                <a16:creationId xmlns:a16="http://schemas.microsoft.com/office/drawing/2014/main" id="{26E00779-0643-4778-964E-0BA592EB1710}"/>
+              </a:ext>
+            </a:extLst>
+          </p:cNvPr>
+          <p:cNvPicPr>
+            <a:picLocks noChangeAspect="1"/>
+          </p:cNvPicPr>
+          <p:nvPr/>
+        </p:nvPicPr>
+        <p:blipFill>
+          <a:blip r:embed="rId6"/>
+          <a:stretch>
+            <a:fillRect/>
+          </a:stretch>
+        </p:blipFill>
+        <p:spPr>
+          <a:xfrm>
+            <a:off x="7698539" y="1222920"/>
+            <a:ext cx="4020628" cy="3187155"/>
+          </a:xfrm>
+          <a:prstGeom prst="rect">
+            <a:avLst/>
+          </a:prstGeom>
+        </p:spPr>
+      </p:pic>
+    </p:spTree>
+    <p:extLst>
+      <p:ext uri="{BB962C8B-B14F-4D97-AF65-F5344CB8AC3E}">
+        <p14:creationId xmlns:p14="http://schemas.microsoft.com/office/powerpoint/2010/main" val="4183949308"/>
+      </p:ext>
+    </p:extLst>
+  </p:cSld>
+  <p:clrMapOvr>
+    <a:masterClrMapping/>
+  </p:clrMapOvr>
+</p:sld>
+</file>
+
+<file path=ppt/slides/slide14.xml><?xml version="1.0" encoding="utf-8"?>
+<p:sld xmlns:a="http://schemas.openxmlformats.org/drawingml/2006/main" xmlns:r="http://schemas.openxmlformats.org/officeDocument/2006/relationships" xmlns:p="http://schemas.openxmlformats.org/presentationml/2006/main">
+  <p:cSld>
+    <p:spTree>
+      <p:nvGrpSpPr>
+        <p:cNvPr id="1" name=""/>
+        <p:cNvGrpSpPr/>
+        <p:nvPr/>
+      </p:nvGrpSpPr>
+      <p:grpSpPr>
+        <a:xfrm>
+          <a:off x="0" y="0"/>
+          <a:ext cx="0" cy="0"/>
+          <a:chOff x="0" y="0"/>
+          <a:chExt cx="0" cy="0"/>
+        </a:xfrm>
+      </p:grpSpPr>
+      <p:sp>
+        <p:nvSpPr>
+          <p:cNvPr id="2" name="Title 1">
+            <a:extLst>
+              <a:ext uri="{FF2B5EF4-FFF2-40B4-BE49-F238E27FC236}">
+                <a16:creationId xmlns:a16="http://schemas.microsoft.com/office/drawing/2014/main" id="{69BBE6F0-0595-4004-BF31-AD4CD38E831D}"/>
+              </a:ext>
+            </a:extLst>
+          </p:cNvPr>
+          <p:cNvSpPr>
+            <a:spLocks noGrp="1"/>
+          </p:cNvSpPr>
+          <p:nvPr>
+            <p:ph type="title"/>
+          </p:nvPr>
+        </p:nvSpPr>
+        <p:spPr/>
+        <p:txBody>
+          <a:bodyPr/>
+          <a:lstStyle/>
+          <a:p>
+            <a:r>
+              <a:rPr lang="tr-TR" dirty="0" err="1"/>
+              <a:t>Other</a:t>
+            </a:r>
+            <a:r>
+              <a:rPr lang="tr-TR" dirty="0"/>
+              <a:t> </a:t>
+            </a:r>
+            <a:r>
+              <a:rPr lang="tr-TR" dirty="0" err="1"/>
+              <a:t>studies</a:t>
+            </a:r>
+            <a:r>
+              <a:rPr lang="tr-TR" dirty="0"/>
+              <a:t> [1] &amp; [2] (2019 &amp; 2008)</a:t>
+            </a:r>
+            <a:endParaRPr lang="en-US" dirty="0"/>
+          </a:p>
+        </p:txBody>
+      </p:sp>
+      <p:sp>
+        <p:nvSpPr>
+          <p:cNvPr id="10" name="İçerik Yer Tutucusu 2">
+            <a:extLst>
+              <a:ext uri="{FF2B5EF4-FFF2-40B4-BE49-F238E27FC236}">
+                <a16:creationId xmlns:a16="http://schemas.microsoft.com/office/drawing/2014/main" id="{C927A9F1-D976-4110-85E5-225B1953321E}"/>
+              </a:ext>
+            </a:extLst>
+          </p:cNvPr>
+          <p:cNvSpPr>
+            <a:spLocks noGrp="1"/>
+          </p:cNvSpPr>
+          <p:nvPr>
+            <p:ph idx="1"/>
+          </p:nvPr>
+        </p:nvSpPr>
+        <p:spPr>
+          <a:xfrm>
+            <a:off x="838200" y="1825625"/>
+            <a:ext cx="10515600" cy="4351338"/>
+          </a:xfrm>
+        </p:spPr>
+        <p:txBody>
+          <a:bodyPr/>
+          <a:lstStyle/>
+          <a:p>
+            <a:r>
+              <a:rPr lang="tr-TR" dirty="0" err="1"/>
+              <a:t>Torque</a:t>
+            </a:r>
+            <a:r>
+              <a:rPr lang="tr-TR" dirty="0"/>
+              <a:t> </a:t>
+            </a:r>
+            <a:r>
+              <a:rPr lang="tr-TR" dirty="0" err="1"/>
+              <a:t>sharing</a:t>
+            </a:r>
+            <a:r>
+              <a:rPr lang="tr-TR" dirty="0"/>
+              <a:t> is </a:t>
+            </a:r>
+            <a:r>
+              <a:rPr lang="tr-TR" dirty="0" err="1"/>
+              <a:t>optimized</a:t>
+            </a:r>
+            <a:r>
+              <a:rPr lang="tr-TR" dirty="0"/>
+              <a:t> for </a:t>
+            </a:r>
+            <a:r>
+              <a:rPr lang="tr-TR" dirty="0" err="1"/>
+              <a:t>copper</a:t>
+            </a:r>
+            <a:r>
+              <a:rPr lang="tr-TR" dirty="0"/>
+              <a:t> </a:t>
+            </a:r>
+            <a:r>
+              <a:rPr lang="tr-TR" dirty="0" err="1"/>
+              <a:t>losses</a:t>
+            </a:r>
+            <a:r>
+              <a:rPr lang="tr-TR" dirty="0"/>
+              <a:t>.</a:t>
+            </a:r>
+          </a:p>
+          <a:p>
+            <a:r>
+              <a:rPr lang="tr-TR" dirty="0" err="1"/>
+              <a:t>Testing</a:t>
+            </a:r>
+            <a:r>
+              <a:rPr lang="tr-TR" dirty="0"/>
+              <a:t> is done </a:t>
+            </a:r>
+            <a:r>
+              <a:rPr lang="tr-TR" dirty="0" err="1"/>
+              <a:t>with</a:t>
+            </a:r>
+            <a:r>
+              <a:rPr lang="tr-TR" dirty="0"/>
+              <a:t> </a:t>
+            </a:r>
+            <a:r>
+              <a:rPr lang="tr-TR" dirty="0" err="1"/>
+              <a:t>two</a:t>
+            </a:r>
+            <a:r>
+              <a:rPr lang="tr-TR" dirty="0"/>
+              <a:t> </a:t>
+            </a:r>
+            <a:r>
+              <a:rPr lang="tr-TR" dirty="0" err="1"/>
+              <a:t>PMSMs</a:t>
+            </a:r>
+            <a:r>
+              <a:rPr lang="tr-TR" dirty="0"/>
+              <a:t>.</a:t>
+            </a:r>
+          </a:p>
+          <a:p>
+            <a:r>
+              <a:rPr lang="tr-TR" dirty="0" err="1"/>
+              <a:t>Missing</a:t>
+            </a:r>
+            <a:r>
+              <a:rPr lang="tr-TR" dirty="0"/>
+              <a:t> </a:t>
+            </a:r>
+            <a:r>
+              <a:rPr lang="tr-TR" dirty="0" err="1"/>
+              <a:t>point</a:t>
+            </a:r>
+            <a:r>
+              <a:rPr lang="tr-TR" dirty="0"/>
+              <a:t>; magnetic </a:t>
+            </a:r>
+            <a:r>
+              <a:rPr lang="tr-TR" dirty="0" err="1"/>
+              <a:t>affects</a:t>
+            </a:r>
+            <a:r>
+              <a:rPr lang="tr-TR" dirty="0"/>
+              <a:t> of </a:t>
+            </a:r>
+            <a:r>
+              <a:rPr lang="tr-TR" dirty="0" err="1"/>
+              <a:t>the</a:t>
+            </a:r>
+            <a:r>
+              <a:rPr lang="tr-TR" dirty="0"/>
+              <a:t> </a:t>
+            </a:r>
+            <a:r>
+              <a:rPr lang="tr-TR" dirty="0" err="1"/>
+              <a:t>faulty</a:t>
+            </a:r>
+            <a:r>
+              <a:rPr lang="tr-TR" dirty="0"/>
+              <a:t> </a:t>
+            </a:r>
+            <a:r>
+              <a:rPr lang="tr-TR" dirty="0" err="1"/>
+              <a:t>module</a:t>
+            </a:r>
+            <a:r>
+              <a:rPr lang="tr-TR" dirty="0"/>
+              <a:t> is not </a:t>
+            </a:r>
+            <a:r>
+              <a:rPr lang="tr-TR" dirty="0" err="1"/>
+              <a:t>included</a:t>
+            </a:r>
+            <a:r>
+              <a:rPr lang="tr-TR" dirty="0"/>
+              <a:t> in </a:t>
+            </a:r>
+            <a:r>
+              <a:rPr lang="tr-TR" dirty="0" err="1"/>
+              <a:t>the</a:t>
+            </a:r>
+            <a:r>
+              <a:rPr lang="tr-TR" dirty="0"/>
+              <a:t> </a:t>
+            </a:r>
+            <a:r>
+              <a:rPr lang="tr-TR" dirty="0" err="1"/>
+              <a:t>analysis</a:t>
+            </a:r>
+            <a:r>
+              <a:rPr lang="tr-TR" dirty="0"/>
+              <a:t> </a:t>
+            </a:r>
+            <a:r>
+              <a:rPr lang="tr-TR" dirty="0" err="1"/>
+              <a:t>and</a:t>
+            </a:r>
+            <a:r>
+              <a:rPr lang="tr-TR" dirty="0"/>
+              <a:t> </a:t>
+            </a:r>
+            <a:r>
+              <a:rPr lang="tr-TR" dirty="0" err="1"/>
+              <a:t>testing</a:t>
+            </a:r>
+            <a:r>
+              <a:rPr lang="tr-TR" dirty="0"/>
+              <a:t> (</a:t>
+            </a:r>
+            <a:r>
+              <a:rPr lang="tr-TR" dirty="0" err="1"/>
+              <a:t>because</a:t>
+            </a:r>
+            <a:r>
+              <a:rPr lang="tr-TR" dirty="0"/>
+              <a:t> of </a:t>
+            </a:r>
+            <a:r>
+              <a:rPr lang="tr-TR" dirty="0" err="1"/>
+              <a:t>the</a:t>
+            </a:r>
+            <a:r>
+              <a:rPr lang="tr-TR" dirty="0"/>
+              <a:t> test </a:t>
+            </a:r>
+            <a:r>
+              <a:rPr lang="tr-TR" dirty="0" err="1"/>
+              <a:t>setup</a:t>
+            </a:r>
+            <a:r>
+              <a:rPr lang="tr-TR" dirty="0"/>
+              <a:t> </a:t>
+            </a:r>
+            <a:r>
+              <a:rPr lang="tr-TR" dirty="0" err="1"/>
+              <a:t>shown</a:t>
+            </a:r>
+            <a:r>
+              <a:rPr lang="tr-TR" dirty="0"/>
+              <a:t> </a:t>
+            </a:r>
+            <a:r>
+              <a:rPr lang="tr-TR" dirty="0" err="1"/>
+              <a:t>below</a:t>
+            </a:r>
+            <a:r>
+              <a:rPr lang="tr-TR" dirty="0"/>
+              <a:t>)</a:t>
+            </a:r>
+          </a:p>
+          <a:p>
+            <a:r>
+              <a:rPr lang="tr-TR" dirty="0" err="1"/>
+              <a:t>The</a:t>
+            </a:r>
+            <a:r>
+              <a:rPr lang="tr-TR" dirty="0"/>
+              <a:t> </a:t>
+            </a:r>
+            <a:r>
+              <a:rPr lang="tr-TR" dirty="0" err="1"/>
+              <a:t>faulty</a:t>
+            </a:r>
+            <a:r>
+              <a:rPr lang="tr-TR" dirty="0"/>
+              <a:t> </a:t>
+            </a:r>
+            <a:r>
+              <a:rPr lang="tr-TR" dirty="0" err="1"/>
+              <a:t>module</a:t>
+            </a:r>
+            <a:r>
+              <a:rPr lang="tr-TR" dirty="0"/>
+              <a:t> </a:t>
+            </a:r>
+            <a:r>
+              <a:rPr lang="tr-TR" dirty="0" err="1"/>
+              <a:t>causes</a:t>
+            </a:r>
+            <a:r>
+              <a:rPr lang="tr-TR" dirty="0"/>
+              <a:t> a </a:t>
+            </a:r>
+            <a:r>
+              <a:rPr lang="tr-TR" dirty="0" err="1"/>
+              <a:t>non-zero</a:t>
+            </a:r>
+            <a:r>
+              <a:rPr lang="tr-TR" dirty="0"/>
+              <a:t> </a:t>
+            </a:r>
+            <a:r>
+              <a:rPr lang="tr-TR" dirty="0" err="1"/>
+              <a:t>Id</a:t>
+            </a:r>
+            <a:r>
+              <a:rPr lang="tr-TR" dirty="0"/>
+              <a:t> </a:t>
+            </a:r>
+            <a:r>
+              <a:rPr lang="tr-TR" dirty="0" err="1"/>
+              <a:t>current</a:t>
+            </a:r>
+            <a:r>
+              <a:rPr lang="tr-TR" dirty="0"/>
+              <a:t> (</a:t>
+            </a:r>
+            <a:r>
+              <a:rPr lang="tr-TR" dirty="0" err="1"/>
+              <a:t>see</a:t>
+            </a:r>
+            <a:r>
+              <a:rPr lang="tr-TR" dirty="0"/>
+              <a:t> </a:t>
+            </a:r>
+            <a:r>
+              <a:rPr lang="tr-TR" dirty="0" err="1"/>
+              <a:t>slide</a:t>
+            </a:r>
+            <a:r>
+              <a:rPr lang="tr-TR" dirty="0"/>
+              <a:t> #12). </a:t>
+            </a:r>
+            <a:r>
+              <a:rPr lang="tr-TR" dirty="0" err="1"/>
+              <a:t>The</a:t>
+            </a:r>
+            <a:r>
+              <a:rPr lang="tr-TR" dirty="0"/>
+              <a:t> </a:t>
+            </a:r>
+            <a:r>
+              <a:rPr lang="tr-TR" dirty="0" err="1"/>
+              <a:t>Id</a:t>
+            </a:r>
+            <a:r>
+              <a:rPr lang="tr-TR" dirty="0"/>
+              <a:t> </a:t>
+            </a:r>
+            <a:r>
+              <a:rPr lang="tr-TR" dirty="0" err="1"/>
+              <a:t>reference</a:t>
+            </a:r>
+            <a:r>
+              <a:rPr lang="tr-TR" dirty="0"/>
+              <a:t> of </a:t>
+            </a:r>
+            <a:r>
+              <a:rPr lang="tr-TR" dirty="0" err="1"/>
+              <a:t>the</a:t>
+            </a:r>
+            <a:r>
+              <a:rPr lang="tr-TR" dirty="0"/>
+              <a:t> </a:t>
+            </a:r>
+            <a:r>
+              <a:rPr lang="tr-TR" dirty="0" err="1"/>
+              <a:t>healthy</a:t>
+            </a:r>
+            <a:r>
+              <a:rPr lang="tr-TR" dirty="0"/>
+              <a:t> </a:t>
+            </a:r>
+            <a:r>
+              <a:rPr lang="tr-TR" dirty="0" err="1"/>
+              <a:t>module</a:t>
+            </a:r>
+            <a:r>
+              <a:rPr lang="tr-TR" dirty="0"/>
+              <a:t> </a:t>
+            </a:r>
+            <a:r>
+              <a:rPr lang="tr-TR" dirty="0" err="1"/>
+              <a:t>could</a:t>
+            </a:r>
+            <a:r>
+              <a:rPr lang="tr-TR" dirty="0"/>
+              <a:t> be set to a </a:t>
+            </a:r>
+            <a:r>
+              <a:rPr lang="tr-TR" dirty="0" err="1"/>
+              <a:t>nonzero</a:t>
+            </a:r>
+            <a:r>
+              <a:rPr lang="tr-TR" dirty="0"/>
+              <a:t> </a:t>
+            </a:r>
+            <a:r>
+              <a:rPr lang="tr-TR" dirty="0" err="1"/>
+              <a:t>value</a:t>
+            </a:r>
+            <a:r>
+              <a:rPr lang="tr-TR" dirty="0"/>
+              <a:t> </a:t>
+            </a:r>
+            <a:r>
+              <a:rPr lang="tr-TR" dirty="0" err="1"/>
+              <a:t>loss</a:t>
+            </a:r>
+            <a:r>
+              <a:rPr lang="tr-TR" dirty="0"/>
+              <a:t> </a:t>
+            </a:r>
+            <a:r>
+              <a:rPr lang="tr-TR" dirty="0" err="1"/>
+              <a:t>minimization</a:t>
+            </a:r>
+            <a:r>
+              <a:rPr lang="tr-TR" dirty="0"/>
+              <a:t>, </a:t>
+            </a:r>
+            <a:r>
+              <a:rPr lang="tr-TR" dirty="0" err="1"/>
+              <a:t>which</a:t>
+            </a:r>
+            <a:r>
+              <a:rPr lang="tr-TR" dirty="0"/>
+              <a:t> </a:t>
+            </a:r>
+            <a:r>
+              <a:rPr lang="tr-TR" dirty="0" err="1"/>
+              <a:t>should</a:t>
+            </a:r>
+            <a:r>
+              <a:rPr lang="tr-TR" dirty="0"/>
+              <a:t> be </a:t>
+            </a:r>
+            <a:r>
+              <a:rPr lang="tr-TR" dirty="0" err="1"/>
+              <a:t>analized</a:t>
+            </a:r>
+            <a:r>
+              <a:rPr lang="tr-TR" dirty="0"/>
+              <a:t>.</a:t>
+            </a:r>
+          </a:p>
+          <a:p>
+            <a:endParaRPr lang="tr-TR" dirty="0"/>
+          </a:p>
+          <a:p>
+            <a:endParaRPr lang="tr-TR" dirty="0"/>
+          </a:p>
+          <a:p>
+            <a:pPr marL="0" indent="0">
+              <a:buNone/>
+            </a:pPr>
+            <a:endParaRPr lang="tr-TR" dirty="0"/>
+          </a:p>
+          <a:p>
+            <a:endParaRPr lang="tr-TR" dirty="0"/>
+          </a:p>
+        </p:txBody>
+      </p:sp>
+      <p:sp>
+        <p:nvSpPr>
+          <p:cNvPr id="3" name="Slide Number Placeholder 2">
+            <a:extLst>
+              <a:ext uri="{FF2B5EF4-FFF2-40B4-BE49-F238E27FC236}">
+                <a16:creationId xmlns:a16="http://schemas.microsoft.com/office/drawing/2014/main" id="{BF79739B-8F26-4AEA-A464-981BA4662CDE}"/>
+              </a:ext>
+            </a:extLst>
+          </p:cNvPr>
+          <p:cNvSpPr>
+            <a:spLocks noGrp="1"/>
+          </p:cNvSpPr>
+          <p:nvPr>
+            <p:ph type="sldNum" sz="quarter" idx="12"/>
+          </p:nvPr>
+        </p:nvSpPr>
+        <p:spPr/>
+        <p:txBody>
+          <a:bodyPr/>
+          <a:lstStyle/>
+          <a:p>
+            <a:fld id="{C34F410B-15DC-41CC-BDD7-B7A13803B7AF}" type="slidenum">
+              <a:rPr lang="tr-TR" smtClean="0"/>
+              <a:t>14</a:t>
+            </a:fld>
+            <a:endParaRPr lang="tr-TR" dirty="0"/>
+          </a:p>
+        </p:txBody>
+      </p:sp>
+      <p:pic>
+        <p:nvPicPr>
+          <p:cNvPr id="11" name="Picture 10">
+            <a:extLst>
+              <a:ext uri="{FF2B5EF4-FFF2-40B4-BE49-F238E27FC236}">
+                <a16:creationId xmlns:a16="http://schemas.microsoft.com/office/drawing/2014/main" id="{4EC65E85-7708-47C7-A2DD-E9CD94B8097D}"/>
+              </a:ext>
+            </a:extLst>
+          </p:cNvPr>
+          <p:cNvPicPr>
+            <a:picLocks noChangeAspect="1"/>
+          </p:cNvPicPr>
+          <p:nvPr/>
+        </p:nvPicPr>
+        <p:blipFill>
+          <a:blip r:embed="rId2"/>
+          <a:stretch>
+            <a:fillRect/>
+          </a:stretch>
+        </p:blipFill>
+        <p:spPr>
+          <a:xfrm>
+            <a:off x="7372350" y="4482357"/>
+            <a:ext cx="4819650" cy="2375643"/>
+          </a:xfrm>
+          <a:prstGeom prst="rect">
+            <a:avLst/>
+          </a:prstGeom>
+        </p:spPr>
+      </p:pic>
+    </p:spTree>
+    <p:extLst>
+      <p:ext uri="{BB962C8B-B14F-4D97-AF65-F5344CB8AC3E}">
+        <p14:creationId xmlns:p14="http://schemas.microsoft.com/office/powerpoint/2010/main" val="579586361"/>
+      </p:ext>
+    </p:extLst>
+  </p:cSld>
+  <p:clrMapOvr>
+    <a:masterClrMapping/>
+  </p:clrMapOvr>
+</p:sld>
+</file>
+
+<file path=ppt/slides/slide15.xml><?xml version="1.0" encoding="utf-8"?>
+<p:sld xmlns:a="http://schemas.openxmlformats.org/drawingml/2006/main" xmlns:r="http://schemas.openxmlformats.org/officeDocument/2006/relationships" xmlns:p="http://schemas.openxmlformats.org/presentationml/2006/main">
+  <p:cSld>
+    <p:spTree>
+      <p:nvGrpSpPr>
+        <p:cNvPr id="1" name=""/>
+        <p:cNvGrpSpPr/>
+        <p:nvPr/>
+      </p:nvGrpSpPr>
+      <p:grpSpPr>
+        <a:xfrm>
+          <a:off x="0" y="0"/>
+          <a:ext cx="0" cy="0"/>
+          <a:chOff x="0" y="0"/>
+          <a:chExt cx="0" cy="0"/>
+        </a:xfrm>
+      </p:grpSpPr>
+      <p:sp>
+        <p:nvSpPr>
+          <p:cNvPr id="2" name="Title 1">
+            <a:extLst>
+              <a:ext uri="{FF2B5EF4-FFF2-40B4-BE49-F238E27FC236}">
+                <a16:creationId xmlns:a16="http://schemas.microsoft.com/office/drawing/2014/main" id="{7B94A962-8FD9-4509-91F7-F447F5C69A19}"/>
+              </a:ext>
+            </a:extLst>
+          </p:cNvPr>
+          <p:cNvSpPr>
+            <a:spLocks noGrp="1"/>
+          </p:cNvSpPr>
+          <p:nvPr>
+            <p:ph type="title"/>
+          </p:nvPr>
+        </p:nvSpPr>
+        <p:spPr/>
+        <p:txBody>
+          <a:bodyPr/>
+          <a:lstStyle/>
+          <a:p>
+            <a:r>
+              <a:rPr lang="tr-TR" dirty="0"/>
+              <a:t>What is MPC?</a:t>
+            </a:r>
+            <a:endParaRPr lang="en-US" dirty="0"/>
+          </a:p>
+        </p:txBody>
+      </p:sp>
+      <p:sp>
+        <p:nvSpPr>
+          <p:cNvPr id="3" name="Content Placeholder 2">
+            <a:extLst>
+              <a:ext uri="{FF2B5EF4-FFF2-40B4-BE49-F238E27FC236}">
+                <a16:creationId xmlns:a16="http://schemas.microsoft.com/office/drawing/2014/main" id="{10D4679E-9C01-4E47-84A8-8948B2CD301F}"/>
+              </a:ext>
+            </a:extLst>
+          </p:cNvPr>
+          <p:cNvSpPr>
+            <a:spLocks noGrp="1"/>
+          </p:cNvSpPr>
+          <p:nvPr>
+            <p:ph idx="1"/>
+          </p:nvPr>
+        </p:nvSpPr>
+        <p:spPr>
+          <a:xfrm>
+            <a:off x="838200" y="1825625"/>
+            <a:ext cx="11156092" cy="4351338"/>
+          </a:xfrm>
+        </p:spPr>
+        <p:txBody>
+          <a:bodyPr/>
+          <a:lstStyle/>
+          <a:p>
+            <a:r>
+              <a:rPr lang="tr-TR" dirty="0" err="1"/>
+              <a:t>Will</a:t>
+            </a:r>
+            <a:r>
+              <a:rPr lang="tr-TR" dirty="0"/>
+              <a:t> I </a:t>
+            </a:r>
+            <a:r>
+              <a:rPr lang="tr-TR" dirty="0" err="1"/>
+              <a:t>calculate</a:t>
+            </a:r>
+            <a:r>
+              <a:rPr lang="tr-TR" dirty="0"/>
+              <a:t> </a:t>
+            </a:r>
+            <a:r>
+              <a:rPr lang="tr-TR" dirty="0" err="1"/>
+              <a:t>the</a:t>
+            </a:r>
+            <a:r>
+              <a:rPr lang="tr-TR" dirty="0"/>
+              <a:t> optimum </a:t>
+            </a:r>
+            <a:r>
+              <a:rPr lang="tr-TR" dirty="0" err="1"/>
+              <a:t>Idq</a:t>
+            </a:r>
+            <a:r>
+              <a:rPr lang="tr-TR" dirty="0"/>
+              <a:t> </a:t>
+            </a:r>
+            <a:r>
+              <a:rPr lang="tr-TR" dirty="0" err="1"/>
+              <a:t>references</a:t>
+            </a:r>
+            <a:r>
+              <a:rPr lang="tr-TR" dirty="0"/>
+              <a:t> for </a:t>
+            </a:r>
+            <a:r>
+              <a:rPr lang="tr-TR" dirty="0" err="1"/>
+              <a:t>the</a:t>
+            </a:r>
+            <a:r>
+              <a:rPr lang="tr-TR" dirty="0"/>
+              <a:t> MPC?</a:t>
+            </a:r>
+          </a:p>
+          <a:p>
+            <a:r>
+              <a:rPr lang="tr-TR" dirty="0" err="1"/>
+              <a:t>Then</a:t>
+            </a:r>
+            <a:r>
+              <a:rPr lang="tr-TR" dirty="0"/>
+              <a:t> what </a:t>
+            </a:r>
+            <a:r>
+              <a:rPr lang="tr-TR" dirty="0" err="1"/>
+              <a:t>does</a:t>
+            </a:r>
+            <a:r>
+              <a:rPr lang="tr-TR" dirty="0"/>
+              <a:t> </a:t>
+            </a:r>
+            <a:r>
+              <a:rPr lang="tr-TR" dirty="0" err="1"/>
+              <a:t>the</a:t>
+            </a:r>
+            <a:r>
+              <a:rPr lang="tr-TR" dirty="0"/>
+              <a:t> MPC </a:t>
+            </a:r>
+            <a:r>
+              <a:rPr lang="tr-TR" dirty="0" err="1"/>
+              <a:t>block</a:t>
+            </a:r>
+            <a:r>
+              <a:rPr lang="tr-TR" dirty="0"/>
+              <a:t> optimize?</a:t>
+            </a:r>
+          </a:p>
+          <a:p>
+            <a:r>
+              <a:rPr lang="tr-TR" dirty="0"/>
+              <a:t>What is MPC?</a:t>
+            </a:r>
+          </a:p>
+          <a:p>
+            <a:endParaRPr lang="tr-TR" dirty="0">
+              <a:hlinkClick r:id="rId2"/>
+            </a:endParaRPr>
+          </a:p>
+          <a:p>
+            <a:endParaRPr lang="tr-TR" dirty="0">
+              <a:hlinkClick r:id="rId2"/>
+            </a:endParaRPr>
+          </a:p>
+          <a:p>
+            <a:r>
+              <a:rPr lang="tr-TR" dirty="0" err="1"/>
+              <a:t>The</a:t>
+            </a:r>
+            <a:r>
+              <a:rPr lang="tr-TR" dirty="0"/>
+              <a:t> </a:t>
+            </a:r>
+            <a:r>
+              <a:rPr lang="tr-TR" dirty="0" err="1"/>
+              <a:t>paper</a:t>
+            </a:r>
+            <a:r>
+              <a:rPr lang="tr-TR" dirty="0"/>
+              <a:t> </a:t>
+            </a:r>
+            <a:r>
+              <a:rPr lang="tr-TR" dirty="0" err="1"/>
+              <a:t>below</a:t>
+            </a:r>
+            <a:r>
+              <a:rPr lang="tr-TR" dirty="0"/>
+              <a:t> </a:t>
+            </a:r>
+            <a:r>
+              <a:rPr lang="tr-TR" dirty="0" err="1"/>
+              <a:t>clarified</a:t>
+            </a:r>
+            <a:r>
+              <a:rPr lang="tr-TR" dirty="0"/>
+              <a:t> a </a:t>
+            </a:r>
+            <a:r>
+              <a:rPr lang="tr-TR" dirty="0" err="1"/>
+              <a:t>few</a:t>
+            </a:r>
+            <a:r>
+              <a:rPr lang="tr-TR" dirty="0"/>
+              <a:t> </a:t>
+            </a:r>
+            <a:r>
+              <a:rPr lang="tr-TR" dirty="0" err="1"/>
+              <a:t>points</a:t>
+            </a:r>
+            <a:r>
+              <a:rPr lang="tr-TR" dirty="0"/>
+              <a:t>. (a </a:t>
+            </a:r>
+            <a:r>
+              <a:rPr lang="tr-TR" dirty="0" err="1"/>
+              <a:t>little</a:t>
+            </a:r>
+            <a:r>
+              <a:rPr lang="tr-TR" dirty="0"/>
+              <a:t> bit of </a:t>
+            </a:r>
+            <a:r>
+              <a:rPr lang="tr-TR" dirty="0" err="1"/>
+              <a:t>confusion</a:t>
+            </a:r>
+            <a:r>
+              <a:rPr lang="tr-TR" dirty="0"/>
+              <a:t> </a:t>
+            </a:r>
+            <a:r>
+              <a:rPr lang="tr-TR" dirty="0" err="1"/>
+              <a:t>still</a:t>
+            </a:r>
+            <a:r>
+              <a:rPr lang="tr-TR" dirty="0"/>
+              <a:t> </a:t>
+            </a:r>
+            <a:r>
+              <a:rPr lang="tr-TR" dirty="0" err="1"/>
+              <a:t>exists</a:t>
+            </a:r>
+            <a:r>
+              <a:rPr lang="tr-TR" dirty="0"/>
+              <a:t>)</a:t>
+            </a:r>
+            <a:endParaRPr lang="tr-TR" dirty="0">
+              <a:hlinkClick r:id="rId2"/>
+            </a:endParaRPr>
+          </a:p>
+          <a:p>
+            <a:r>
+              <a:rPr lang="en-US" dirty="0">
+                <a:hlinkClick r:id="rId2"/>
+              </a:rPr>
+              <a:t>https://www.mdpi.com/1996-1073/11/1/120</a:t>
+            </a:r>
+            <a:endParaRPr lang="tr-TR" dirty="0"/>
+          </a:p>
+          <a:p>
+            <a:endParaRPr lang="tr-TR" dirty="0"/>
+          </a:p>
+        </p:txBody>
+      </p:sp>
+      <p:sp>
+        <p:nvSpPr>
+          <p:cNvPr id="4" name="Slide Number Placeholder 3">
+            <a:extLst>
+              <a:ext uri="{FF2B5EF4-FFF2-40B4-BE49-F238E27FC236}">
+                <a16:creationId xmlns:a16="http://schemas.microsoft.com/office/drawing/2014/main" id="{A6F135A4-D07E-4C8B-85F8-9BCCE23D2883}"/>
+              </a:ext>
+            </a:extLst>
+          </p:cNvPr>
+          <p:cNvSpPr>
+            <a:spLocks noGrp="1"/>
+          </p:cNvSpPr>
+          <p:nvPr>
+            <p:ph type="sldNum" sz="quarter" idx="12"/>
+          </p:nvPr>
+        </p:nvSpPr>
+        <p:spPr/>
+        <p:txBody>
+          <a:bodyPr/>
+          <a:lstStyle/>
+          <a:p>
+            <a:fld id="{C34F410B-15DC-41CC-BDD7-B7A13803B7AF}" type="slidenum">
+              <a:rPr lang="tr-TR" smtClean="0"/>
+              <a:t>15</a:t>
+            </a:fld>
+            <a:endParaRPr lang="tr-TR"/>
+          </a:p>
+        </p:txBody>
+      </p:sp>
+      <p:pic>
+        <p:nvPicPr>
+          <p:cNvPr id="1028" name="Picture 4" descr="Düşünmekle Akıl Hastalıkları Arasında Bağ Kuran Tek Ülke, Türkiye'deki &quot;Düşünen  Adam&quot;ın Hikayesi - onedio.com">
+            <a:extLst>
+              <a:ext uri="{FF2B5EF4-FFF2-40B4-BE49-F238E27FC236}">
+                <a16:creationId xmlns:a16="http://schemas.microsoft.com/office/drawing/2014/main" id="{0853A710-BF02-49F8-ABB1-1B17A8179410}"/>
+              </a:ext>
+            </a:extLst>
+          </p:cNvPr>
+          <p:cNvPicPr>
+            <a:picLocks noChangeAspect="1" noChangeArrowheads="1"/>
+          </p:cNvPicPr>
+          <p:nvPr/>
+        </p:nvPicPr>
+        <p:blipFill>
+          <a:blip r:embed="rId3">
+            <a:extLst>
+              <a:ext uri="{28A0092B-C50C-407E-A947-70E740481C1C}">
+                <a14:useLocalDpi xmlns:a14="http://schemas.microsoft.com/office/drawing/2010/main" val="0"/>
+              </a:ext>
+            </a:extLst>
+          </a:blip>
+          <a:srcRect/>
+          <a:stretch>
+            <a:fillRect/>
+          </a:stretch>
+        </p:blipFill>
+        <p:spPr bwMode="auto">
+          <a:xfrm>
+            <a:off x="9304313" y="1"/>
+            <a:ext cx="2887687" cy="1690688"/>
+          </a:xfrm>
+          <a:prstGeom prst="rect">
+            <a:avLst/>
+          </a:prstGeom>
+          <a:noFill/>
+          <a:extLst>
+            <a:ext uri="{909E8E84-426E-40DD-AFC4-6F175D3DCCD1}">
+              <a14:hiddenFill xmlns:a14="http://schemas.microsoft.com/office/drawing/2010/main">
+                <a:solidFill>
+                  <a:srgbClr val="FFFFFF"/>
+                </a:solidFill>
+              </a14:hiddenFill>
+            </a:ext>
+          </a:extLst>
+        </p:spPr>
+      </p:pic>
+    </p:spTree>
+    <p:extLst>
+      <p:ext uri="{BB962C8B-B14F-4D97-AF65-F5344CB8AC3E}">
+        <p14:creationId xmlns:p14="http://schemas.microsoft.com/office/powerpoint/2010/main" val="4191498467"/>
+      </p:ext>
+    </p:extLst>
+  </p:cSld>
+  <p:clrMapOvr>
+    <a:masterClrMapping/>
+  </p:clrMapOvr>
+</p:sld>
+</file>
+
+<file path=ppt/slides/slide16.xml><?xml version="1.0" encoding="utf-8"?>
+<p:sld xmlns:a="http://schemas.openxmlformats.org/drawingml/2006/main" xmlns:r="http://schemas.openxmlformats.org/officeDocument/2006/relationships" xmlns:p="http://schemas.openxmlformats.org/presentationml/2006/main">
+  <p:cSld>
+    <p:spTree>
+      <p:nvGrpSpPr>
+        <p:cNvPr id="1" name=""/>
+        <p:cNvGrpSpPr/>
+        <p:nvPr/>
+      </p:nvGrpSpPr>
+      <p:grpSpPr>
+        <a:xfrm>
+          <a:off x="0" y="0"/>
+          <a:ext cx="0" cy="0"/>
+          <a:chOff x="0" y="0"/>
+          <a:chExt cx="0" cy="0"/>
+        </a:xfrm>
+      </p:grpSpPr>
+      <p:sp>
+        <p:nvSpPr>
+          <p:cNvPr id="2" name="Title 1">
+            <a:extLst>
+              <a:ext uri="{FF2B5EF4-FFF2-40B4-BE49-F238E27FC236}">
+                <a16:creationId xmlns:a16="http://schemas.microsoft.com/office/drawing/2014/main" id="{D775B990-0249-418C-816E-1E22F69B1D9B}"/>
+              </a:ext>
+            </a:extLst>
+          </p:cNvPr>
+          <p:cNvSpPr>
+            <a:spLocks noGrp="1"/>
+          </p:cNvSpPr>
+          <p:nvPr>
+            <p:ph type="title"/>
+          </p:nvPr>
+        </p:nvSpPr>
+        <p:spPr/>
+        <p:txBody>
+          <a:bodyPr/>
+          <a:lstStyle/>
+          <a:p>
+            <a:r>
+              <a:rPr lang="tr-TR" dirty="0" err="1"/>
+              <a:t>References</a:t>
+            </a:r>
+            <a:endParaRPr lang="en-US" dirty="0"/>
+          </a:p>
+        </p:txBody>
+      </p:sp>
+      <p:sp>
+        <p:nvSpPr>
+          <p:cNvPr id="3" name="Content Placeholder 2">
+            <a:extLst>
+              <a:ext uri="{FF2B5EF4-FFF2-40B4-BE49-F238E27FC236}">
+                <a16:creationId xmlns:a16="http://schemas.microsoft.com/office/drawing/2014/main" id="{CE2646B2-830C-41C0-A952-0F46E9CB7364}"/>
+              </a:ext>
+            </a:extLst>
+          </p:cNvPr>
+          <p:cNvSpPr>
+            <a:spLocks noGrp="1"/>
+          </p:cNvSpPr>
+          <p:nvPr>
+            <p:ph idx="1"/>
+          </p:nvPr>
+        </p:nvSpPr>
+        <p:spPr/>
+        <p:txBody>
+          <a:bodyPr/>
+          <a:lstStyle/>
+          <a:p>
+            <a:r>
+              <a:rPr lang="tr-TR" dirty="0"/>
+              <a:t>[1] </a:t>
+            </a:r>
+            <a:r>
+              <a:rPr lang="en-US" dirty="0"/>
+              <a:t>Fault-Tolerant Control of Dual Three-Phase Permanent-Magnet Synchronous Machine Drives Under Open-Phase Faults</a:t>
+            </a:r>
+            <a:r>
+              <a:rPr lang="tr-TR" dirty="0"/>
+              <a:t> (2019)</a:t>
+            </a:r>
+          </a:p>
+          <a:p>
+            <a:r>
+              <a:rPr lang="tr-TR" dirty="0"/>
+              <a:t>[2] </a:t>
+            </a:r>
+            <a:r>
+              <a:rPr lang="en-US" dirty="0"/>
+              <a:t>Fault Tolerant and Minimum Loss Control of Double-Star Synchronous Machines Under Open Phase Conditions</a:t>
+            </a:r>
+            <a:r>
+              <a:rPr lang="tr-TR" dirty="0"/>
+              <a:t> (2008)</a:t>
+            </a:r>
+          </a:p>
+          <a:p>
+            <a:r>
+              <a:rPr lang="tr-TR" dirty="0"/>
+              <a:t>[3] </a:t>
+            </a:r>
+            <a:r>
+              <a:rPr lang="en-US" dirty="0"/>
+              <a:t>Finite Control Set Model Based Predictive Control of a PMSM with Variable Switching Frequency and Torque Ripple Optimization</a:t>
+            </a:r>
+            <a:endParaRPr lang="tr-TR" dirty="0"/>
+          </a:p>
+          <a:p>
+            <a:endParaRPr lang="en-US" dirty="0"/>
+          </a:p>
+        </p:txBody>
+      </p:sp>
+      <p:sp>
+        <p:nvSpPr>
+          <p:cNvPr id="4" name="Slide Number Placeholder 3">
+            <a:extLst>
+              <a:ext uri="{FF2B5EF4-FFF2-40B4-BE49-F238E27FC236}">
+                <a16:creationId xmlns:a16="http://schemas.microsoft.com/office/drawing/2014/main" id="{1F4604F4-41E7-440C-8A05-F4534716F9E6}"/>
+              </a:ext>
+            </a:extLst>
+          </p:cNvPr>
+          <p:cNvSpPr>
+            <a:spLocks noGrp="1"/>
+          </p:cNvSpPr>
+          <p:nvPr>
+            <p:ph type="sldNum" sz="quarter" idx="12"/>
+          </p:nvPr>
+        </p:nvSpPr>
+        <p:spPr/>
+        <p:txBody>
+          <a:bodyPr/>
+          <a:lstStyle/>
+          <a:p>
+            <a:fld id="{C34F410B-15DC-41CC-BDD7-B7A13803B7AF}" type="slidenum">
+              <a:rPr lang="tr-TR" smtClean="0"/>
+              <a:t>16</a:t>
+            </a:fld>
+            <a:endParaRPr lang="tr-TR"/>
+          </a:p>
+        </p:txBody>
+      </p:sp>
+    </p:spTree>
+    <p:extLst>
+      <p:ext uri="{BB962C8B-B14F-4D97-AF65-F5344CB8AC3E}">
+        <p14:creationId xmlns:p14="http://schemas.microsoft.com/office/powerpoint/2010/main" val="3613681694"/>
+      </p:ext>
+    </p:extLst>
+  </p:cSld>
+  <p:clrMapOvr>
+    <a:masterClrMapping/>
+  </p:clrMapOvr>
+</p:sld>
+</file>
+
+<file path=ppt/slides/slide17.xml><?xml version="1.0" encoding="utf-8"?>
+<p:sld xmlns:a="http://schemas.openxmlformats.org/drawingml/2006/main" xmlns:r="http://schemas.openxmlformats.org/officeDocument/2006/relationships" xmlns:p="http://schemas.openxmlformats.org/presentationml/2006/main">
+  <p:cSld>
+    <p:spTree>
+      <p:nvGrpSpPr>
+        <p:cNvPr id="1" name=""/>
+        <p:cNvGrpSpPr/>
+        <p:nvPr/>
+      </p:nvGrpSpPr>
+      <p:grpSpPr>
+        <a:xfrm>
+          <a:off x="0" y="0"/>
+          <a:ext cx="0" cy="0"/>
+          <a:chOff x="0" y="0"/>
+          <a:chExt cx="0" cy="0"/>
+        </a:xfrm>
+      </p:grpSpPr>
+      <p:sp>
+        <p:nvSpPr>
+          <p:cNvPr id="2" name="Title 1">
+            <a:extLst>
+              <a:ext uri="{FF2B5EF4-FFF2-40B4-BE49-F238E27FC236}">
+                <a16:creationId xmlns:a16="http://schemas.microsoft.com/office/drawing/2014/main" id="{C16F55E8-23ED-426E-8BE9-0F8A083632D9}"/>
+              </a:ext>
+            </a:extLst>
+          </p:cNvPr>
+          <p:cNvSpPr>
+            <a:spLocks noGrp="1"/>
+          </p:cNvSpPr>
+          <p:nvPr>
+            <p:ph type="title"/>
+          </p:nvPr>
+        </p:nvSpPr>
+        <p:spPr/>
+        <p:txBody>
+          <a:bodyPr/>
+          <a:lstStyle/>
+          <a:p>
+            <a:r>
+              <a:rPr lang="tr-TR" dirty="0"/>
+              <a:t>To </a:t>
+            </a:r>
+            <a:r>
+              <a:rPr lang="tr-TR" dirty="0" err="1"/>
+              <a:t>sum</a:t>
+            </a:r>
+            <a:r>
+              <a:rPr lang="tr-TR" dirty="0"/>
+              <a:t> </a:t>
+            </a:r>
+            <a:r>
+              <a:rPr lang="tr-TR" dirty="0" err="1"/>
+              <a:t>up</a:t>
+            </a:r>
+            <a:endParaRPr lang="en-US" dirty="0"/>
+          </a:p>
+        </p:txBody>
+      </p:sp>
+      <p:sp>
+        <p:nvSpPr>
+          <p:cNvPr id="3" name="Content Placeholder 2">
+            <a:extLst>
+              <a:ext uri="{FF2B5EF4-FFF2-40B4-BE49-F238E27FC236}">
+                <a16:creationId xmlns:a16="http://schemas.microsoft.com/office/drawing/2014/main" id="{D87EBE7C-B9EE-4285-8DE2-269E125BBA32}"/>
+              </a:ext>
+            </a:extLst>
+          </p:cNvPr>
+          <p:cNvSpPr>
+            <a:spLocks noGrp="1"/>
+          </p:cNvSpPr>
+          <p:nvPr>
+            <p:ph idx="1"/>
+          </p:nvPr>
+        </p:nvSpPr>
+        <p:spPr/>
+        <p:txBody>
+          <a:bodyPr/>
+          <a:lstStyle/>
+          <a:p>
+            <a:r>
+              <a:rPr lang="tr-TR" dirty="0"/>
+              <a:t>Modüller arası </a:t>
+            </a:r>
+            <a:r>
+              <a:rPr lang="tr-TR" dirty="0" err="1"/>
+              <a:t>tork</a:t>
+            </a:r>
+            <a:r>
+              <a:rPr lang="tr-TR" dirty="0"/>
+              <a:t> paylaşımı başarılı şekilde gerçekleştiriliyor.</a:t>
+            </a:r>
+          </a:p>
+          <a:p>
+            <a:r>
+              <a:rPr lang="tr-TR" dirty="0" err="1"/>
+              <a:t>Fault</a:t>
+            </a:r>
+            <a:r>
+              <a:rPr lang="tr-TR" dirty="0"/>
+              <a:t> sonrası kayıpların (</a:t>
+            </a:r>
+            <a:r>
+              <a:rPr lang="tr-TR" dirty="0" err="1"/>
+              <a:t>copper</a:t>
+            </a:r>
+            <a:r>
+              <a:rPr lang="tr-TR" dirty="0"/>
+              <a:t> &amp; </a:t>
+            </a:r>
+            <a:r>
+              <a:rPr lang="tr-TR" dirty="0" err="1"/>
+              <a:t>core</a:t>
+            </a:r>
+            <a:r>
+              <a:rPr lang="tr-TR" dirty="0"/>
+              <a:t>) minimize edilmesi için neler yapılabilir? Daha detaylı araştırılacak. </a:t>
+            </a:r>
+          </a:p>
+          <a:p>
+            <a:r>
+              <a:rPr lang="tr-TR" dirty="0"/>
+              <a:t>Referans </a:t>
+            </a:r>
+            <a:r>
+              <a:rPr lang="tr-TR" dirty="0" err="1"/>
+              <a:t>Iq</a:t>
+            </a:r>
+            <a:r>
+              <a:rPr lang="tr-TR" dirty="0"/>
+              <a:t> &amp; </a:t>
+            </a:r>
+            <a:r>
+              <a:rPr lang="tr-TR" dirty="0" err="1"/>
+              <a:t>Id</a:t>
+            </a:r>
+            <a:r>
+              <a:rPr lang="tr-TR" dirty="0"/>
+              <a:t> üretimi </a:t>
+            </a:r>
+            <a:r>
+              <a:rPr lang="tr-TR" dirty="0" err="1"/>
+              <a:t>MPC’ye</a:t>
+            </a:r>
+            <a:r>
+              <a:rPr lang="tr-TR" dirty="0"/>
+              <a:t> dahil edilebilir mi? </a:t>
+            </a:r>
+          </a:p>
+          <a:p>
+            <a:r>
+              <a:rPr lang="tr-TR" dirty="0" err="1"/>
+              <a:t>Id</a:t>
+            </a:r>
+            <a:r>
+              <a:rPr lang="tr-TR" dirty="0"/>
+              <a:t> &amp; </a:t>
+            </a:r>
+            <a:r>
+              <a:rPr lang="tr-TR" dirty="0" err="1"/>
+              <a:t>Iq</a:t>
+            </a:r>
+            <a:r>
+              <a:rPr lang="tr-TR" dirty="0"/>
+              <a:t> referans üretimi offline optimizasyon ile hallediliyor. Online optimizasyon nasıl yapılabilir. </a:t>
+            </a:r>
+          </a:p>
+          <a:p>
+            <a:r>
+              <a:rPr lang="tr-TR" dirty="0"/>
+              <a:t>MPC, PCC, PTC bütün bunlar ne demek? Bu konuda tekrar bir okuma yapılacak.</a:t>
+            </a:r>
+          </a:p>
+          <a:p>
+            <a:pPr marL="0" indent="0">
+              <a:buNone/>
+            </a:pPr>
+            <a:endParaRPr lang="en-US" dirty="0"/>
+          </a:p>
+        </p:txBody>
+      </p:sp>
+      <p:sp>
+        <p:nvSpPr>
+          <p:cNvPr id="4" name="Slide Number Placeholder 3">
+            <a:extLst>
+              <a:ext uri="{FF2B5EF4-FFF2-40B4-BE49-F238E27FC236}">
+                <a16:creationId xmlns:a16="http://schemas.microsoft.com/office/drawing/2014/main" id="{A50C5EB2-EDE7-48EC-9219-1C416887E600}"/>
+              </a:ext>
+            </a:extLst>
+          </p:cNvPr>
+          <p:cNvSpPr>
+            <a:spLocks noGrp="1"/>
+          </p:cNvSpPr>
+          <p:nvPr>
+            <p:ph type="sldNum" sz="quarter" idx="12"/>
+          </p:nvPr>
+        </p:nvSpPr>
+        <p:spPr/>
+        <p:txBody>
+          <a:bodyPr/>
+          <a:lstStyle/>
+          <a:p>
+            <a:fld id="{C34F410B-15DC-41CC-BDD7-B7A13803B7AF}" type="slidenum">
+              <a:rPr lang="tr-TR" smtClean="0"/>
+              <a:t>17</a:t>
+            </a:fld>
+            <a:endParaRPr lang="tr-TR"/>
+          </a:p>
+        </p:txBody>
+      </p:sp>
+    </p:spTree>
+    <p:extLst>
+      <p:ext uri="{BB962C8B-B14F-4D97-AF65-F5344CB8AC3E}">
+        <p14:creationId xmlns:p14="http://schemas.microsoft.com/office/powerpoint/2010/main" val="1997563344"/>
+      </p:ext>
+    </p:extLst>
+  </p:cSld>
+  <p:clrMapOvr>
+    <a:masterClrMapping/>
+  </p:clrMapOvr>
+</p:sld>
+</file>
+
+<file path=ppt/slides/slide18.xml><?xml version="1.0" encoding="utf-8"?>
+<p:sld xmlns:a="http://schemas.openxmlformats.org/drawingml/2006/main" xmlns:r="http://schemas.openxmlformats.org/officeDocument/2006/relationships" xmlns:p="http://schemas.openxmlformats.org/presentationml/2006/main">
+  <p:cSld>
+    <p:spTree>
+      <p:nvGrpSpPr>
+        <p:cNvPr id="1" name=""/>
+        <p:cNvGrpSpPr/>
+        <p:nvPr/>
+      </p:nvGrpSpPr>
+      <p:grpSpPr>
+        <a:xfrm>
+          <a:off x="0" y="0"/>
+          <a:ext cx="0" cy="0"/>
+          <a:chOff x="0" y="0"/>
+          <a:chExt cx="0" cy="0"/>
+        </a:xfrm>
+      </p:grpSpPr>
+      <p:sp>
+        <p:nvSpPr>
+          <p:cNvPr id="2" name="Title 1">
+            <a:extLst>
+              <a:ext uri="{FF2B5EF4-FFF2-40B4-BE49-F238E27FC236}">
+                <a16:creationId xmlns:a16="http://schemas.microsoft.com/office/drawing/2014/main" id="{7F322E87-98F7-4D3A-8EFF-CDD959B598D8}"/>
+              </a:ext>
+            </a:extLst>
+          </p:cNvPr>
+          <p:cNvSpPr>
+            <a:spLocks noGrp="1"/>
+          </p:cNvSpPr>
+          <p:nvPr>
+            <p:ph type="title"/>
+          </p:nvPr>
+        </p:nvSpPr>
+        <p:spPr/>
+        <p:txBody>
+          <a:bodyPr/>
+          <a:lstStyle/>
+          <a:p>
+            <a:r>
+              <a:rPr lang="tr-TR" dirty="0"/>
+              <a:t>Simülasyon bilinen eksiklikler</a:t>
+            </a:r>
+            <a:endParaRPr lang="en-US" dirty="0"/>
+          </a:p>
+        </p:txBody>
+      </p:sp>
+      <p:sp>
+        <p:nvSpPr>
+          <p:cNvPr id="3" name="Content Placeholder 2">
+            <a:extLst>
+              <a:ext uri="{FF2B5EF4-FFF2-40B4-BE49-F238E27FC236}">
+                <a16:creationId xmlns:a16="http://schemas.microsoft.com/office/drawing/2014/main" id="{BA89BA68-3FC7-4203-ABB6-0858083940F4}"/>
+              </a:ext>
+            </a:extLst>
+          </p:cNvPr>
+          <p:cNvSpPr>
+            <a:spLocks noGrp="1"/>
+          </p:cNvSpPr>
+          <p:nvPr>
+            <p:ph idx="1"/>
+          </p:nvPr>
+        </p:nvSpPr>
+        <p:spPr/>
+        <p:txBody>
+          <a:bodyPr/>
+          <a:lstStyle/>
+          <a:p>
+            <a:r>
+              <a:rPr lang="tr-TR" dirty="0" err="1"/>
+              <a:t>Fault</a:t>
+            </a:r>
+            <a:r>
+              <a:rPr lang="tr-TR" dirty="0"/>
+              <a:t> sonrası </a:t>
+            </a:r>
+            <a:r>
+              <a:rPr lang="tr-TR" dirty="0" err="1"/>
+              <a:t>duty</a:t>
+            </a:r>
+            <a:r>
+              <a:rPr lang="tr-TR" dirty="0"/>
+              <a:t> </a:t>
+            </a:r>
+            <a:r>
+              <a:rPr lang="tr-TR" dirty="0" err="1"/>
+              <a:t>cycle</a:t>
+            </a:r>
+            <a:r>
+              <a:rPr lang="tr-TR" dirty="0"/>
+              <a:t> (T1 T2 T0) hesabı güncellenecek.</a:t>
+            </a:r>
+          </a:p>
+          <a:p>
+            <a:r>
+              <a:rPr lang="tr-TR" dirty="0" err="1"/>
+              <a:t>Simulinkte</a:t>
+            </a:r>
+            <a:r>
+              <a:rPr lang="tr-TR" dirty="0"/>
+              <a:t> bir sorun değil fakat gerçekleme aşamasında (k+2) değerleri için optimizasyon yapmak gerekecek.</a:t>
+            </a:r>
+          </a:p>
+          <a:p>
+            <a:endParaRPr lang="tr-TR" dirty="0"/>
+          </a:p>
+          <a:p>
+            <a:endParaRPr lang="en-US" dirty="0"/>
+          </a:p>
+        </p:txBody>
+      </p:sp>
+      <p:sp>
+        <p:nvSpPr>
+          <p:cNvPr id="4" name="Slide Number Placeholder 3">
+            <a:extLst>
+              <a:ext uri="{FF2B5EF4-FFF2-40B4-BE49-F238E27FC236}">
+                <a16:creationId xmlns:a16="http://schemas.microsoft.com/office/drawing/2014/main" id="{D7D7F05D-B1D0-46C0-A48D-1CBA424F4C96}"/>
+              </a:ext>
+            </a:extLst>
+          </p:cNvPr>
+          <p:cNvSpPr>
+            <a:spLocks noGrp="1"/>
+          </p:cNvSpPr>
+          <p:nvPr>
+            <p:ph type="sldNum" sz="quarter" idx="12"/>
+          </p:nvPr>
+        </p:nvSpPr>
+        <p:spPr/>
+        <p:txBody>
+          <a:bodyPr/>
+          <a:lstStyle/>
+          <a:p>
+            <a:fld id="{C34F410B-15DC-41CC-BDD7-B7A13803B7AF}" type="slidenum">
+              <a:rPr lang="tr-TR" smtClean="0"/>
+              <a:t>18</a:t>
+            </a:fld>
+            <a:endParaRPr lang="tr-TR"/>
+          </a:p>
+        </p:txBody>
+      </p:sp>
+    </p:spTree>
+    <p:extLst>
+      <p:ext uri="{BB962C8B-B14F-4D97-AF65-F5344CB8AC3E}">
+        <p14:creationId xmlns:p14="http://schemas.microsoft.com/office/powerpoint/2010/main" val="3560639372"/>
       </p:ext>
     </p:extLst>
   </p:cSld>
@@ -3533,6 +6384,220 @@
           <p:cNvPr id="2" name="Başlık 1">
             <a:extLst>
               <a:ext uri="{FF2B5EF4-FFF2-40B4-BE49-F238E27FC236}">
+                <a16:creationId xmlns:a16="http://schemas.microsoft.com/office/drawing/2014/main" id="{995A665F-3643-4EDE-A536-DFEDB77EBD53}"/>
+              </a:ext>
+            </a:extLst>
+          </p:cNvPr>
+          <p:cNvSpPr>
+            <a:spLocks noGrp="1"/>
+          </p:cNvSpPr>
+          <p:nvPr>
+            <p:ph type="title"/>
+          </p:nvPr>
+        </p:nvSpPr>
+        <p:spPr/>
+        <p:txBody>
+          <a:bodyPr/>
+          <a:lstStyle/>
+          <a:p>
+            <a:r>
+              <a:rPr lang="tr-TR" dirty="0"/>
+              <a:t>Bu haftaki çalışmaların özeti</a:t>
+            </a:r>
+            <a:endParaRPr lang="en-US" dirty="0"/>
+          </a:p>
+        </p:txBody>
+      </p:sp>
+      <p:sp>
+        <p:nvSpPr>
+          <p:cNvPr id="3" name="İçerik Yer Tutucusu 2">
+            <a:extLst>
+              <a:ext uri="{FF2B5EF4-FFF2-40B4-BE49-F238E27FC236}">
+                <a16:creationId xmlns:a16="http://schemas.microsoft.com/office/drawing/2014/main" id="{D5A15220-6828-4D70-B168-CEE78B529C9A}"/>
+              </a:ext>
+            </a:extLst>
+          </p:cNvPr>
+          <p:cNvSpPr>
+            <a:spLocks noGrp="1"/>
+          </p:cNvSpPr>
+          <p:nvPr>
+            <p:ph idx="1"/>
+          </p:nvPr>
+        </p:nvSpPr>
+        <p:spPr/>
+        <p:txBody>
+          <a:bodyPr/>
+          <a:lstStyle/>
+          <a:p>
+            <a:r>
+              <a:rPr lang="tr-TR" dirty="0" err="1"/>
+              <a:t>Iq</a:t>
+            </a:r>
+            <a:r>
+              <a:rPr lang="tr-TR" dirty="0"/>
+              <a:t> </a:t>
+            </a:r>
+            <a:r>
+              <a:rPr lang="tr-TR" dirty="0" err="1"/>
+              <a:t>ripple</a:t>
+            </a:r>
+            <a:r>
+              <a:rPr lang="tr-TR" dirty="0"/>
+              <a:t> </a:t>
+            </a:r>
+            <a:r>
+              <a:rPr lang="tr-TR" dirty="0" err="1"/>
+              <a:t>prediction</a:t>
+            </a:r>
+            <a:r>
+              <a:rPr lang="tr-TR" dirty="0"/>
+              <a:t> kısmı düzeltildi ve </a:t>
+            </a:r>
+            <a:r>
+              <a:rPr lang="tr-TR" dirty="0" err="1"/>
+              <a:t>Iq</a:t>
+            </a:r>
+            <a:r>
+              <a:rPr lang="tr-TR" dirty="0"/>
+              <a:t> </a:t>
+            </a:r>
+            <a:r>
+              <a:rPr lang="tr-TR" dirty="0" err="1"/>
+              <a:t>ripple</a:t>
+            </a:r>
+            <a:r>
+              <a:rPr lang="tr-TR" dirty="0"/>
+              <a:t> </a:t>
+            </a:r>
+            <a:r>
+              <a:rPr lang="tr-TR" dirty="0" err="1"/>
+              <a:t>cost</a:t>
+            </a:r>
+            <a:r>
+              <a:rPr lang="tr-TR" dirty="0"/>
+              <a:t> </a:t>
+            </a:r>
+            <a:r>
+              <a:rPr lang="tr-TR" dirty="0" err="1"/>
+              <a:t>function’a</a:t>
+            </a:r>
+            <a:r>
+              <a:rPr lang="tr-TR" dirty="0"/>
+              <a:t> eklendi.</a:t>
+            </a:r>
+          </a:p>
+          <a:p>
+            <a:r>
+              <a:rPr lang="tr-TR" dirty="0"/>
+              <a:t>Tek ve Çift modül simülasyon sonuçları derlendi.</a:t>
+            </a:r>
+          </a:p>
+          <a:p>
+            <a:r>
+              <a:rPr lang="tr-TR" dirty="0"/>
+              <a:t>Çift modül </a:t>
+            </a:r>
+            <a:r>
+              <a:rPr lang="tr-TR" dirty="0" err="1"/>
+              <a:t>faulty</a:t>
+            </a:r>
+            <a:r>
+              <a:rPr lang="tr-TR" dirty="0"/>
+              <a:t> durumda </a:t>
+            </a:r>
+            <a:r>
+              <a:rPr lang="tr-TR" dirty="0" err="1"/>
+              <a:t>tork</a:t>
+            </a:r>
+            <a:r>
+              <a:rPr lang="tr-TR" dirty="0"/>
+              <a:t> paylaşımı gerçekleştirildi.</a:t>
+            </a:r>
+          </a:p>
+          <a:p>
+            <a:r>
+              <a:rPr lang="tr-TR" dirty="0" err="1"/>
+              <a:t>Faulty</a:t>
+            </a:r>
+            <a:r>
+              <a:rPr lang="tr-TR" dirty="0"/>
+              <a:t> durumda </a:t>
+            </a:r>
+            <a:r>
+              <a:rPr lang="tr-TR" dirty="0" err="1"/>
+              <a:t>tork</a:t>
+            </a:r>
+            <a:r>
+              <a:rPr lang="tr-TR" dirty="0"/>
+              <a:t> paylaşımı hakkında tarama yapıldı.</a:t>
+            </a:r>
+          </a:p>
+        </p:txBody>
+      </p:sp>
+      <p:sp>
+        <p:nvSpPr>
+          <p:cNvPr id="4" name="Slide Number Placeholder 3">
+            <a:extLst>
+              <a:ext uri="{FF2B5EF4-FFF2-40B4-BE49-F238E27FC236}">
+                <a16:creationId xmlns:a16="http://schemas.microsoft.com/office/drawing/2014/main" id="{FADE78FF-BE51-4279-B113-E3AB438BB3A8}"/>
+              </a:ext>
+            </a:extLst>
+          </p:cNvPr>
+          <p:cNvSpPr>
+            <a:spLocks noGrp="1"/>
+          </p:cNvSpPr>
+          <p:nvPr>
+            <p:ph type="sldNum" sz="quarter" idx="12"/>
+          </p:nvPr>
+        </p:nvSpPr>
+        <p:spPr/>
+        <p:txBody>
+          <a:bodyPr/>
+          <a:lstStyle/>
+          <a:p>
+            <a:fld id="{C34F410B-15DC-41CC-BDD7-B7A13803B7AF}" type="slidenum">
+              <a:rPr lang="tr-TR" smtClean="0"/>
+              <a:t>2</a:t>
+            </a:fld>
+            <a:endParaRPr lang="tr-TR"/>
+          </a:p>
+        </p:txBody>
+      </p:sp>
+    </p:spTree>
+    <p:extLst>
+      <p:ext uri="{BB962C8B-B14F-4D97-AF65-F5344CB8AC3E}">
+        <p14:creationId xmlns:p14="http://schemas.microsoft.com/office/powerpoint/2010/main" val="3055094598"/>
+      </p:ext>
+    </p:extLst>
+  </p:cSld>
+  <p:clrMapOvr>
+    <a:masterClrMapping/>
+  </p:clrMapOvr>
+</p:sld>
+</file>
+
+<file path=ppt/slides/slide3.xml><?xml version="1.0" encoding="utf-8"?>
+<p:sld xmlns:a="http://schemas.openxmlformats.org/drawingml/2006/main" xmlns:r="http://schemas.openxmlformats.org/officeDocument/2006/relationships" xmlns:p="http://schemas.openxmlformats.org/presentationml/2006/main">
+  <p:cSld>
+    <p:spTree>
+      <p:nvGrpSpPr>
+        <p:cNvPr id="1" name=""/>
+        <p:cNvGrpSpPr/>
+        <p:nvPr/>
+      </p:nvGrpSpPr>
+      <p:grpSpPr>
+        <a:xfrm>
+          <a:off x="0" y="0"/>
+          <a:ext cx="0" cy="0"/>
+          <a:chOff x="0" y="0"/>
+          <a:chExt cx="0" cy="0"/>
+        </a:xfrm>
+      </p:grpSpPr>
+      <p:sp>
+        <p:nvSpPr>
+          <p:cNvPr id="2" name="Başlık 1">
+            <a:extLst>
+              <a:ext uri="{FF2B5EF4-FFF2-40B4-BE49-F238E27FC236}">
                 <a16:creationId xmlns:a16="http://schemas.microsoft.com/office/drawing/2014/main" id="{6DC3FE91-8F9C-4A1D-996D-B47AC5E7C193}"/>
               </a:ext>
             </a:extLst>
@@ -3735,270 +6800,39 @@
           </a:extLst>
         </p:spPr>
       </p:pic>
+      <p:sp>
+        <p:nvSpPr>
+          <p:cNvPr id="3" name="Slide Number Placeholder 2">
+            <a:extLst>
+              <a:ext uri="{FF2B5EF4-FFF2-40B4-BE49-F238E27FC236}">
+                <a16:creationId xmlns:a16="http://schemas.microsoft.com/office/drawing/2014/main" id="{6DB3EE24-553A-4196-AAE4-11583921B060}"/>
+              </a:ext>
+            </a:extLst>
+          </p:cNvPr>
+          <p:cNvSpPr>
+            <a:spLocks noGrp="1"/>
+          </p:cNvSpPr>
+          <p:nvPr>
+            <p:ph type="sldNum" sz="quarter" idx="12"/>
+          </p:nvPr>
+        </p:nvSpPr>
+        <p:spPr/>
+        <p:txBody>
+          <a:bodyPr/>
+          <a:lstStyle/>
+          <a:p>
+            <a:fld id="{C34F410B-15DC-41CC-BDD7-B7A13803B7AF}" type="slidenum">
+              <a:rPr lang="tr-TR" smtClean="0"/>
+              <a:t>3</a:t>
+            </a:fld>
+            <a:endParaRPr lang="tr-TR"/>
+          </a:p>
+        </p:txBody>
+      </p:sp>
     </p:spTree>
     <p:extLst>
       <p:ext uri="{BB962C8B-B14F-4D97-AF65-F5344CB8AC3E}">
         <p14:creationId xmlns:p14="http://schemas.microsoft.com/office/powerpoint/2010/main" val="301932293"/>
-      </p:ext>
-    </p:extLst>
-  </p:cSld>
-  <p:clrMapOvr>
-    <a:masterClrMapping/>
-  </p:clrMapOvr>
-</p:sld>
-</file>
-
-<file path=ppt/slides/slide3.xml><?xml version="1.0" encoding="utf-8"?>
-<p:sld xmlns:a="http://schemas.openxmlformats.org/drawingml/2006/main" xmlns:r="http://schemas.openxmlformats.org/officeDocument/2006/relationships" xmlns:p="http://schemas.openxmlformats.org/presentationml/2006/main">
-  <p:cSld>
-    <p:spTree>
-      <p:nvGrpSpPr>
-        <p:cNvPr id="1" name=""/>
-        <p:cNvGrpSpPr/>
-        <p:nvPr/>
-      </p:nvGrpSpPr>
-      <p:grpSpPr>
-        <a:xfrm>
-          <a:off x="0" y="0"/>
-          <a:ext cx="0" cy="0"/>
-          <a:chOff x="0" y="0"/>
-          <a:chExt cx="0" cy="0"/>
-        </a:xfrm>
-      </p:grpSpPr>
-      <p:pic>
-        <p:nvPicPr>
-          <p:cNvPr id="6" name="Resim 5">
-            <a:extLst>
-              <a:ext uri="{FF2B5EF4-FFF2-40B4-BE49-F238E27FC236}">
-                <a16:creationId xmlns:a16="http://schemas.microsoft.com/office/drawing/2014/main" id="{D3DBBFB0-3527-463F-AA06-C90DF54B6245}"/>
-              </a:ext>
-            </a:extLst>
-          </p:cNvPr>
-          <p:cNvPicPr>
-            <a:picLocks noChangeAspect="1"/>
-          </p:cNvPicPr>
-          <p:nvPr/>
-        </p:nvPicPr>
-        <p:blipFill>
-          <a:blip r:embed="rId2"/>
-          <a:stretch>
-            <a:fillRect/>
-          </a:stretch>
-        </p:blipFill>
-        <p:spPr>
-          <a:xfrm>
-            <a:off x="436605" y="3536691"/>
-            <a:ext cx="7577009" cy="1787998"/>
-          </a:xfrm>
-          <a:prstGeom prst="rect">
-            <a:avLst/>
-          </a:prstGeom>
-        </p:spPr>
-      </p:pic>
-      <p:sp>
-        <p:nvSpPr>
-          <p:cNvPr id="7" name="Başlık 1">
-            <a:extLst>
-              <a:ext uri="{FF2B5EF4-FFF2-40B4-BE49-F238E27FC236}">
-                <a16:creationId xmlns:a16="http://schemas.microsoft.com/office/drawing/2014/main" id="{A7544383-2C35-4C23-AA25-FC00B8E32C7D}"/>
-              </a:ext>
-            </a:extLst>
-          </p:cNvPr>
-          <p:cNvSpPr>
-            <a:spLocks noGrp="1"/>
-          </p:cNvSpPr>
-          <p:nvPr>
-            <p:ph type="title"/>
-          </p:nvPr>
-        </p:nvSpPr>
-        <p:spPr>
-          <a:xfrm>
-            <a:off x="838200" y="365125"/>
-            <a:ext cx="10515600" cy="1325563"/>
-          </a:xfrm>
-        </p:spPr>
-        <p:txBody>
-          <a:bodyPr/>
-          <a:lstStyle/>
-          <a:p>
-            <a:r>
-              <a:rPr lang="tr-TR" dirty="0"/>
-              <a:t>Yeni algoritma</a:t>
-            </a:r>
-          </a:p>
-        </p:txBody>
-      </p:sp>
-      <p:sp>
-        <p:nvSpPr>
-          <p:cNvPr id="8" name="İçerik Yer Tutucusu 2">
-            <a:extLst>
-              <a:ext uri="{FF2B5EF4-FFF2-40B4-BE49-F238E27FC236}">
-                <a16:creationId xmlns:a16="http://schemas.microsoft.com/office/drawing/2014/main" id="{13C524A0-054F-45BB-AC4B-E69CC364A9D6}"/>
-              </a:ext>
-            </a:extLst>
-          </p:cNvPr>
-          <p:cNvSpPr>
-            <a:spLocks noGrp="1"/>
-          </p:cNvSpPr>
-          <p:nvPr>
-            <p:ph idx="1"/>
-          </p:nvPr>
-        </p:nvSpPr>
-        <p:spPr>
-          <a:xfrm>
-            <a:off x="895865" y="1798379"/>
-            <a:ext cx="11040761" cy="2314061"/>
-          </a:xfrm>
-        </p:spPr>
-        <p:txBody>
-          <a:bodyPr/>
-          <a:lstStyle/>
-          <a:p>
-            <a:r>
-              <a:rPr lang="tr-TR" dirty="0" err="1"/>
-              <a:t>Cost</a:t>
-            </a:r>
-            <a:r>
-              <a:rPr lang="tr-TR" dirty="0"/>
-              <a:t> </a:t>
-            </a:r>
-            <a:r>
-              <a:rPr lang="tr-TR" dirty="0" err="1"/>
-              <a:t>function</a:t>
-            </a:r>
-            <a:r>
-              <a:rPr lang="tr-TR" dirty="0"/>
-              <a:t>, anahtarlama frekansı üzerinden değerlendiriliyor. (1-40khz)</a:t>
-            </a:r>
-          </a:p>
-          <a:p>
-            <a:r>
-              <a:rPr lang="tr-TR" dirty="0"/>
-              <a:t>Ortalama anahtarlama frekansı: değişken (hıza göre)</a:t>
-            </a:r>
-          </a:p>
-          <a:p>
-            <a:r>
-              <a:rPr lang="tr-TR" dirty="0" err="1"/>
-              <a:t>Torque</a:t>
-            </a:r>
-            <a:r>
-              <a:rPr lang="tr-TR" dirty="0"/>
-              <a:t> </a:t>
-            </a:r>
-            <a:r>
-              <a:rPr lang="tr-TR" dirty="0" err="1"/>
-              <a:t>ripple</a:t>
-            </a:r>
-            <a:r>
-              <a:rPr lang="tr-TR" dirty="0"/>
-              <a:t>: 1Nm (</a:t>
-            </a:r>
-            <a:r>
-              <a:rPr lang="tr-TR" dirty="0" err="1"/>
-              <a:t>pp</a:t>
-            </a:r>
-            <a:r>
-              <a:rPr lang="tr-TR" dirty="0"/>
-              <a:t> @ 10Nm)</a:t>
-            </a:r>
-          </a:p>
-        </p:txBody>
-      </p:sp>
-      <p:pic>
-        <p:nvPicPr>
-          <p:cNvPr id="10" name="Resim 9">
-            <a:extLst>
-              <a:ext uri="{FF2B5EF4-FFF2-40B4-BE49-F238E27FC236}">
-                <a16:creationId xmlns:a16="http://schemas.microsoft.com/office/drawing/2014/main" id="{B895E997-DA30-4BBF-83F2-83032CD0A3FD}"/>
-              </a:ext>
-            </a:extLst>
-          </p:cNvPr>
-          <p:cNvPicPr>
-            <a:picLocks noChangeAspect="1"/>
-          </p:cNvPicPr>
-          <p:nvPr/>
-        </p:nvPicPr>
-        <p:blipFill>
-          <a:blip r:embed="rId3"/>
-          <a:stretch>
-            <a:fillRect/>
-          </a:stretch>
-        </p:blipFill>
-        <p:spPr>
-          <a:xfrm>
-            <a:off x="6025459" y="6617688"/>
-            <a:ext cx="7553325" cy="200025"/>
-          </a:xfrm>
-          <a:prstGeom prst="rect">
-            <a:avLst/>
-          </a:prstGeom>
-        </p:spPr>
-      </p:pic>
-      <p:pic>
-        <p:nvPicPr>
-          <p:cNvPr id="5" name="Resim 4">
-            <a:extLst>
-              <a:ext uri="{FF2B5EF4-FFF2-40B4-BE49-F238E27FC236}">
-                <a16:creationId xmlns:a16="http://schemas.microsoft.com/office/drawing/2014/main" id="{C620CD32-C836-408A-9F7A-D84062A4B429}"/>
-              </a:ext>
-            </a:extLst>
-          </p:cNvPr>
-          <p:cNvPicPr>
-            <a:picLocks noChangeAspect="1"/>
-          </p:cNvPicPr>
-          <p:nvPr/>
-        </p:nvPicPr>
-        <p:blipFill>
-          <a:blip r:embed="rId4"/>
-          <a:stretch>
-            <a:fillRect/>
-          </a:stretch>
-        </p:blipFill>
-        <p:spPr>
-          <a:xfrm>
-            <a:off x="7788529" y="2844113"/>
-            <a:ext cx="4373183" cy="2314061"/>
-          </a:xfrm>
-          <a:prstGeom prst="rect">
-            <a:avLst/>
-          </a:prstGeom>
-        </p:spPr>
-      </p:pic>
-      <p:pic>
-        <p:nvPicPr>
-          <p:cNvPr id="12" name="Resim 11">
-            <a:extLst>
-              <a:ext uri="{FF2B5EF4-FFF2-40B4-BE49-F238E27FC236}">
-                <a16:creationId xmlns:a16="http://schemas.microsoft.com/office/drawing/2014/main" id="{158DFA48-729F-4E45-9E23-7B1FF284BE8D}"/>
-              </a:ext>
-            </a:extLst>
-          </p:cNvPr>
-          <p:cNvPicPr>
-            <a:picLocks noChangeAspect="1"/>
-          </p:cNvPicPr>
-          <p:nvPr/>
-        </p:nvPicPr>
-        <p:blipFill>
-          <a:blip r:embed="rId5"/>
-          <a:stretch>
-            <a:fillRect/>
-          </a:stretch>
-        </p:blipFill>
-        <p:spPr>
-          <a:xfrm>
-            <a:off x="679492" y="5324689"/>
-            <a:ext cx="5216866" cy="1738955"/>
-          </a:xfrm>
-          <a:prstGeom prst="rect">
-            <a:avLst/>
-          </a:prstGeom>
-        </p:spPr>
-      </p:pic>
-    </p:spTree>
-    <p:extLst>
-      <p:ext uri="{BB962C8B-B14F-4D97-AF65-F5344CB8AC3E}">
-        <p14:creationId xmlns:p14="http://schemas.microsoft.com/office/powerpoint/2010/main" val="2579331457"/>
       </p:ext>
     </p:extLst>
   </p:cSld>
@@ -4025,104 +6859,12 @@
           <a:chExt cx="0" cy="0"/>
         </a:xfrm>
       </p:grpSpPr>
-      <p:sp>
-        <p:nvSpPr>
-          <p:cNvPr id="2" name="Başlık 1">
-            <a:extLst>
-              <a:ext uri="{FF2B5EF4-FFF2-40B4-BE49-F238E27FC236}">
-                <a16:creationId xmlns:a16="http://schemas.microsoft.com/office/drawing/2014/main" id="{0FFD7AFF-09B9-4849-9DA8-3E0203F91073}"/>
-              </a:ext>
-            </a:extLst>
-          </p:cNvPr>
-          <p:cNvSpPr>
-            <a:spLocks noGrp="1"/>
-          </p:cNvSpPr>
-          <p:nvPr>
-            <p:ph type="title"/>
-          </p:nvPr>
-        </p:nvSpPr>
-        <p:spPr/>
-        <p:txBody>
-          <a:bodyPr/>
-          <a:lstStyle/>
-          <a:p>
-            <a:r>
-              <a:rPr lang="tr-TR" dirty="0" err="1"/>
-              <a:t>Torque</a:t>
-            </a:r>
-            <a:r>
-              <a:rPr lang="tr-TR" dirty="0"/>
-              <a:t> </a:t>
-            </a:r>
-            <a:r>
-              <a:rPr lang="tr-TR" dirty="0" err="1"/>
-              <a:t>ripple</a:t>
-            </a:r>
-            <a:r>
-              <a:rPr lang="tr-TR" dirty="0"/>
-              <a:t> </a:t>
-            </a:r>
-            <a:r>
-              <a:rPr lang="tr-TR" dirty="0" err="1"/>
-              <a:t>prediction</a:t>
-            </a:r>
-            <a:endParaRPr lang="tr-TR" dirty="0"/>
-          </a:p>
-        </p:txBody>
-      </p:sp>
-      <p:sp>
-        <p:nvSpPr>
-          <p:cNvPr id="3" name="İçerik Yer Tutucusu 2">
-            <a:extLst>
-              <a:ext uri="{FF2B5EF4-FFF2-40B4-BE49-F238E27FC236}">
-                <a16:creationId xmlns:a16="http://schemas.microsoft.com/office/drawing/2014/main" id="{5E73FF90-D223-41F6-B848-140F158BBDAC}"/>
-              </a:ext>
-            </a:extLst>
-          </p:cNvPr>
-          <p:cNvSpPr>
-            <a:spLocks noGrp="1"/>
-          </p:cNvSpPr>
-          <p:nvPr>
-            <p:ph idx="1"/>
-          </p:nvPr>
-        </p:nvSpPr>
-        <p:spPr/>
-        <p:txBody>
-          <a:bodyPr/>
-          <a:lstStyle/>
-          <a:p>
-            <a:r>
-              <a:rPr lang="tr-TR" dirty="0"/>
-              <a:t>Algoritmaya entegre edilecek ve </a:t>
-            </a:r>
-            <a:r>
-              <a:rPr lang="tr-TR" dirty="0" err="1"/>
-              <a:t>cost</a:t>
-            </a:r>
-            <a:r>
-              <a:rPr lang="tr-TR" dirty="0"/>
-              <a:t> </a:t>
-            </a:r>
-            <a:r>
-              <a:rPr lang="tr-TR" dirty="0" err="1"/>
-              <a:t>function’a</a:t>
-            </a:r>
-            <a:r>
-              <a:rPr lang="tr-TR" dirty="0"/>
-              <a:t> eklenecek. Bunu gözden kaçırmışım.</a:t>
-            </a:r>
-          </a:p>
-          <a:p>
-            <a:endParaRPr lang="tr-TR" dirty="0"/>
-          </a:p>
-        </p:txBody>
-      </p:sp>
       <p:pic>
         <p:nvPicPr>
-          <p:cNvPr id="4" name="Resim 3">
-            <a:extLst>
-              <a:ext uri="{FF2B5EF4-FFF2-40B4-BE49-F238E27FC236}">
-                <a16:creationId xmlns:a16="http://schemas.microsoft.com/office/drawing/2014/main" id="{06EF8638-8CDD-4373-9842-E06C5FD77651}"/>
+          <p:cNvPr id="6" name="Resim 5">
+            <a:extLst>
+              <a:ext uri="{FF2B5EF4-FFF2-40B4-BE49-F238E27FC236}">
+                <a16:creationId xmlns:a16="http://schemas.microsoft.com/office/drawing/2014/main" id="{D3DBBFB0-3527-463F-AA06-C90DF54B6245}"/>
               </a:ext>
             </a:extLst>
           </p:cNvPr>
@@ -4139,18 +6881,247 @@
         </p:blipFill>
         <p:spPr>
           <a:xfrm>
-            <a:off x="2576127" y="2661263"/>
-            <a:ext cx="6584349" cy="2680062"/>
+            <a:off x="436605" y="3536691"/>
+            <a:ext cx="7577009" cy="1787998"/>
           </a:xfrm>
           <a:prstGeom prst="rect">
             <a:avLst/>
           </a:prstGeom>
         </p:spPr>
       </p:pic>
+      <p:sp>
+        <p:nvSpPr>
+          <p:cNvPr id="7" name="Başlık 1">
+            <a:extLst>
+              <a:ext uri="{FF2B5EF4-FFF2-40B4-BE49-F238E27FC236}">
+                <a16:creationId xmlns:a16="http://schemas.microsoft.com/office/drawing/2014/main" id="{A7544383-2C35-4C23-AA25-FC00B8E32C7D}"/>
+              </a:ext>
+            </a:extLst>
+          </p:cNvPr>
+          <p:cNvSpPr>
+            <a:spLocks noGrp="1"/>
+          </p:cNvSpPr>
+          <p:nvPr>
+            <p:ph type="title"/>
+          </p:nvPr>
+        </p:nvSpPr>
+        <p:spPr>
+          <a:xfrm>
+            <a:off x="838200" y="365125"/>
+            <a:ext cx="10515600" cy="1325563"/>
+          </a:xfrm>
+        </p:spPr>
+        <p:txBody>
+          <a:bodyPr/>
+          <a:lstStyle/>
+          <a:p>
+            <a:r>
+              <a:rPr lang="tr-TR" dirty="0"/>
+              <a:t>Yeni algoritma [3]</a:t>
+            </a:r>
+          </a:p>
+        </p:txBody>
+      </p:sp>
+      <p:sp>
+        <p:nvSpPr>
+          <p:cNvPr id="8" name="İçerik Yer Tutucusu 2">
+            <a:extLst>
+              <a:ext uri="{FF2B5EF4-FFF2-40B4-BE49-F238E27FC236}">
+                <a16:creationId xmlns:a16="http://schemas.microsoft.com/office/drawing/2014/main" id="{13C524A0-054F-45BB-AC4B-E69CC364A9D6}"/>
+              </a:ext>
+            </a:extLst>
+          </p:cNvPr>
+          <p:cNvSpPr>
+            <a:spLocks noGrp="1"/>
+          </p:cNvSpPr>
+          <p:nvPr>
+            <p:ph idx="1"/>
+          </p:nvPr>
+        </p:nvSpPr>
+        <p:spPr>
+          <a:xfrm>
+            <a:off x="895865" y="1798379"/>
+            <a:ext cx="11040761" cy="2314061"/>
+          </a:xfrm>
+        </p:spPr>
+        <p:txBody>
+          <a:bodyPr/>
+          <a:lstStyle/>
+          <a:p>
+            <a:r>
+              <a:rPr lang="tr-TR" dirty="0" err="1"/>
+              <a:t>Cost</a:t>
+            </a:r>
+            <a:r>
+              <a:rPr lang="tr-TR" dirty="0"/>
+              <a:t> </a:t>
+            </a:r>
+            <a:r>
+              <a:rPr lang="tr-TR" dirty="0" err="1"/>
+              <a:t>function</a:t>
+            </a:r>
+            <a:r>
+              <a:rPr lang="tr-TR" dirty="0"/>
+              <a:t>, anahtarlama frekansı üzerinden değerlendiriliyor. (1-40khz)</a:t>
+            </a:r>
+          </a:p>
+          <a:p>
+            <a:r>
+              <a:rPr lang="tr-TR" dirty="0"/>
+              <a:t>Ortalama anahtarlama frekansı: değişken </a:t>
+            </a:r>
+          </a:p>
+          <a:p>
+            <a:r>
+              <a:rPr lang="tr-TR" dirty="0" err="1"/>
+              <a:t>Torque</a:t>
+            </a:r>
+            <a:r>
+              <a:rPr lang="tr-TR" dirty="0"/>
+              <a:t> </a:t>
+            </a:r>
+            <a:r>
+              <a:rPr lang="tr-TR" dirty="0" err="1"/>
+              <a:t>ripple</a:t>
+            </a:r>
+            <a:r>
+              <a:rPr lang="tr-TR" dirty="0"/>
+              <a:t>: 1Nm (</a:t>
+            </a:r>
+            <a:r>
+              <a:rPr lang="tr-TR" dirty="0" err="1"/>
+              <a:t>pp</a:t>
+            </a:r>
+            <a:r>
+              <a:rPr lang="tr-TR" dirty="0"/>
+              <a:t> @ 10Nm)</a:t>
+            </a:r>
+          </a:p>
+        </p:txBody>
+      </p:sp>
+      <p:pic>
+        <p:nvPicPr>
+          <p:cNvPr id="10" name="Resim 9">
+            <a:extLst>
+              <a:ext uri="{FF2B5EF4-FFF2-40B4-BE49-F238E27FC236}">
+                <a16:creationId xmlns:a16="http://schemas.microsoft.com/office/drawing/2014/main" id="{B895E997-DA30-4BBF-83F2-83032CD0A3FD}"/>
+              </a:ext>
+            </a:extLst>
+          </p:cNvPr>
+          <p:cNvPicPr>
+            <a:picLocks noChangeAspect="1"/>
+          </p:cNvPicPr>
+          <p:nvPr/>
+        </p:nvPicPr>
+        <p:blipFill>
+          <a:blip r:embed="rId3"/>
+          <a:stretch>
+            <a:fillRect/>
+          </a:stretch>
+        </p:blipFill>
+        <p:spPr>
+          <a:xfrm>
+            <a:off x="6025459" y="6617688"/>
+            <a:ext cx="7553325" cy="200025"/>
+          </a:xfrm>
+          <a:prstGeom prst="rect">
+            <a:avLst/>
+          </a:prstGeom>
+        </p:spPr>
+      </p:pic>
+      <p:pic>
+        <p:nvPicPr>
+          <p:cNvPr id="5" name="Resim 4">
+            <a:extLst>
+              <a:ext uri="{FF2B5EF4-FFF2-40B4-BE49-F238E27FC236}">
+                <a16:creationId xmlns:a16="http://schemas.microsoft.com/office/drawing/2014/main" id="{C620CD32-C836-408A-9F7A-D84062A4B429}"/>
+              </a:ext>
+            </a:extLst>
+          </p:cNvPr>
+          <p:cNvPicPr>
+            <a:picLocks noChangeAspect="1"/>
+          </p:cNvPicPr>
+          <p:nvPr/>
+        </p:nvPicPr>
+        <p:blipFill>
+          <a:blip r:embed="rId4"/>
+          <a:stretch>
+            <a:fillRect/>
+          </a:stretch>
+        </p:blipFill>
+        <p:spPr>
+          <a:xfrm>
+            <a:off x="7788529" y="2844113"/>
+            <a:ext cx="4373183" cy="2314061"/>
+          </a:xfrm>
+          <a:prstGeom prst="rect">
+            <a:avLst/>
+          </a:prstGeom>
+        </p:spPr>
+      </p:pic>
+      <p:pic>
+        <p:nvPicPr>
+          <p:cNvPr id="12" name="Resim 11">
+            <a:extLst>
+              <a:ext uri="{FF2B5EF4-FFF2-40B4-BE49-F238E27FC236}">
+                <a16:creationId xmlns:a16="http://schemas.microsoft.com/office/drawing/2014/main" id="{158DFA48-729F-4E45-9E23-7B1FF284BE8D}"/>
+              </a:ext>
+            </a:extLst>
+          </p:cNvPr>
+          <p:cNvPicPr>
+            <a:picLocks noChangeAspect="1"/>
+          </p:cNvPicPr>
+          <p:nvPr/>
+        </p:nvPicPr>
+        <p:blipFill>
+          <a:blip r:embed="rId5"/>
+          <a:stretch>
+            <a:fillRect/>
+          </a:stretch>
+        </p:blipFill>
+        <p:spPr>
+          <a:xfrm>
+            <a:off x="679492" y="5324689"/>
+            <a:ext cx="5216866" cy="1738955"/>
+          </a:xfrm>
+          <a:prstGeom prst="rect">
+            <a:avLst/>
+          </a:prstGeom>
+        </p:spPr>
+      </p:pic>
+      <p:sp>
+        <p:nvSpPr>
+          <p:cNvPr id="2" name="Slide Number Placeholder 1">
+            <a:extLst>
+              <a:ext uri="{FF2B5EF4-FFF2-40B4-BE49-F238E27FC236}">
+                <a16:creationId xmlns:a16="http://schemas.microsoft.com/office/drawing/2014/main" id="{AEC3CBB9-DA36-4946-B766-C441C3A4AB88}"/>
+              </a:ext>
+            </a:extLst>
+          </p:cNvPr>
+          <p:cNvSpPr>
+            <a:spLocks noGrp="1"/>
+          </p:cNvSpPr>
+          <p:nvPr>
+            <p:ph type="sldNum" sz="quarter" idx="12"/>
+          </p:nvPr>
+        </p:nvSpPr>
+        <p:spPr/>
+        <p:txBody>
+          <a:bodyPr/>
+          <a:lstStyle/>
+          <a:p>
+            <a:fld id="{C34F410B-15DC-41CC-BDD7-B7A13803B7AF}" type="slidenum">
+              <a:rPr lang="tr-TR" smtClean="0"/>
+              <a:t>4</a:t>
+            </a:fld>
+            <a:endParaRPr lang="tr-TR"/>
+          </a:p>
+        </p:txBody>
+      </p:sp>
     </p:spTree>
     <p:extLst>
       <p:ext uri="{BB962C8B-B14F-4D97-AF65-F5344CB8AC3E}">
-        <p14:creationId xmlns:p14="http://schemas.microsoft.com/office/powerpoint/2010/main" val="2782642027"/>
+        <p14:creationId xmlns:p14="http://schemas.microsoft.com/office/powerpoint/2010/main" val="2579331457"/>
       </p:ext>
     </p:extLst>
   </p:cSld>
@@ -4179,10 +7150,10 @@
       </p:grpSpPr>
       <p:sp>
         <p:nvSpPr>
-          <p:cNvPr id="2" name="Başlık 1">
-            <a:extLst>
-              <a:ext uri="{FF2B5EF4-FFF2-40B4-BE49-F238E27FC236}">
-                <a16:creationId xmlns:a16="http://schemas.microsoft.com/office/drawing/2014/main" id="{BEE0E3FB-A5E7-47AF-8958-0EF40AF13531}"/>
+          <p:cNvPr id="7" name="Başlık 1">
+            <a:extLst>
+              <a:ext uri="{FF2B5EF4-FFF2-40B4-BE49-F238E27FC236}">
+                <a16:creationId xmlns:a16="http://schemas.microsoft.com/office/drawing/2014/main" id="{A7544383-2C35-4C23-AA25-FC00B8E32C7D}"/>
               </a:ext>
             </a:extLst>
           </p:cNvPr>
@@ -4193,98 +7164,1524 @@
             <p:ph type="title"/>
           </p:nvPr>
         </p:nvSpPr>
+        <p:spPr>
+          <a:xfrm>
+            <a:off x="838200" y="365125"/>
+            <a:ext cx="10515600" cy="1325563"/>
+          </a:xfrm>
+        </p:spPr>
+        <p:txBody>
+          <a:bodyPr/>
+          <a:lstStyle/>
+          <a:p>
+            <a:r>
+              <a:rPr lang="tr-TR" dirty="0" err="1"/>
+              <a:t>Simulation</a:t>
+            </a:r>
+            <a:endParaRPr lang="tr-TR" dirty="0"/>
+          </a:p>
+        </p:txBody>
+      </p:sp>
+      <p:pic>
+        <p:nvPicPr>
+          <p:cNvPr id="4" name="Content Placeholder 3">
+            <a:extLst>
+              <a:ext uri="{FF2B5EF4-FFF2-40B4-BE49-F238E27FC236}">
+                <a16:creationId xmlns:a16="http://schemas.microsoft.com/office/drawing/2014/main" id="{2D0DF78C-4D50-49C2-B163-2AD7CB8AFE44}"/>
+              </a:ext>
+            </a:extLst>
+          </p:cNvPr>
+          <p:cNvPicPr>
+            <a:picLocks noGrp="1" noChangeAspect="1"/>
+          </p:cNvPicPr>
+          <p:nvPr>
+            <p:ph idx="1"/>
+          </p:nvPr>
+        </p:nvPicPr>
+        <p:blipFill>
+          <a:blip r:embed="rId2">
+            <a:extLst>
+              <a:ext uri="{28A0092B-C50C-407E-A947-70E740481C1C}">
+                <a14:useLocalDpi xmlns:a14="http://schemas.microsoft.com/office/drawing/2010/main" val="0"/>
+              </a:ext>
+            </a:extLst>
+          </a:blip>
+          <a:stretch>
+            <a:fillRect/>
+          </a:stretch>
+        </p:blipFill>
+        <p:spPr>
+          <a:xfrm>
+            <a:off x="125985" y="1221919"/>
+            <a:ext cx="6134772" cy="3339998"/>
+          </a:xfrm>
+        </p:spPr>
+      </p:pic>
+      <p:pic>
+        <p:nvPicPr>
+          <p:cNvPr id="6" name="Picture 5">
+            <a:extLst>
+              <a:ext uri="{FF2B5EF4-FFF2-40B4-BE49-F238E27FC236}">
+                <a16:creationId xmlns:a16="http://schemas.microsoft.com/office/drawing/2014/main" id="{A56DFA42-DA61-45D6-AB29-DD94D85BD088}"/>
+              </a:ext>
+            </a:extLst>
+          </p:cNvPr>
+          <p:cNvPicPr>
+            <a:picLocks noChangeAspect="1"/>
+          </p:cNvPicPr>
+          <p:nvPr/>
+        </p:nvPicPr>
+        <p:blipFill>
+          <a:blip r:embed="rId3">
+            <a:extLst>
+              <a:ext uri="{28A0092B-C50C-407E-A947-70E740481C1C}">
+                <a14:useLocalDpi xmlns:a14="http://schemas.microsoft.com/office/drawing/2010/main" val="0"/>
+              </a:ext>
+            </a:extLst>
+          </a:blip>
+          <a:stretch>
+            <a:fillRect/>
+          </a:stretch>
+        </p:blipFill>
+        <p:spPr>
+          <a:xfrm>
+            <a:off x="6570089" y="1206179"/>
+            <a:ext cx="4676775" cy="3355738"/>
+          </a:xfrm>
+          <a:prstGeom prst="rect">
+            <a:avLst/>
+          </a:prstGeom>
+        </p:spPr>
+      </p:pic>
+      <p:pic>
+        <p:nvPicPr>
+          <p:cNvPr id="9" name="Resim 11">
+            <a:extLst>
+              <a:ext uri="{FF2B5EF4-FFF2-40B4-BE49-F238E27FC236}">
+                <a16:creationId xmlns:a16="http://schemas.microsoft.com/office/drawing/2014/main" id="{97E51DDA-7932-4980-9D0D-210C49836CF4}"/>
+              </a:ext>
+            </a:extLst>
+          </p:cNvPr>
+          <p:cNvPicPr>
+            <a:picLocks noChangeAspect="1"/>
+          </p:cNvPicPr>
+          <p:nvPr/>
+        </p:nvPicPr>
+        <p:blipFill>
+          <a:blip r:embed="rId4"/>
+          <a:stretch>
+            <a:fillRect/>
+          </a:stretch>
+        </p:blipFill>
+        <p:spPr>
+          <a:xfrm>
+            <a:off x="1313936" y="4702351"/>
+            <a:ext cx="4946821" cy="1648940"/>
+          </a:xfrm>
+          <a:prstGeom prst="rect">
+            <a:avLst/>
+          </a:prstGeom>
+        </p:spPr>
+      </p:pic>
+      <p:sp>
+        <p:nvSpPr>
+          <p:cNvPr id="10" name="TextBox 9">
+            <a:extLst>
+              <a:ext uri="{FF2B5EF4-FFF2-40B4-BE49-F238E27FC236}">
+                <a16:creationId xmlns:a16="http://schemas.microsoft.com/office/drawing/2014/main" id="{53479CE1-C338-444F-8349-0536F2EB3229}"/>
+              </a:ext>
+            </a:extLst>
+          </p:cNvPr>
+          <p:cNvSpPr txBox="1"/>
+          <p:nvPr/>
+        </p:nvSpPr>
+        <p:spPr>
+          <a:xfrm>
+            <a:off x="0" y="4561917"/>
+            <a:ext cx="1847850" cy="369332"/>
+          </a:xfrm>
+          <a:prstGeom prst="rect">
+            <a:avLst/>
+          </a:prstGeom>
+          <a:noFill/>
+        </p:spPr>
+        <p:txBody>
+          <a:bodyPr wrap="square" rtlCol="0">
+            <a:spAutoFit/>
+          </a:bodyPr>
+          <a:lstStyle/>
+          <a:p>
+            <a:r>
+              <a:rPr lang="tr-TR" dirty="0" err="1"/>
+              <a:t>Id</a:t>
+            </a:r>
+            <a:r>
+              <a:rPr lang="tr-TR" dirty="0"/>
+              <a:t> &amp; </a:t>
+            </a:r>
+            <a:r>
+              <a:rPr lang="tr-TR" dirty="0" err="1"/>
+              <a:t>Iq</a:t>
+            </a:r>
+            <a:r>
+              <a:rPr lang="tr-TR" dirty="0"/>
+              <a:t> </a:t>
+            </a:r>
+            <a:r>
+              <a:rPr lang="tr-TR" dirty="0" err="1"/>
+              <a:t>prediction</a:t>
+            </a:r>
+            <a:endParaRPr lang="en-US" dirty="0"/>
+          </a:p>
+        </p:txBody>
+      </p:sp>
+      <p:sp>
+        <p:nvSpPr>
+          <p:cNvPr id="13" name="TextBox 12">
+            <a:extLst>
+              <a:ext uri="{FF2B5EF4-FFF2-40B4-BE49-F238E27FC236}">
+                <a16:creationId xmlns:a16="http://schemas.microsoft.com/office/drawing/2014/main" id="{EAB2E81A-CEA4-47F7-8E47-BA4221C57EAA}"/>
+              </a:ext>
+            </a:extLst>
+          </p:cNvPr>
+          <p:cNvSpPr txBox="1"/>
+          <p:nvPr/>
+        </p:nvSpPr>
+        <p:spPr>
+          <a:xfrm>
+            <a:off x="6570089" y="4828144"/>
+            <a:ext cx="5621911" cy="2031325"/>
+          </a:xfrm>
+          <a:prstGeom prst="rect">
+            <a:avLst/>
+          </a:prstGeom>
+          <a:noFill/>
+        </p:spPr>
+        <p:txBody>
+          <a:bodyPr wrap="square" rtlCol="0">
+            <a:spAutoFit/>
+          </a:bodyPr>
+          <a:lstStyle/>
+          <a:p>
+            <a:r>
+              <a:rPr lang="tr-TR" dirty="0" err="1"/>
+              <a:t>Iq</a:t>
+            </a:r>
+            <a:r>
+              <a:rPr lang="tr-TR" dirty="0"/>
+              <a:t> </a:t>
+            </a:r>
+            <a:r>
+              <a:rPr lang="tr-TR" dirty="0" err="1"/>
+              <a:t>ripple</a:t>
+            </a:r>
+            <a:r>
+              <a:rPr lang="tr-TR" dirty="0"/>
+              <a:t> </a:t>
+            </a:r>
+            <a:r>
+              <a:rPr lang="tr-TR" dirty="0" err="1"/>
+              <a:t>prediction</a:t>
+            </a:r>
+            <a:r>
+              <a:rPr lang="tr-TR" dirty="0"/>
+              <a:t>: (</a:t>
+            </a:r>
+            <a:r>
+              <a:rPr lang="tr-TR" dirty="0" err="1"/>
+              <a:t>might</a:t>
+            </a:r>
+            <a:r>
+              <a:rPr lang="tr-TR" dirty="0"/>
+              <a:t> </a:t>
+            </a:r>
+            <a:r>
+              <a:rPr lang="tr-TR" dirty="0" err="1"/>
+              <a:t>take</a:t>
+            </a:r>
+            <a:r>
+              <a:rPr lang="tr-TR" dirty="0"/>
+              <a:t> a </a:t>
+            </a:r>
+            <a:r>
+              <a:rPr lang="tr-TR" dirty="0" err="1"/>
+              <a:t>long</a:t>
+            </a:r>
+            <a:r>
+              <a:rPr lang="tr-TR" dirty="0"/>
+              <a:t> time)</a:t>
+            </a:r>
+          </a:p>
+          <a:p>
+            <a:pPr marL="285750" indent="-285750">
+              <a:buFont typeface="Arial" panose="020B0604020202020204" pitchFamily="34" charset="0"/>
+              <a:buChar char="•"/>
+            </a:pPr>
+            <a:r>
+              <a:rPr lang="tr-TR" dirty="0" err="1"/>
+              <a:t>Convert</a:t>
+            </a:r>
+            <a:r>
+              <a:rPr lang="tr-TR" dirty="0"/>
+              <a:t> </a:t>
+            </a:r>
+            <a:r>
+              <a:rPr lang="tr-TR" dirty="0" err="1"/>
+              <a:t>Vd</a:t>
+            </a:r>
+            <a:r>
+              <a:rPr lang="tr-TR" dirty="0"/>
+              <a:t>(k+1)&amp;</a:t>
+            </a:r>
+            <a:r>
+              <a:rPr lang="tr-TR" dirty="0" err="1"/>
+              <a:t>Vq</a:t>
+            </a:r>
+            <a:r>
+              <a:rPr lang="tr-TR" dirty="0"/>
+              <a:t>(k+1) to </a:t>
+            </a:r>
+            <a:r>
+              <a:rPr lang="el-GR" dirty="0"/>
+              <a:t>αβ</a:t>
+            </a:r>
+            <a:r>
+              <a:rPr lang="tr-TR" dirty="0"/>
+              <a:t> </a:t>
+            </a:r>
+            <a:r>
+              <a:rPr lang="tr-TR" dirty="0" err="1"/>
+              <a:t>space</a:t>
+            </a:r>
+            <a:endParaRPr lang="tr-TR" dirty="0"/>
+          </a:p>
+          <a:p>
+            <a:pPr marL="285750" indent="-285750">
+              <a:buFont typeface="Arial" panose="020B0604020202020204" pitchFamily="34" charset="0"/>
+              <a:buChar char="•"/>
+            </a:pPr>
+            <a:r>
+              <a:rPr lang="tr-TR" dirty="0" err="1"/>
+              <a:t>Find</a:t>
+            </a:r>
+            <a:r>
+              <a:rPr lang="tr-TR" dirty="0"/>
+              <a:t> </a:t>
+            </a:r>
+            <a:r>
+              <a:rPr lang="tr-TR" dirty="0" err="1"/>
+              <a:t>the</a:t>
+            </a:r>
+            <a:r>
+              <a:rPr lang="tr-TR" dirty="0"/>
+              <a:t> </a:t>
+            </a:r>
+            <a:r>
+              <a:rPr lang="tr-TR" dirty="0" err="1"/>
+              <a:t>voltage</a:t>
+            </a:r>
+            <a:r>
+              <a:rPr lang="tr-TR" dirty="0"/>
+              <a:t> vector </a:t>
+            </a:r>
+            <a:r>
+              <a:rPr lang="tr-TR" dirty="0" err="1"/>
+              <a:t>angle</a:t>
+            </a:r>
+            <a:endParaRPr lang="tr-TR" dirty="0"/>
+          </a:p>
+          <a:p>
+            <a:pPr marL="285750" indent="-285750">
+              <a:buFont typeface="Arial" panose="020B0604020202020204" pitchFamily="34" charset="0"/>
+              <a:buChar char="•"/>
+            </a:pPr>
+            <a:r>
+              <a:rPr lang="tr-TR" dirty="0" err="1"/>
+              <a:t>Calculate</a:t>
+            </a:r>
+            <a:r>
+              <a:rPr lang="tr-TR" dirty="0"/>
+              <a:t> vector </a:t>
+            </a:r>
+            <a:r>
+              <a:rPr lang="tr-TR" dirty="0" err="1"/>
+              <a:t>magnitude</a:t>
+            </a:r>
+            <a:r>
+              <a:rPr lang="tr-TR" dirty="0"/>
+              <a:t> </a:t>
+            </a:r>
+            <a:r>
+              <a:rPr lang="tr-TR" dirty="0" err="1"/>
+              <a:t>and</a:t>
+            </a:r>
+            <a:r>
+              <a:rPr lang="tr-TR" dirty="0"/>
+              <a:t> </a:t>
+            </a:r>
+            <a:r>
+              <a:rPr lang="tr-TR" dirty="0" err="1"/>
+              <a:t>modulation</a:t>
+            </a:r>
+            <a:r>
+              <a:rPr lang="tr-TR" dirty="0"/>
+              <a:t> </a:t>
+            </a:r>
+            <a:r>
+              <a:rPr lang="tr-TR" dirty="0" err="1"/>
+              <a:t>index</a:t>
+            </a:r>
+            <a:r>
+              <a:rPr lang="tr-TR" dirty="0"/>
+              <a:t> (</a:t>
+            </a:r>
+            <a:r>
+              <a:rPr lang="tr-TR" dirty="0" err="1"/>
+              <a:t>ma</a:t>
+            </a:r>
+            <a:r>
+              <a:rPr lang="tr-TR" dirty="0"/>
+              <a:t>)</a:t>
+            </a:r>
+          </a:p>
+          <a:p>
+            <a:pPr marL="285750" indent="-285750">
+              <a:buFont typeface="Arial" panose="020B0604020202020204" pitchFamily="34" charset="0"/>
+              <a:buChar char="•"/>
+            </a:pPr>
+            <a:r>
+              <a:rPr lang="tr-TR" dirty="0" err="1"/>
+              <a:t>Calculate</a:t>
+            </a:r>
+            <a:r>
+              <a:rPr lang="tr-TR" dirty="0"/>
+              <a:t> SVPWM T1, T2 </a:t>
+            </a:r>
+            <a:r>
+              <a:rPr lang="tr-TR" dirty="0" err="1"/>
+              <a:t>and</a:t>
+            </a:r>
+            <a:r>
+              <a:rPr lang="tr-TR" dirty="0"/>
+              <a:t> T0 </a:t>
+            </a:r>
+            <a:r>
+              <a:rPr lang="tr-TR" dirty="0" err="1"/>
+              <a:t>times</a:t>
+            </a:r>
+            <a:endParaRPr lang="tr-TR" dirty="0"/>
+          </a:p>
+          <a:p>
+            <a:pPr marL="285750" indent="-285750">
+              <a:buFont typeface="Arial" panose="020B0604020202020204" pitchFamily="34" charset="0"/>
+              <a:buChar char="•"/>
+            </a:pPr>
+            <a:r>
+              <a:rPr lang="tr-TR" dirty="0" err="1"/>
+              <a:t>Calculate</a:t>
+            </a:r>
+            <a:r>
+              <a:rPr lang="tr-TR" dirty="0"/>
+              <a:t> </a:t>
+            </a:r>
+            <a:r>
+              <a:rPr lang="el-GR" dirty="0"/>
+              <a:t>Δ</a:t>
+            </a:r>
+            <a:r>
+              <a:rPr lang="tr-TR" dirty="0" err="1"/>
+              <a:t>Iq</a:t>
+            </a:r>
+            <a:r>
+              <a:rPr lang="tr-TR" dirty="0"/>
+              <a:t> </a:t>
+            </a:r>
+            <a:r>
+              <a:rPr lang="tr-TR" dirty="0" err="1"/>
+              <a:t>values</a:t>
+            </a:r>
+            <a:endParaRPr lang="tr-TR" dirty="0"/>
+          </a:p>
+          <a:p>
+            <a:pPr marL="285750" indent="-285750">
+              <a:buFont typeface="Arial" panose="020B0604020202020204" pitchFamily="34" charset="0"/>
+              <a:buChar char="•"/>
+            </a:pPr>
+            <a:r>
+              <a:rPr lang="tr-TR" dirty="0" err="1"/>
+              <a:t>Calculate</a:t>
+            </a:r>
+            <a:r>
+              <a:rPr lang="tr-TR" dirty="0"/>
+              <a:t> total </a:t>
+            </a:r>
+            <a:r>
+              <a:rPr lang="tr-TR" dirty="0" err="1"/>
+              <a:t>Iqripple</a:t>
+            </a:r>
+            <a:r>
+              <a:rPr lang="tr-TR" dirty="0"/>
+              <a:t> </a:t>
+            </a:r>
+            <a:r>
+              <a:rPr lang="tr-TR" dirty="0" err="1"/>
+              <a:t>value</a:t>
+            </a:r>
+            <a:endParaRPr lang="tr-TR" dirty="0"/>
+          </a:p>
+        </p:txBody>
+      </p:sp>
+      <p:sp>
+        <p:nvSpPr>
+          <p:cNvPr id="14" name="Slide Number Placeholder 13">
+            <a:extLst>
+              <a:ext uri="{FF2B5EF4-FFF2-40B4-BE49-F238E27FC236}">
+                <a16:creationId xmlns:a16="http://schemas.microsoft.com/office/drawing/2014/main" id="{BEF5BF33-3735-46F5-A7CD-4B3218633585}"/>
+              </a:ext>
+            </a:extLst>
+          </p:cNvPr>
+          <p:cNvSpPr>
+            <a:spLocks noGrp="1"/>
+          </p:cNvSpPr>
+          <p:nvPr>
+            <p:ph type="sldNum" sz="quarter" idx="12"/>
+          </p:nvPr>
+        </p:nvSpPr>
         <p:spPr/>
         <p:txBody>
           <a:bodyPr/>
           <a:lstStyle/>
           <a:p>
-            <a:r>
-              <a:rPr lang="tr-TR" dirty="0"/>
-              <a:t>Önümüzdeki haftalarda</a:t>
-            </a:r>
-          </a:p>
-        </p:txBody>
-      </p:sp>
-      <p:sp>
-        <p:nvSpPr>
-          <p:cNvPr id="3" name="İçerik Yer Tutucusu 2">
-            <a:extLst>
-              <a:ext uri="{FF2B5EF4-FFF2-40B4-BE49-F238E27FC236}">
-                <a16:creationId xmlns:a16="http://schemas.microsoft.com/office/drawing/2014/main" id="{F0B203FD-C91A-4AC5-86E9-6A2F3E2A3B0B}"/>
-              </a:ext>
-            </a:extLst>
-          </p:cNvPr>
-          <p:cNvSpPr>
-            <a:spLocks noGrp="1"/>
-          </p:cNvSpPr>
-          <p:nvPr>
-            <p:ph idx="1"/>
-          </p:nvPr>
-        </p:nvSpPr>
-        <p:spPr/>
-        <p:txBody>
-          <a:bodyPr/>
-          <a:lstStyle/>
-          <a:p>
-            <a:r>
-              <a:rPr lang="tr-TR" dirty="0" err="1"/>
-              <a:t>Ripple</a:t>
-            </a:r>
-            <a:r>
-              <a:rPr lang="tr-TR" dirty="0"/>
-              <a:t> </a:t>
-            </a:r>
-            <a:r>
-              <a:rPr lang="tr-TR" dirty="0" err="1"/>
-              <a:t>prediction</a:t>
-            </a:r>
-            <a:r>
-              <a:rPr lang="tr-TR" dirty="0"/>
-              <a:t> yapılıp algoritmaya eklenecek.</a:t>
-            </a:r>
-          </a:p>
-          <a:p>
-            <a:r>
-              <a:rPr lang="tr-TR" dirty="0"/>
-              <a:t>Tek ve Çift modül sağlıklı operasyon sonuçları alınacak.</a:t>
-            </a:r>
-          </a:p>
-          <a:p>
-            <a:r>
-              <a:rPr lang="tr-TR" dirty="0"/>
-              <a:t>Tek ve Çift modül </a:t>
-            </a:r>
-            <a:r>
-              <a:rPr lang="tr-TR" dirty="0" err="1"/>
-              <a:t>faulty</a:t>
-            </a:r>
-            <a:r>
-              <a:rPr lang="tr-TR" dirty="0"/>
-              <a:t> (</a:t>
-            </a:r>
-            <a:r>
-              <a:rPr lang="tr-TR" dirty="0" err="1"/>
-              <a:t>open</a:t>
-            </a:r>
-            <a:r>
-              <a:rPr lang="tr-TR" dirty="0"/>
-              <a:t> </a:t>
-            </a:r>
-            <a:r>
-              <a:rPr lang="tr-TR" dirty="0" err="1"/>
-              <a:t>circuit</a:t>
-            </a:r>
-            <a:r>
-              <a:rPr lang="tr-TR" dirty="0"/>
-              <a:t>) durumlar incelenecek.</a:t>
-            </a:r>
+            <a:fld id="{C34F410B-15DC-41CC-BDD7-B7A13803B7AF}" type="slidenum">
+              <a:rPr lang="tr-TR" smtClean="0"/>
+              <a:t>5</a:t>
+            </a:fld>
+            <a:endParaRPr lang="tr-TR"/>
+          </a:p>
+        </p:txBody>
+      </p:sp>
+      <p:sp>
+        <p:nvSpPr>
+          <p:cNvPr id="15" name="TextBox 14">
+            <a:extLst>
+              <a:ext uri="{FF2B5EF4-FFF2-40B4-BE49-F238E27FC236}">
+                <a16:creationId xmlns:a16="http://schemas.microsoft.com/office/drawing/2014/main" id="{2A009FD9-40E8-4475-AD26-AF5994F13EAE}"/>
+              </a:ext>
+            </a:extLst>
+          </p:cNvPr>
+          <p:cNvSpPr txBox="1"/>
+          <p:nvPr/>
+        </p:nvSpPr>
+        <p:spPr>
+          <a:xfrm>
+            <a:off x="7274011" y="136525"/>
+            <a:ext cx="4079789" cy="646331"/>
+          </a:xfrm>
+          <a:prstGeom prst="rect">
+            <a:avLst/>
+          </a:prstGeom>
+          <a:noFill/>
+        </p:spPr>
+        <p:txBody>
+          <a:bodyPr wrap="square" rtlCol="0">
+            <a:spAutoFit/>
+          </a:bodyPr>
+          <a:lstStyle/>
+          <a:p>
+            <a:r>
+              <a:rPr lang="tr-TR" dirty="0" err="1"/>
+              <a:t>Cost</a:t>
+            </a:r>
+            <a:r>
+              <a:rPr lang="tr-TR" dirty="0"/>
+              <a:t> </a:t>
+            </a:r>
+            <a:r>
+              <a:rPr lang="tr-TR" dirty="0" err="1"/>
+              <a:t>function</a:t>
+            </a:r>
+            <a:r>
+              <a:rPr lang="tr-TR" dirty="0"/>
+              <a:t> </a:t>
+            </a:r>
+            <a:r>
+              <a:rPr lang="tr-TR" dirty="0" err="1"/>
+              <a:t>includes</a:t>
+            </a:r>
+            <a:r>
+              <a:rPr lang="tr-TR" dirty="0"/>
+              <a:t>:</a:t>
+            </a:r>
+          </a:p>
+          <a:p>
+            <a:pPr marL="285750" indent="-285750">
+              <a:buFont typeface="Arial" panose="020B0604020202020204" pitchFamily="34" charset="0"/>
+              <a:buChar char="•"/>
+            </a:pPr>
+            <a:r>
+              <a:rPr lang="tr-TR" dirty="0" err="1"/>
+              <a:t>Iqripple</a:t>
+            </a:r>
+            <a:r>
+              <a:rPr lang="tr-TR" dirty="0"/>
+              <a:t>, </a:t>
+            </a:r>
+            <a:r>
+              <a:rPr lang="tr-TR" dirty="0" err="1"/>
+              <a:t>Iqref</a:t>
+            </a:r>
+            <a:r>
+              <a:rPr lang="tr-TR" dirty="0"/>
+              <a:t>, </a:t>
+            </a:r>
+            <a:r>
+              <a:rPr lang="tr-TR" dirty="0" err="1"/>
+              <a:t>Idref</a:t>
+            </a:r>
+            <a:r>
+              <a:rPr lang="tr-TR" dirty="0"/>
+              <a:t>, </a:t>
+            </a:r>
+            <a:r>
+              <a:rPr lang="tr-TR" dirty="0" err="1"/>
+              <a:t>fsw</a:t>
+            </a:r>
+            <a:endParaRPr lang="en-US" dirty="0"/>
           </a:p>
         </p:txBody>
       </p:sp>
     </p:spTree>
     <p:extLst>
       <p:ext uri="{BB962C8B-B14F-4D97-AF65-F5344CB8AC3E}">
-        <p14:creationId xmlns:p14="http://schemas.microsoft.com/office/powerpoint/2010/main" val="1479459196"/>
+        <p14:creationId xmlns:p14="http://schemas.microsoft.com/office/powerpoint/2010/main" val="3745812930"/>
+      </p:ext>
+    </p:extLst>
+  </p:cSld>
+  <p:clrMapOvr>
+    <a:masterClrMapping/>
+  </p:clrMapOvr>
+</p:sld>
+</file>
+
+<file path=ppt/slides/slide6.xml><?xml version="1.0" encoding="utf-8"?>
+<p:sld xmlns:a="http://schemas.openxmlformats.org/drawingml/2006/main" xmlns:r="http://schemas.openxmlformats.org/officeDocument/2006/relationships" xmlns:p="http://schemas.openxmlformats.org/presentationml/2006/main">
+  <p:cSld>
+    <p:spTree>
+      <p:nvGrpSpPr>
+        <p:cNvPr id="1" name=""/>
+        <p:cNvGrpSpPr/>
+        <p:nvPr/>
+      </p:nvGrpSpPr>
+      <p:grpSpPr>
+        <a:xfrm>
+          <a:off x="0" y="0"/>
+          <a:ext cx="0" cy="0"/>
+          <a:chOff x="0" y="0"/>
+          <a:chExt cx="0" cy="0"/>
+        </a:xfrm>
+      </p:grpSpPr>
+      <p:sp>
+        <p:nvSpPr>
+          <p:cNvPr id="2" name="Başlık 1">
+            <a:extLst>
+              <a:ext uri="{FF2B5EF4-FFF2-40B4-BE49-F238E27FC236}">
+                <a16:creationId xmlns:a16="http://schemas.microsoft.com/office/drawing/2014/main" id="{0FFD7AFF-09B9-4849-9DA8-3E0203F91073}"/>
+              </a:ext>
+            </a:extLst>
+          </p:cNvPr>
+          <p:cNvSpPr>
+            <a:spLocks noGrp="1"/>
+          </p:cNvSpPr>
+          <p:nvPr>
+            <p:ph type="title"/>
+          </p:nvPr>
+        </p:nvSpPr>
+        <p:spPr/>
+        <p:txBody>
+          <a:bodyPr/>
+          <a:lstStyle/>
+          <a:p>
+            <a:r>
+              <a:rPr lang="tr-TR" dirty="0" err="1"/>
+              <a:t>Torque</a:t>
+            </a:r>
+            <a:r>
+              <a:rPr lang="tr-TR" dirty="0"/>
+              <a:t> </a:t>
+            </a:r>
+            <a:r>
+              <a:rPr lang="tr-TR" dirty="0" err="1"/>
+              <a:t>ripple</a:t>
+            </a:r>
+            <a:r>
+              <a:rPr lang="tr-TR" dirty="0"/>
+              <a:t> </a:t>
+            </a:r>
+            <a:r>
+              <a:rPr lang="tr-TR" dirty="0" err="1"/>
+              <a:t>prediction</a:t>
+            </a:r>
+            <a:endParaRPr lang="tr-TR" dirty="0"/>
+          </a:p>
+        </p:txBody>
+      </p:sp>
+      <p:sp>
+        <p:nvSpPr>
+          <p:cNvPr id="3" name="İçerik Yer Tutucusu 2">
+            <a:extLst>
+              <a:ext uri="{FF2B5EF4-FFF2-40B4-BE49-F238E27FC236}">
+                <a16:creationId xmlns:a16="http://schemas.microsoft.com/office/drawing/2014/main" id="{5E73FF90-D223-41F6-B848-140F158BBDAC}"/>
+              </a:ext>
+            </a:extLst>
+          </p:cNvPr>
+          <p:cNvSpPr>
+            <a:spLocks noGrp="1"/>
+          </p:cNvSpPr>
+          <p:nvPr>
+            <p:ph idx="1"/>
+          </p:nvPr>
+        </p:nvSpPr>
+        <p:spPr/>
+        <p:txBody>
+          <a:bodyPr/>
+          <a:lstStyle/>
+          <a:p>
+            <a:r>
+              <a:rPr lang="tr-TR" dirty="0"/>
+              <a:t>SVPWM T1-T2-T0 süreleri üzerinden hesaplanıyor. Hesaplamak biraz zaman alıcı olabilir.</a:t>
+            </a:r>
+          </a:p>
+          <a:p>
+            <a:endParaRPr lang="tr-TR" dirty="0"/>
+          </a:p>
+        </p:txBody>
+      </p:sp>
+      <p:pic>
+        <p:nvPicPr>
+          <p:cNvPr id="5" name="Picture 4">
+            <a:extLst>
+              <a:ext uri="{FF2B5EF4-FFF2-40B4-BE49-F238E27FC236}">
+                <a16:creationId xmlns:a16="http://schemas.microsoft.com/office/drawing/2014/main" id="{0C7C01D8-4510-44E0-A1BB-53E7EEC65F82}"/>
+              </a:ext>
+            </a:extLst>
+          </p:cNvPr>
+          <p:cNvPicPr>
+            <a:picLocks noChangeAspect="1"/>
+          </p:cNvPicPr>
+          <p:nvPr/>
+        </p:nvPicPr>
+        <p:blipFill>
+          <a:blip r:embed="rId2"/>
+          <a:stretch>
+            <a:fillRect/>
+          </a:stretch>
+        </p:blipFill>
+        <p:spPr>
+          <a:xfrm>
+            <a:off x="111726" y="2680494"/>
+            <a:ext cx="6496050" cy="4086225"/>
+          </a:xfrm>
+          <a:prstGeom prst="rect">
+            <a:avLst/>
+          </a:prstGeom>
+        </p:spPr>
+      </p:pic>
+      <p:pic>
+        <p:nvPicPr>
+          <p:cNvPr id="4" name="Resim 3">
+            <a:extLst>
+              <a:ext uri="{FF2B5EF4-FFF2-40B4-BE49-F238E27FC236}">
+                <a16:creationId xmlns:a16="http://schemas.microsoft.com/office/drawing/2014/main" id="{06EF8638-8CDD-4373-9842-E06C5FD77651}"/>
+              </a:ext>
+            </a:extLst>
+          </p:cNvPr>
+          <p:cNvPicPr>
+            <a:picLocks noChangeAspect="1"/>
+          </p:cNvPicPr>
+          <p:nvPr/>
+        </p:nvPicPr>
+        <p:blipFill>
+          <a:blip r:embed="rId3"/>
+          <a:stretch>
+            <a:fillRect/>
+          </a:stretch>
+        </p:blipFill>
+        <p:spPr>
+          <a:xfrm>
+            <a:off x="5495925" y="3248025"/>
+            <a:ext cx="6584349" cy="2680062"/>
+          </a:xfrm>
+          <a:prstGeom prst="rect">
+            <a:avLst/>
+          </a:prstGeom>
+        </p:spPr>
+      </p:pic>
+      <p:sp>
+        <p:nvSpPr>
+          <p:cNvPr id="6" name="Slide Number Placeholder 5">
+            <a:extLst>
+              <a:ext uri="{FF2B5EF4-FFF2-40B4-BE49-F238E27FC236}">
+                <a16:creationId xmlns:a16="http://schemas.microsoft.com/office/drawing/2014/main" id="{D1319CAD-C7A5-46D3-9D62-00108A36BA6A}"/>
+              </a:ext>
+            </a:extLst>
+          </p:cNvPr>
+          <p:cNvSpPr>
+            <a:spLocks noGrp="1"/>
+          </p:cNvSpPr>
+          <p:nvPr>
+            <p:ph type="sldNum" sz="quarter" idx="12"/>
+          </p:nvPr>
+        </p:nvSpPr>
+        <p:spPr/>
+        <p:txBody>
+          <a:bodyPr/>
+          <a:lstStyle/>
+          <a:p>
+            <a:fld id="{C34F410B-15DC-41CC-BDD7-B7A13803B7AF}" type="slidenum">
+              <a:rPr lang="tr-TR" smtClean="0"/>
+              <a:t>6</a:t>
+            </a:fld>
+            <a:endParaRPr lang="tr-TR"/>
+          </a:p>
+        </p:txBody>
+      </p:sp>
+    </p:spTree>
+    <p:extLst>
+      <p:ext uri="{BB962C8B-B14F-4D97-AF65-F5344CB8AC3E}">
+        <p14:creationId xmlns:p14="http://schemas.microsoft.com/office/powerpoint/2010/main" val="2782642027"/>
+      </p:ext>
+    </p:extLst>
+  </p:cSld>
+  <p:clrMapOvr>
+    <a:masterClrMapping/>
+  </p:clrMapOvr>
+</p:sld>
+</file>
+
+<file path=ppt/slides/slide7.xml><?xml version="1.0" encoding="utf-8"?>
+<p:sld xmlns:a="http://schemas.openxmlformats.org/drawingml/2006/main" xmlns:r="http://schemas.openxmlformats.org/officeDocument/2006/relationships" xmlns:p="http://schemas.openxmlformats.org/presentationml/2006/main">
+  <p:cSld>
+    <p:spTree>
+      <p:nvGrpSpPr>
+        <p:cNvPr id="1" name=""/>
+        <p:cNvGrpSpPr/>
+        <p:nvPr/>
+      </p:nvGrpSpPr>
+      <p:grpSpPr>
+        <a:xfrm>
+          <a:off x="0" y="0"/>
+          <a:ext cx="0" cy="0"/>
+          <a:chOff x="0" y="0"/>
+          <a:chExt cx="0" cy="0"/>
+        </a:xfrm>
+      </p:grpSpPr>
+      <p:sp>
+        <p:nvSpPr>
+          <p:cNvPr id="2" name="Başlık 1">
+            <a:extLst>
+              <a:ext uri="{FF2B5EF4-FFF2-40B4-BE49-F238E27FC236}">
+                <a16:creationId xmlns:a16="http://schemas.microsoft.com/office/drawing/2014/main" id="{0FFD7AFF-09B9-4849-9DA8-3E0203F91073}"/>
+              </a:ext>
+            </a:extLst>
+          </p:cNvPr>
+          <p:cNvSpPr>
+            <a:spLocks noGrp="1"/>
+          </p:cNvSpPr>
+          <p:nvPr>
+            <p:ph type="title"/>
+          </p:nvPr>
+        </p:nvSpPr>
+        <p:spPr/>
+        <p:txBody>
+          <a:bodyPr/>
+          <a:lstStyle/>
+          <a:p>
+            <a:r>
+              <a:rPr lang="tr-TR" dirty="0" err="1"/>
+              <a:t>Simulation</a:t>
+            </a:r>
+            <a:r>
+              <a:rPr lang="tr-TR" dirty="0"/>
+              <a:t> </a:t>
+            </a:r>
+            <a:r>
+              <a:rPr lang="tr-TR" dirty="0" err="1"/>
+              <a:t>results</a:t>
+            </a:r>
+            <a:endParaRPr lang="tr-TR" dirty="0"/>
+          </a:p>
+        </p:txBody>
+      </p:sp>
+      <p:sp>
+        <p:nvSpPr>
+          <p:cNvPr id="7" name="İçerik Yer Tutucusu 2">
+            <a:extLst>
+              <a:ext uri="{FF2B5EF4-FFF2-40B4-BE49-F238E27FC236}">
+                <a16:creationId xmlns:a16="http://schemas.microsoft.com/office/drawing/2014/main" id="{83C9F287-A2CA-4625-AD95-E30CECF21622}"/>
+              </a:ext>
+            </a:extLst>
+          </p:cNvPr>
+          <p:cNvSpPr>
+            <a:spLocks noGrp="1"/>
+          </p:cNvSpPr>
+          <p:nvPr>
+            <p:ph idx="1"/>
+          </p:nvPr>
+        </p:nvSpPr>
+        <p:spPr>
+          <a:xfrm>
+            <a:off x="838200" y="1825625"/>
+            <a:ext cx="10515600" cy="4351338"/>
+          </a:xfrm>
+        </p:spPr>
+        <p:txBody>
+          <a:bodyPr/>
+          <a:lstStyle/>
+          <a:p>
+            <a:r>
+              <a:rPr lang="tr-TR" dirty="0" err="1"/>
+              <a:t>One</a:t>
+            </a:r>
+            <a:r>
+              <a:rPr lang="tr-TR" dirty="0"/>
+              <a:t> </a:t>
+            </a:r>
+            <a:r>
+              <a:rPr lang="tr-TR" dirty="0" err="1"/>
+              <a:t>module</a:t>
+            </a:r>
+            <a:r>
+              <a:rPr lang="tr-TR" dirty="0"/>
+              <a:t> (</a:t>
+            </a:r>
+            <a:r>
+              <a:rPr lang="tr-TR" dirty="0" err="1"/>
+              <a:t>no</a:t>
+            </a:r>
+            <a:r>
+              <a:rPr lang="tr-TR" dirty="0"/>
+              <a:t> </a:t>
+            </a:r>
+            <a:r>
+              <a:rPr lang="tr-TR" dirty="0" err="1"/>
+              <a:t>fault</a:t>
+            </a:r>
+            <a:r>
+              <a:rPr lang="tr-TR" dirty="0"/>
+              <a:t>)</a:t>
+            </a:r>
+          </a:p>
+          <a:p>
+            <a:r>
+              <a:rPr lang="tr-TR" dirty="0" err="1"/>
+              <a:t>Two</a:t>
+            </a:r>
+            <a:r>
+              <a:rPr lang="tr-TR" dirty="0"/>
+              <a:t> </a:t>
+            </a:r>
+            <a:r>
+              <a:rPr lang="tr-TR" dirty="0" err="1"/>
+              <a:t>modules</a:t>
+            </a:r>
+            <a:r>
+              <a:rPr lang="tr-TR" dirty="0"/>
+              <a:t> (</a:t>
+            </a:r>
+            <a:r>
+              <a:rPr lang="tr-TR" dirty="0" err="1"/>
+              <a:t>no</a:t>
+            </a:r>
+            <a:r>
+              <a:rPr lang="tr-TR" dirty="0"/>
+              <a:t> </a:t>
+            </a:r>
+            <a:r>
+              <a:rPr lang="tr-TR" dirty="0" err="1"/>
+              <a:t>fault</a:t>
+            </a:r>
+            <a:r>
+              <a:rPr lang="tr-TR" dirty="0"/>
+              <a:t>)</a:t>
+            </a:r>
+          </a:p>
+          <a:p>
+            <a:r>
+              <a:rPr lang="tr-TR" dirty="0" err="1"/>
+              <a:t>Two</a:t>
+            </a:r>
+            <a:r>
+              <a:rPr lang="tr-TR" dirty="0"/>
+              <a:t> </a:t>
+            </a:r>
+            <a:r>
+              <a:rPr lang="tr-TR" dirty="0" err="1"/>
+              <a:t>modules</a:t>
+            </a:r>
+            <a:r>
+              <a:rPr lang="tr-TR" dirty="0"/>
+              <a:t> (</a:t>
+            </a:r>
+            <a:r>
+              <a:rPr lang="tr-TR" dirty="0" err="1"/>
+              <a:t>yes</a:t>
+            </a:r>
+            <a:r>
+              <a:rPr lang="tr-TR" dirty="0"/>
+              <a:t> </a:t>
+            </a:r>
+            <a:r>
+              <a:rPr lang="tr-TR" dirty="0" err="1"/>
+              <a:t>fault</a:t>
+            </a:r>
+            <a:r>
+              <a:rPr lang="tr-TR" dirty="0"/>
+              <a:t>)</a:t>
+            </a:r>
+          </a:p>
+          <a:p>
+            <a:r>
+              <a:rPr lang="tr-TR" dirty="0" err="1"/>
+              <a:t>Two</a:t>
+            </a:r>
+            <a:r>
+              <a:rPr lang="tr-TR" dirty="0"/>
+              <a:t> </a:t>
+            </a:r>
+            <a:r>
+              <a:rPr lang="tr-TR" dirty="0" err="1"/>
+              <a:t>modules</a:t>
+            </a:r>
+            <a:r>
+              <a:rPr lang="tr-TR" dirty="0"/>
+              <a:t> (</a:t>
+            </a:r>
+            <a:r>
+              <a:rPr lang="tr-TR" dirty="0" err="1"/>
+              <a:t>yes</a:t>
+            </a:r>
+            <a:r>
+              <a:rPr lang="tr-TR" dirty="0"/>
+              <a:t> </a:t>
+            </a:r>
+            <a:r>
+              <a:rPr lang="tr-TR" dirty="0" err="1"/>
+              <a:t>fault</a:t>
+            </a:r>
+            <a:r>
+              <a:rPr lang="tr-TR" dirty="0"/>
+              <a:t> </a:t>
+            </a:r>
+            <a:r>
+              <a:rPr lang="tr-TR" dirty="0" err="1"/>
+              <a:t>with</a:t>
+            </a:r>
+            <a:r>
+              <a:rPr lang="tr-TR" dirty="0"/>
+              <a:t> </a:t>
+            </a:r>
+            <a:r>
+              <a:rPr lang="tr-TR" dirty="0" err="1"/>
+              <a:t>basic</a:t>
+            </a:r>
+            <a:r>
+              <a:rPr lang="tr-TR" dirty="0"/>
+              <a:t> </a:t>
+            </a:r>
+            <a:r>
+              <a:rPr lang="tr-TR" dirty="0" err="1"/>
+              <a:t>fault</a:t>
+            </a:r>
+            <a:r>
+              <a:rPr lang="tr-TR" dirty="0"/>
+              <a:t> </a:t>
+            </a:r>
+            <a:r>
+              <a:rPr lang="tr-TR" dirty="0" err="1"/>
+              <a:t>tolerance</a:t>
+            </a:r>
+            <a:r>
+              <a:rPr lang="tr-TR" dirty="0"/>
+              <a:t>)</a:t>
+            </a:r>
+          </a:p>
+        </p:txBody>
+      </p:sp>
+      <p:sp>
+        <p:nvSpPr>
+          <p:cNvPr id="8" name="Slide Number Placeholder 7">
+            <a:extLst>
+              <a:ext uri="{FF2B5EF4-FFF2-40B4-BE49-F238E27FC236}">
+                <a16:creationId xmlns:a16="http://schemas.microsoft.com/office/drawing/2014/main" id="{210653D0-2604-47ED-8A00-0453E886597D}"/>
+              </a:ext>
+            </a:extLst>
+          </p:cNvPr>
+          <p:cNvSpPr>
+            <a:spLocks noGrp="1"/>
+          </p:cNvSpPr>
+          <p:nvPr>
+            <p:ph type="sldNum" sz="quarter" idx="12"/>
+          </p:nvPr>
+        </p:nvSpPr>
+        <p:spPr/>
+        <p:txBody>
+          <a:bodyPr/>
+          <a:lstStyle/>
+          <a:p>
+            <a:fld id="{C34F410B-15DC-41CC-BDD7-B7A13803B7AF}" type="slidenum">
+              <a:rPr lang="tr-TR" smtClean="0"/>
+              <a:t>7</a:t>
+            </a:fld>
+            <a:endParaRPr lang="tr-TR"/>
+          </a:p>
+        </p:txBody>
+      </p:sp>
+    </p:spTree>
+    <p:extLst>
+      <p:ext uri="{BB962C8B-B14F-4D97-AF65-F5344CB8AC3E}">
+        <p14:creationId xmlns:p14="http://schemas.microsoft.com/office/powerpoint/2010/main" val="4203433516"/>
+      </p:ext>
+    </p:extLst>
+  </p:cSld>
+  <p:clrMapOvr>
+    <a:masterClrMapping/>
+  </p:clrMapOvr>
+</p:sld>
+</file>
+
+<file path=ppt/slides/slide8.xml><?xml version="1.0" encoding="utf-8"?>
+<p:sld xmlns:a="http://schemas.openxmlformats.org/drawingml/2006/main" xmlns:r="http://schemas.openxmlformats.org/officeDocument/2006/relationships" xmlns:p="http://schemas.openxmlformats.org/presentationml/2006/main">
+  <p:cSld>
+    <p:spTree>
+      <p:nvGrpSpPr>
+        <p:cNvPr id="1" name=""/>
+        <p:cNvGrpSpPr/>
+        <p:nvPr/>
+      </p:nvGrpSpPr>
+      <p:grpSpPr>
+        <a:xfrm>
+          <a:off x="0" y="0"/>
+          <a:ext cx="0" cy="0"/>
+          <a:chOff x="0" y="0"/>
+          <a:chExt cx="0" cy="0"/>
+        </a:xfrm>
+      </p:grpSpPr>
+      <p:sp>
+        <p:nvSpPr>
+          <p:cNvPr id="2" name="Title 1">
+            <a:extLst>
+              <a:ext uri="{FF2B5EF4-FFF2-40B4-BE49-F238E27FC236}">
+                <a16:creationId xmlns:a16="http://schemas.microsoft.com/office/drawing/2014/main" id="{76E6F8DB-44C9-49E7-BE08-21D02849A9F8}"/>
+              </a:ext>
+            </a:extLst>
+          </p:cNvPr>
+          <p:cNvSpPr>
+            <a:spLocks noGrp="1"/>
+          </p:cNvSpPr>
+          <p:nvPr>
+            <p:ph type="title"/>
+          </p:nvPr>
+        </p:nvSpPr>
+        <p:spPr/>
+        <p:txBody>
+          <a:bodyPr/>
+          <a:lstStyle/>
+          <a:p>
+            <a:r>
+              <a:rPr lang="tr-TR" dirty="0" err="1"/>
+              <a:t>One</a:t>
+            </a:r>
+            <a:r>
+              <a:rPr lang="tr-TR" dirty="0"/>
+              <a:t> </a:t>
+            </a:r>
+            <a:r>
+              <a:rPr lang="tr-TR" dirty="0" err="1"/>
+              <a:t>module</a:t>
+            </a:r>
+            <a:r>
+              <a:rPr lang="tr-TR" dirty="0"/>
+              <a:t> (</a:t>
+            </a:r>
+            <a:r>
+              <a:rPr lang="tr-TR" dirty="0" err="1"/>
+              <a:t>no</a:t>
+            </a:r>
+            <a:r>
+              <a:rPr lang="tr-TR" dirty="0"/>
+              <a:t> </a:t>
+            </a:r>
+            <a:r>
+              <a:rPr lang="tr-TR" dirty="0" err="1"/>
+              <a:t>fault</a:t>
+            </a:r>
+            <a:r>
+              <a:rPr lang="tr-TR" dirty="0"/>
+              <a:t>)</a:t>
+            </a:r>
+            <a:endParaRPr lang="en-US" dirty="0"/>
+          </a:p>
+        </p:txBody>
+      </p:sp>
+      <p:pic>
+        <p:nvPicPr>
+          <p:cNvPr id="4" name="Picture 3">
+            <a:extLst>
+              <a:ext uri="{FF2B5EF4-FFF2-40B4-BE49-F238E27FC236}">
+                <a16:creationId xmlns:a16="http://schemas.microsoft.com/office/drawing/2014/main" id="{B6D576B7-14AD-4139-8FFD-2F0B5E02DE4F}"/>
+              </a:ext>
+            </a:extLst>
+          </p:cNvPr>
+          <p:cNvPicPr>
+            <a:picLocks noChangeAspect="1"/>
+          </p:cNvPicPr>
+          <p:nvPr/>
+        </p:nvPicPr>
+        <p:blipFill>
+          <a:blip r:embed="rId2"/>
+          <a:stretch>
+            <a:fillRect/>
+          </a:stretch>
+        </p:blipFill>
+        <p:spPr>
+          <a:xfrm>
+            <a:off x="-66676" y="1333499"/>
+            <a:ext cx="6241055" cy="3705225"/>
+          </a:xfrm>
+          <a:prstGeom prst="rect">
+            <a:avLst/>
+          </a:prstGeom>
+        </p:spPr>
+      </p:pic>
+      <p:pic>
+        <p:nvPicPr>
+          <p:cNvPr id="5" name="Picture 4">
+            <a:extLst>
+              <a:ext uri="{FF2B5EF4-FFF2-40B4-BE49-F238E27FC236}">
+                <a16:creationId xmlns:a16="http://schemas.microsoft.com/office/drawing/2014/main" id="{300C6605-8341-4E72-8FA3-EA6CD4492307}"/>
+              </a:ext>
+            </a:extLst>
+          </p:cNvPr>
+          <p:cNvPicPr>
+            <a:picLocks noChangeAspect="1"/>
+          </p:cNvPicPr>
+          <p:nvPr/>
+        </p:nvPicPr>
+        <p:blipFill>
+          <a:blip r:embed="rId3"/>
+          <a:stretch>
+            <a:fillRect/>
+          </a:stretch>
+        </p:blipFill>
+        <p:spPr>
+          <a:xfrm>
+            <a:off x="-66676" y="5018890"/>
+            <a:ext cx="6241055" cy="1839110"/>
+          </a:xfrm>
+          <a:prstGeom prst="rect">
+            <a:avLst/>
+          </a:prstGeom>
+        </p:spPr>
+      </p:pic>
+      <p:pic>
+        <p:nvPicPr>
+          <p:cNvPr id="6" name="Picture 5">
+            <a:extLst>
+              <a:ext uri="{FF2B5EF4-FFF2-40B4-BE49-F238E27FC236}">
+                <a16:creationId xmlns:a16="http://schemas.microsoft.com/office/drawing/2014/main" id="{3999FA2C-2581-450B-B3FC-63932E62377E}"/>
+              </a:ext>
+            </a:extLst>
+          </p:cNvPr>
+          <p:cNvPicPr>
+            <a:picLocks noChangeAspect="1"/>
+          </p:cNvPicPr>
+          <p:nvPr/>
+        </p:nvPicPr>
+        <p:blipFill>
+          <a:blip r:embed="rId4"/>
+          <a:stretch>
+            <a:fillRect/>
+          </a:stretch>
+        </p:blipFill>
+        <p:spPr>
+          <a:xfrm>
+            <a:off x="6174379" y="1333499"/>
+            <a:ext cx="5558825" cy="3193688"/>
+          </a:xfrm>
+          <a:prstGeom prst="rect">
+            <a:avLst/>
+          </a:prstGeom>
+        </p:spPr>
+      </p:pic>
+      <p:sp>
+        <p:nvSpPr>
+          <p:cNvPr id="7" name="Slide Number Placeholder 6">
+            <a:extLst>
+              <a:ext uri="{FF2B5EF4-FFF2-40B4-BE49-F238E27FC236}">
+                <a16:creationId xmlns:a16="http://schemas.microsoft.com/office/drawing/2014/main" id="{B0D49B05-62D3-489A-8019-FD810658B03B}"/>
+              </a:ext>
+            </a:extLst>
+          </p:cNvPr>
+          <p:cNvSpPr>
+            <a:spLocks noGrp="1"/>
+          </p:cNvSpPr>
+          <p:nvPr>
+            <p:ph type="sldNum" sz="quarter" idx="12"/>
+          </p:nvPr>
+        </p:nvSpPr>
+        <p:spPr/>
+        <p:txBody>
+          <a:bodyPr/>
+          <a:lstStyle/>
+          <a:p>
+            <a:fld id="{C34F410B-15DC-41CC-BDD7-B7A13803B7AF}" type="slidenum">
+              <a:rPr lang="tr-TR" smtClean="0"/>
+              <a:t>8</a:t>
+            </a:fld>
+            <a:endParaRPr lang="tr-TR"/>
+          </a:p>
+        </p:txBody>
+      </p:sp>
+    </p:spTree>
+    <p:extLst>
+      <p:ext uri="{BB962C8B-B14F-4D97-AF65-F5344CB8AC3E}">
+        <p14:creationId xmlns:p14="http://schemas.microsoft.com/office/powerpoint/2010/main" val="266880593"/>
+      </p:ext>
+    </p:extLst>
+  </p:cSld>
+  <p:clrMapOvr>
+    <a:masterClrMapping/>
+  </p:clrMapOvr>
+</p:sld>
+</file>
+
+<file path=ppt/slides/slide9.xml><?xml version="1.0" encoding="utf-8"?>
+<p:sld xmlns:a="http://schemas.openxmlformats.org/drawingml/2006/main" xmlns:r="http://schemas.openxmlformats.org/officeDocument/2006/relationships" xmlns:p="http://schemas.openxmlformats.org/presentationml/2006/main">
+  <p:cSld>
+    <p:spTree>
+      <p:nvGrpSpPr>
+        <p:cNvPr id="1" name=""/>
+        <p:cNvGrpSpPr/>
+        <p:nvPr/>
+      </p:nvGrpSpPr>
+      <p:grpSpPr>
+        <a:xfrm>
+          <a:off x="0" y="0"/>
+          <a:ext cx="0" cy="0"/>
+          <a:chOff x="0" y="0"/>
+          <a:chExt cx="0" cy="0"/>
+        </a:xfrm>
+      </p:grpSpPr>
+      <p:sp>
+        <p:nvSpPr>
+          <p:cNvPr id="2" name="Title 1">
+            <a:extLst>
+              <a:ext uri="{FF2B5EF4-FFF2-40B4-BE49-F238E27FC236}">
+                <a16:creationId xmlns:a16="http://schemas.microsoft.com/office/drawing/2014/main" id="{76E6F8DB-44C9-49E7-BE08-21D02849A9F8}"/>
+              </a:ext>
+            </a:extLst>
+          </p:cNvPr>
+          <p:cNvSpPr>
+            <a:spLocks noGrp="1"/>
+          </p:cNvSpPr>
+          <p:nvPr>
+            <p:ph type="title"/>
+          </p:nvPr>
+        </p:nvSpPr>
+        <p:spPr/>
+        <p:txBody>
+          <a:bodyPr/>
+          <a:lstStyle/>
+          <a:p>
+            <a:r>
+              <a:rPr lang="tr-TR" dirty="0" err="1"/>
+              <a:t>Two</a:t>
+            </a:r>
+            <a:r>
+              <a:rPr lang="tr-TR" dirty="0"/>
+              <a:t> </a:t>
+            </a:r>
+            <a:r>
+              <a:rPr lang="tr-TR" dirty="0" err="1"/>
+              <a:t>modules</a:t>
+            </a:r>
+            <a:r>
+              <a:rPr lang="tr-TR" dirty="0"/>
+              <a:t> (</a:t>
+            </a:r>
+            <a:r>
+              <a:rPr lang="tr-TR" dirty="0" err="1"/>
+              <a:t>no</a:t>
+            </a:r>
+            <a:r>
+              <a:rPr lang="tr-TR" dirty="0"/>
+              <a:t> </a:t>
+            </a:r>
+            <a:r>
+              <a:rPr lang="tr-TR" dirty="0" err="1"/>
+              <a:t>fault</a:t>
+            </a:r>
+            <a:r>
+              <a:rPr lang="tr-TR" dirty="0"/>
+              <a:t>)</a:t>
+            </a:r>
+            <a:endParaRPr lang="en-US" dirty="0"/>
+          </a:p>
+        </p:txBody>
+      </p:sp>
+      <p:pic>
+        <p:nvPicPr>
+          <p:cNvPr id="3" name="Picture 2">
+            <a:extLst>
+              <a:ext uri="{FF2B5EF4-FFF2-40B4-BE49-F238E27FC236}">
+                <a16:creationId xmlns:a16="http://schemas.microsoft.com/office/drawing/2014/main" id="{338D3233-613B-4B39-ABD7-89930FE32CA5}"/>
+              </a:ext>
+            </a:extLst>
+          </p:cNvPr>
+          <p:cNvPicPr>
+            <a:picLocks noChangeAspect="1"/>
+          </p:cNvPicPr>
+          <p:nvPr/>
+        </p:nvPicPr>
+        <p:blipFill>
+          <a:blip r:embed="rId2"/>
+          <a:stretch>
+            <a:fillRect/>
+          </a:stretch>
+        </p:blipFill>
+        <p:spPr>
+          <a:xfrm>
+            <a:off x="0" y="1263929"/>
+            <a:ext cx="5491520" cy="3312167"/>
+          </a:xfrm>
+          <a:prstGeom prst="rect">
+            <a:avLst/>
+          </a:prstGeom>
+        </p:spPr>
+      </p:pic>
+      <p:pic>
+        <p:nvPicPr>
+          <p:cNvPr id="8" name="Picture 7">
+            <a:extLst>
+              <a:ext uri="{FF2B5EF4-FFF2-40B4-BE49-F238E27FC236}">
+                <a16:creationId xmlns:a16="http://schemas.microsoft.com/office/drawing/2014/main" id="{C146C1F8-659E-4AED-A3E6-C65C36980572}"/>
+              </a:ext>
+            </a:extLst>
+          </p:cNvPr>
+          <p:cNvPicPr>
+            <a:picLocks noChangeAspect="1"/>
+          </p:cNvPicPr>
+          <p:nvPr/>
+        </p:nvPicPr>
+        <p:blipFill>
+          <a:blip r:embed="rId3"/>
+          <a:stretch>
+            <a:fillRect/>
+          </a:stretch>
+        </p:blipFill>
+        <p:spPr>
+          <a:xfrm>
+            <a:off x="5557322" y="1318084"/>
+            <a:ext cx="6173359" cy="3437144"/>
+          </a:xfrm>
+          <a:prstGeom prst="rect">
+            <a:avLst/>
+          </a:prstGeom>
+        </p:spPr>
+      </p:pic>
+      <p:pic>
+        <p:nvPicPr>
+          <p:cNvPr id="9" name="Picture 8">
+            <a:extLst>
+              <a:ext uri="{FF2B5EF4-FFF2-40B4-BE49-F238E27FC236}">
+                <a16:creationId xmlns:a16="http://schemas.microsoft.com/office/drawing/2014/main" id="{8748AABB-9EB1-49B0-BAD2-F149ABDCDF9C}"/>
+              </a:ext>
+            </a:extLst>
+          </p:cNvPr>
+          <p:cNvPicPr>
+            <a:picLocks noChangeAspect="1"/>
+          </p:cNvPicPr>
+          <p:nvPr/>
+        </p:nvPicPr>
+        <p:blipFill>
+          <a:blip r:embed="rId4"/>
+          <a:stretch>
+            <a:fillRect/>
+          </a:stretch>
+        </p:blipFill>
+        <p:spPr>
+          <a:xfrm>
+            <a:off x="5704958" y="5025668"/>
+            <a:ext cx="6020043" cy="1127482"/>
+          </a:xfrm>
+          <a:prstGeom prst="rect">
+            <a:avLst/>
+          </a:prstGeom>
+        </p:spPr>
+      </p:pic>
+      <p:pic>
+        <p:nvPicPr>
+          <p:cNvPr id="12" name="Picture 11">
+            <a:extLst>
+              <a:ext uri="{FF2B5EF4-FFF2-40B4-BE49-F238E27FC236}">
+                <a16:creationId xmlns:a16="http://schemas.microsoft.com/office/drawing/2014/main" id="{9473156B-6BDE-48B5-9FC2-9BD1771C1213}"/>
+              </a:ext>
+            </a:extLst>
+          </p:cNvPr>
+          <p:cNvPicPr>
+            <a:picLocks noChangeAspect="1"/>
+          </p:cNvPicPr>
+          <p:nvPr/>
+        </p:nvPicPr>
+        <p:blipFill>
+          <a:blip r:embed="rId5"/>
+          <a:stretch>
+            <a:fillRect/>
+          </a:stretch>
+        </p:blipFill>
+        <p:spPr>
+          <a:xfrm>
+            <a:off x="351799" y="4576096"/>
+            <a:ext cx="5139721" cy="2281904"/>
+          </a:xfrm>
+          <a:prstGeom prst="rect">
+            <a:avLst/>
+          </a:prstGeom>
+        </p:spPr>
+      </p:pic>
+      <p:sp>
+        <p:nvSpPr>
+          <p:cNvPr id="13" name="Slide Number Placeholder 12">
+            <a:extLst>
+              <a:ext uri="{FF2B5EF4-FFF2-40B4-BE49-F238E27FC236}">
+                <a16:creationId xmlns:a16="http://schemas.microsoft.com/office/drawing/2014/main" id="{BF494CFA-924E-4FC1-97D0-13A75F745D9E}"/>
+              </a:ext>
+            </a:extLst>
+          </p:cNvPr>
+          <p:cNvSpPr>
+            <a:spLocks noGrp="1"/>
+          </p:cNvSpPr>
+          <p:nvPr>
+            <p:ph type="sldNum" sz="quarter" idx="12"/>
+          </p:nvPr>
+        </p:nvSpPr>
+        <p:spPr/>
+        <p:txBody>
+          <a:bodyPr/>
+          <a:lstStyle/>
+          <a:p>
+            <a:fld id="{C34F410B-15DC-41CC-BDD7-B7A13803B7AF}" type="slidenum">
+              <a:rPr lang="tr-TR" smtClean="0"/>
+              <a:t>9</a:t>
+            </a:fld>
+            <a:endParaRPr lang="tr-TR"/>
+          </a:p>
+        </p:txBody>
+      </p:sp>
+    </p:spTree>
+    <p:extLst>
+      <p:ext uri="{BB962C8B-B14F-4D97-AF65-F5344CB8AC3E}">
+        <p14:creationId xmlns:p14="http://schemas.microsoft.com/office/powerpoint/2010/main" val="1458476238"/>
       </p:ext>
     </p:extLst>
   </p:cSld>
@@ -4587,4 +8984,299 @@
     </a:ext>
   </a:extLst>
 </a:theme>
+</file>
+
+<file path=ppt/theme/theme2.xml><?xml version="1.0" encoding="utf-8"?>
+<a:theme xmlns:a="http://schemas.openxmlformats.org/drawingml/2006/main" name="Office Theme">
+  <a:themeElements>
+    <a:clrScheme name="Office">
+      <a:dk1>
+        <a:sysClr val="windowText" lastClr="000000"/>
+      </a:dk1>
+      <a:lt1>
+        <a:sysClr val="window" lastClr="FFFFFF"/>
+      </a:lt1>
+      <a:dk2>
+        <a:srgbClr val="44546A"/>
+      </a:dk2>
+      <a:lt2>
+        <a:srgbClr val="E7E6E6"/>
+      </a:lt2>
+      <a:accent1>
+        <a:srgbClr val="4472C4"/>
+      </a:accent1>
+      <a:accent2>
+        <a:srgbClr val="ED7D31"/>
+      </a:accent2>
+      <a:accent3>
+        <a:srgbClr val="A5A5A5"/>
+      </a:accent3>
+      <a:accent4>
+        <a:srgbClr val="FFC000"/>
+      </a:accent4>
+      <a:accent5>
+        <a:srgbClr val="5B9BD5"/>
+      </a:accent5>
+      <a:accent6>
+        <a:srgbClr val="70AD47"/>
+      </a:accent6>
+      <a:hlink>
+        <a:srgbClr val="0563C1"/>
+      </a:hlink>
+      <a:folHlink>
+        <a:srgbClr val="954F72"/>
+      </a:folHlink>
+    </a:clrScheme>
+    <a:fontScheme name="Office">
+      <a:majorFont>
+        <a:latin typeface="Calibri Light" panose="020F0302020204030204"/>
+        <a:ea typeface=""/>
+        <a:cs typeface=""/>
+        <a:font script="Jpan" typeface="游ゴシック Light"/>
+        <a:font script="Hang" typeface="맑은 고딕"/>
+        <a:font script="Hans" typeface="等线 Light"/>
+        <a:font script="Hant" typeface="新細明體"/>
+        <a:font script="Arab" typeface="Times New Roman"/>
+        <a:font script="Hebr" typeface="Times New Roman"/>
+        <a:font script="Thai" typeface="Angsana New"/>
+        <a:font script="Ethi" typeface="Nyala"/>
+        <a:font script="Beng" typeface="Vrinda"/>
+        <a:font script="Gujr" typeface="Shruti"/>
+        <a:font script="Khmr" typeface="MoolBoran"/>
+        <a:font script="Knda" typeface="Tunga"/>
+        <a:font script="Guru" typeface="Raavi"/>
+        <a:font script="Cans" typeface="Euphemia"/>
+        <a:font script="Cher" typeface="Plantagenet Cherokee"/>
+        <a:font script="Yiii" typeface="Microsoft Yi Baiti"/>
+        <a:font script="Tibt" typeface="Microsoft Himalaya"/>
+        <a:font script="Thaa" typeface="MV Boli"/>
+        <a:font script="Deva" typeface="Mangal"/>
+        <a:font script="Telu" typeface="Gautami"/>
+        <a:font script="Taml" typeface="Latha"/>
+        <a:font script="Syrc" typeface="Estrangelo Edessa"/>
+        <a:font script="Orya" typeface="Kalinga"/>
+        <a:font script="Mlym" typeface="Kartika"/>
+        <a:font script="Laoo" typeface="DokChampa"/>
+        <a:font script="Sinh" typeface="Iskoola Pota"/>
+        <a:font script="Mong" typeface="Mongolian Baiti"/>
+        <a:font script="Viet" typeface="Times New Roman"/>
+        <a:font script="Uigh" typeface="Microsoft Uighur"/>
+        <a:font script="Geor" typeface="Sylfaen"/>
+        <a:font script="Armn" typeface="Arial"/>
+        <a:font script="Bugi" typeface="Leelawadee UI"/>
+        <a:font script="Bopo" typeface="Microsoft JhengHei"/>
+        <a:font script="Java" typeface="Javanese Text"/>
+        <a:font script="Lisu" typeface="Segoe UI"/>
+        <a:font script="Mymr" typeface="Myanmar Text"/>
+        <a:font script="Nkoo" typeface="Ebrima"/>
+        <a:font script="Olck" typeface="Nirmala UI"/>
+        <a:font script="Osma" typeface="Ebrima"/>
+        <a:font script="Phag" typeface="Phagspa"/>
+        <a:font script="Syrn" typeface="Estrangelo Edessa"/>
+        <a:font script="Syrj" typeface="Estrangelo Edessa"/>
+        <a:font script="Syre" typeface="Estrangelo Edessa"/>
+        <a:font script="Sora" typeface="Nirmala UI"/>
+        <a:font script="Tale" typeface="Microsoft Tai Le"/>
+        <a:font script="Talu" typeface="Microsoft New Tai Lue"/>
+        <a:font script="Tfng" typeface="Ebrima"/>
+      </a:majorFont>
+      <a:minorFont>
+        <a:latin typeface="Calibri" panose="020F0502020204030204"/>
+        <a:ea typeface=""/>
+        <a:cs typeface=""/>
+        <a:font script="Jpan" typeface="游ゴシック"/>
+        <a:font script="Hang" typeface="맑은 고딕"/>
+        <a:font script="Hans" typeface="等线"/>
+        <a:font script="Hant" typeface="新細明體"/>
+        <a:font script="Arab" typeface="Arial"/>
+        <a:font script="Hebr" typeface="Arial"/>
+        <a:font script="Thai" typeface="Cordia New"/>
+        <a:font script="Ethi" typeface="Nyala"/>
+        <a:font script="Beng" typeface="Vrinda"/>
+        <a:font script="Gujr" typeface="Shruti"/>
+        <a:font script="Khmr" typeface="DaunPenh"/>
+        <a:font script="Knda" typeface="Tunga"/>
+        <a:font script="Guru" typeface="Raavi"/>
+        <a:font script="Cans" typeface="Euphemia"/>
+        <a:font script="Cher" typeface="Plantagenet Cherokee"/>
+        <a:font script="Yiii" typeface="Microsoft Yi Baiti"/>
+        <a:font script="Tibt" typeface="Microsoft Himalaya"/>
+        <a:font script="Thaa" typeface="MV Boli"/>
+        <a:font script="Deva" typeface="Mangal"/>
+        <a:font script="Telu" typeface="Gautami"/>
+        <a:font script="Taml" typeface="Latha"/>
+        <a:font script="Syrc" typeface="Estrangelo Edessa"/>
+        <a:font script="Orya" typeface="Kalinga"/>
+        <a:font script="Mlym" typeface="Kartika"/>
+        <a:font script="Laoo" typeface="DokChampa"/>
+        <a:font script="Sinh" typeface="Iskoola Pota"/>
+        <a:font script="Mong" typeface="Mongolian Baiti"/>
+        <a:font script="Viet" typeface="Arial"/>
+        <a:font script="Uigh" typeface="Microsoft Uighur"/>
+        <a:font script="Geor" typeface="Sylfaen"/>
+        <a:font script="Armn" typeface="Arial"/>
+        <a:font script="Bugi" typeface="Leelawadee UI"/>
+        <a:font script="Bopo" typeface="Microsoft JhengHei"/>
+        <a:font script="Java" typeface="Javanese Text"/>
+        <a:font script="Lisu" typeface="Segoe UI"/>
+        <a:font script="Mymr" typeface="Myanmar Text"/>
+        <a:font script="Nkoo" typeface="Ebrima"/>
+        <a:font script="Olck" typeface="Nirmala UI"/>
+        <a:font script="Osma" typeface="Ebrima"/>
+        <a:font script="Phag" typeface="Phagspa"/>
+        <a:font script="Syrn" typeface="Estrangelo Edessa"/>
+        <a:font script="Syrj" typeface="Estrangelo Edessa"/>
+        <a:font script="Syre" typeface="Estrangelo Edessa"/>
+        <a:font script="Sora" typeface="Nirmala UI"/>
+        <a:font script="Tale" typeface="Microsoft Tai Le"/>
+        <a:font script="Talu" typeface="Microsoft New Tai Lue"/>
+        <a:font script="Tfng" typeface="Ebrima"/>
+      </a:minorFont>
+    </a:fontScheme>
+    <a:fmtScheme name="Office">
+      <a:fillStyleLst>
+        <a:solidFill>
+          <a:schemeClr val="phClr"/>
+        </a:solidFill>
+        <a:gradFill rotWithShape="1">
+          <a:gsLst>
+            <a:gs pos="0">
+              <a:schemeClr val="phClr">
+                <a:lumMod val="110000"/>
+                <a:satMod val="105000"/>
+                <a:tint val="67000"/>
+              </a:schemeClr>
+            </a:gs>
+            <a:gs pos="50000">
+              <a:schemeClr val="phClr">
+                <a:lumMod val="105000"/>
+                <a:satMod val="103000"/>
+                <a:tint val="73000"/>
+              </a:schemeClr>
+            </a:gs>
+            <a:gs pos="100000">
+              <a:schemeClr val="phClr">
+                <a:lumMod val="105000"/>
+                <a:satMod val="109000"/>
+                <a:tint val="81000"/>
+              </a:schemeClr>
+            </a:gs>
+          </a:gsLst>
+          <a:lin ang="5400000" scaled="0"/>
+        </a:gradFill>
+        <a:gradFill rotWithShape="1">
+          <a:gsLst>
+            <a:gs pos="0">
+              <a:schemeClr val="phClr">
+                <a:satMod val="103000"/>
+                <a:lumMod val="102000"/>
+                <a:tint val="94000"/>
+              </a:schemeClr>
+            </a:gs>
+            <a:gs pos="50000">
+              <a:schemeClr val="phClr">
+                <a:satMod val="110000"/>
+                <a:lumMod val="100000"/>
+                <a:shade val="100000"/>
+              </a:schemeClr>
+            </a:gs>
+            <a:gs pos="100000">
+              <a:schemeClr val="phClr">
+                <a:lumMod val="99000"/>
+                <a:satMod val="120000"/>
+                <a:shade val="78000"/>
+              </a:schemeClr>
+            </a:gs>
+          </a:gsLst>
+          <a:lin ang="5400000" scaled="0"/>
+        </a:gradFill>
+      </a:fillStyleLst>
+      <a:lnStyleLst>
+        <a:ln w="6350" cap="flat" cmpd="sng" algn="ctr">
+          <a:solidFill>
+            <a:schemeClr val="phClr"/>
+          </a:solidFill>
+          <a:prstDash val="solid"/>
+          <a:miter lim="800000"/>
+        </a:ln>
+        <a:ln w="12700" cap="flat" cmpd="sng" algn="ctr">
+          <a:solidFill>
+            <a:schemeClr val="phClr"/>
+          </a:solidFill>
+          <a:prstDash val="solid"/>
+          <a:miter lim="800000"/>
+        </a:ln>
+        <a:ln w="19050" cap="flat" cmpd="sng" algn="ctr">
+          <a:solidFill>
+            <a:schemeClr val="phClr"/>
+          </a:solidFill>
+          <a:prstDash val="solid"/>
+          <a:miter lim="800000"/>
+        </a:ln>
+      </a:lnStyleLst>
+      <a:effectStyleLst>
+        <a:effectStyle>
+          <a:effectLst/>
+        </a:effectStyle>
+        <a:effectStyle>
+          <a:effectLst/>
+        </a:effectStyle>
+        <a:effectStyle>
+          <a:effectLst>
+            <a:outerShdw blurRad="57150" dist="19050" dir="5400000" algn="ctr" rotWithShape="0">
+              <a:srgbClr val="000000">
+                <a:alpha val="63000"/>
+              </a:srgbClr>
+            </a:outerShdw>
+          </a:effectLst>
+        </a:effectStyle>
+      </a:effectStyleLst>
+      <a:bgFillStyleLst>
+        <a:solidFill>
+          <a:schemeClr val="phClr"/>
+        </a:solidFill>
+        <a:solidFill>
+          <a:schemeClr val="phClr">
+            <a:tint val="95000"/>
+            <a:satMod val="170000"/>
+          </a:schemeClr>
+        </a:solidFill>
+        <a:gradFill rotWithShape="1">
+          <a:gsLst>
+            <a:gs pos="0">
+              <a:schemeClr val="phClr">
+                <a:tint val="93000"/>
+                <a:satMod val="150000"/>
+                <a:shade val="98000"/>
+                <a:lumMod val="102000"/>
+              </a:schemeClr>
+            </a:gs>
+            <a:gs pos="50000">
+              <a:schemeClr val="phClr">
+                <a:tint val="98000"/>
+                <a:satMod val="130000"/>
+                <a:shade val="90000"/>
+                <a:lumMod val="103000"/>
+              </a:schemeClr>
+            </a:gs>
+            <a:gs pos="100000">
+              <a:schemeClr val="phClr">
+                <a:shade val="63000"/>
+                <a:satMod val="120000"/>
+              </a:schemeClr>
+            </a:gs>
+          </a:gsLst>
+          <a:lin ang="5400000" scaled="0"/>
+        </a:gradFill>
+      </a:bgFillStyleLst>
+    </a:fmtScheme>
+  </a:themeElements>
+  <a:objectDefaults/>
+  <a:extraClrSchemeLst/>
+  <a:extLst>
+    <a:ext uri="{05A4C25C-085E-4340-85A3-A5531E510DB2}">
+      <thm15:themeFamily xmlns:thm15="http://schemas.microsoft.com/office/thememl/2012/main" name="Office Theme" id="{62F939B6-93AF-4DB8-9C6B-D6C7DFDC589F}" vid="{4A3C46E8-61CC-4603-A589-7422A47A8E4A}"/>
+    </a:ext>
+  </a:extLst>
+</a:theme>
 </file>